--- a/report/BÁO CÁO ĐỒ ÁN CUỐI KỲ.pptx
+++ b/report/BÁO CÁO ĐỒ ÁN CUỐI KỲ.pptx
@@ -20624,7 +20624,7 @@
         </p:blipFill>
         <p:spPr>
           <a:xfrm>
-            <a:off x="887872" y="1489582"/>
+            <a:off x="874145" y="4226601"/>
             <a:ext cx="4977562" cy="1678084"/>
           </a:xfrm>
           <a:prstGeom prst="rect">
@@ -20654,7 +20654,7 @@
         </p:blipFill>
         <p:spPr>
           <a:xfrm>
-            <a:off x="888604" y="4238774"/>
+            <a:off x="997527" y="1481316"/>
             <a:ext cx="4977562" cy="1614645"/>
           </a:xfrm>
           <a:prstGeom prst="rect">
@@ -22982,19 +22982,17 @@
       </p:sp>
       <p:pic>
         <p:nvPicPr>
-          <p:cNvPr id="4" name="Chỗ dành sẵn cho Nội dung 3" descr="Ảnh có chứa nắm giữ&#10;&#10;Mô tả được tạo tự động">
+          <p:cNvPr id="6" name="Hình ảnh 5">
             <a:extLst>
               <a:ext uri="{FF2B5EF4-FFF2-40B4-BE49-F238E27FC236}">
-                <a16:creationId xmlns:a16="http://schemas.microsoft.com/office/drawing/2014/main" id="{0FF1FC22-2799-4C1D-9E67-22414585E6AB}"/>
+                <a16:creationId xmlns:a16="http://schemas.microsoft.com/office/drawing/2014/main" id="{938E190F-CBF2-4F5B-8F21-2DF3535FB656}"/>
               </a:ext>
             </a:extLst>
           </p:cNvPr>
           <p:cNvPicPr>
-            <a:picLocks noGrp="1" noChangeAspect="1"/>
+            <a:picLocks noChangeAspect="1"/>
           </p:cNvPicPr>
-          <p:nvPr>
-            <p:ph idx="1"/>
-          </p:nvPr>
+          <p:nvPr/>
         </p:nvPicPr>
         <p:blipFill>
           <a:blip r:embed="rId2"/>
@@ -23004,8 +23002,8 @@
         </p:blipFill>
         <p:spPr>
           <a:xfrm>
-            <a:off x="1629635" y="1981948"/>
-            <a:ext cx="7625162" cy="2741427"/>
+            <a:off x="681099" y="2290173"/>
+            <a:ext cx="8736595" cy="2782479"/>
           </a:xfrm>
           <a:prstGeom prst="rect">
             <a:avLst/>
@@ -23820,19 +23818,17 @@
       </p:sp>
       <p:pic>
         <p:nvPicPr>
-          <p:cNvPr id="6" name="Chỗ dành sẵn cho Nội dung 5">
+          <p:cNvPr id="5" name="Hình ảnh 4">
             <a:extLst>
               <a:ext uri="{FF2B5EF4-FFF2-40B4-BE49-F238E27FC236}">
-                <a16:creationId xmlns:a16="http://schemas.microsoft.com/office/drawing/2014/main" id="{F4ABAC6A-DB11-48A1-8ED6-EF7555FD498F}"/>
+                <a16:creationId xmlns:a16="http://schemas.microsoft.com/office/drawing/2014/main" id="{2D794351-7E17-44E5-9324-42114ECCF39A}"/>
               </a:ext>
             </a:extLst>
           </p:cNvPr>
           <p:cNvPicPr>
-            <a:picLocks noGrp="1" noChangeAspect="1"/>
+            <a:picLocks noChangeAspect="1"/>
           </p:cNvPicPr>
-          <p:nvPr>
-            <p:ph idx="1"/>
-          </p:nvPr>
+          <p:nvPr/>
         </p:nvPicPr>
         <p:blipFill>
           <a:blip r:embed="rId2"/>
@@ -23842,8 +23838,8 @@
         </p:blipFill>
         <p:spPr>
           <a:xfrm>
-            <a:off x="1725716" y="2120896"/>
-            <a:ext cx="7625162" cy="2607739"/>
+            <a:off x="1096030" y="2309812"/>
+            <a:ext cx="7747622" cy="2838963"/>
           </a:xfrm>
           <a:prstGeom prst="rect">
             <a:avLst/>
@@ -25310,6 +25306,145 @@
                 <a:cs typeface="Times New Roman" panose="02020603050405020304" pitchFamily="18" charset="0"/>
               </a:rPr>
               <a:t>thể</a:t>
+            </a:r>
+            <a:endParaRPr lang="vi-VN" sz="2800" b="1" dirty="0">
+              <a:latin typeface="Times New Roman" panose="02020603050405020304" pitchFamily="18" charset="0"/>
+              <a:cs typeface="Times New Roman" panose="02020603050405020304" pitchFamily="18" charset="0"/>
+            </a:endParaRPr>
+          </a:p>
+          <a:p>
+            <a:r>
+              <a:rPr lang="vi-VN" sz="2800" b="1" dirty="0" err="1">
+                <a:latin typeface="Times New Roman" panose="02020603050405020304" pitchFamily="18" charset="0"/>
+                <a:cs typeface="Times New Roman" panose="02020603050405020304" pitchFamily="18" charset="0"/>
+              </a:rPr>
+              <a:t>Cần</a:t>
+            </a:r>
+            <a:r>
+              <a:rPr lang="vi-VN" sz="2800" b="1" dirty="0">
+                <a:latin typeface="Times New Roman" panose="02020603050405020304" pitchFamily="18" charset="0"/>
+                <a:cs typeface="Times New Roman" panose="02020603050405020304" pitchFamily="18" charset="0"/>
+              </a:rPr>
+              <a:t> </a:t>
+            </a:r>
+            <a:r>
+              <a:rPr lang="vi-VN" sz="2800" b="1" dirty="0" err="1">
+                <a:latin typeface="Times New Roman" panose="02020603050405020304" pitchFamily="18" charset="0"/>
+                <a:cs typeface="Times New Roman" panose="02020603050405020304" pitchFamily="18" charset="0"/>
+              </a:rPr>
+              <a:t>kiểm</a:t>
+            </a:r>
+            <a:r>
+              <a:rPr lang="vi-VN" sz="2800" b="1" dirty="0">
+                <a:latin typeface="Times New Roman" panose="02020603050405020304" pitchFamily="18" charset="0"/>
+                <a:cs typeface="Times New Roman" panose="02020603050405020304" pitchFamily="18" charset="0"/>
+              </a:rPr>
+              <a:t> tra </a:t>
+            </a:r>
+            <a:r>
+              <a:rPr lang="vi-VN" sz="2800" b="1" dirty="0" err="1">
+                <a:latin typeface="Times New Roman" panose="02020603050405020304" pitchFamily="18" charset="0"/>
+                <a:cs typeface="Times New Roman" panose="02020603050405020304" pitchFamily="18" charset="0"/>
+              </a:rPr>
+              <a:t>thật</a:t>
+            </a:r>
+            <a:r>
+              <a:rPr lang="vi-VN" sz="2800" b="1" dirty="0">
+                <a:latin typeface="Times New Roman" panose="02020603050405020304" pitchFamily="18" charset="0"/>
+                <a:cs typeface="Times New Roman" panose="02020603050405020304" pitchFamily="18" charset="0"/>
+              </a:rPr>
+              <a:t> </a:t>
+            </a:r>
+            <a:r>
+              <a:rPr lang="vi-VN" sz="2800" b="1" dirty="0" err="1">
+                <a:latin typeface="Times New Roman" panose="02020603050405020304" pitchFamily="18" charset="0"/>
+                <a:cs typeface="Times New Roman" panose="02020603050405020304" pitchFamily="18" charset="0"/>
+              </a:rPr>
+              <a:t>kỹ</a:t>
+            </a:r>
+            <a:r>
+              <a:rPr lang="vi-VN" sz="2800" b="1" dirty="0">
+                <a:latin typeface="Times New Roman" panose="02020603050405020304" pitchFamily="18" charset="0"/>
+                <a:cs typeface="Times New Roman" panose="02020603050405020304" pitchFamily="18" charset="0"/>
+              </a:rPr>
+              <a:t> </a:t>
+            </a:r>
+            <a:r>
+              <a:rPr lang="vi-VN" sz="2800" b="1" dirty="0" err="1">
+                <a:latin typeface="Times New Roman" panose="02020603050405020304" pitchFamily="18" charset="0"/>
+                <a:cs typeface="Times New Roman" panose="02020603050405020304" pitchFamily="18" charset="0"/>
+              </a:rPr>
+              <a:t>trước</a:t>
+            </a:r>
+            <a:r>
+              <a:rPr lang="vi-VN" sz="2800" b="1" dirty="0">
+                <a:latin typeface="Times New Roman" panose="02020603050405020304" pitchFamily="18" charset="0"/>
+                <a:cs typeface="Times New Roman" panose="02020603050405020304" pitchFamily="18" charset="0"/>
+              </a:rPr>
+              <a:t> khi </a:t>
+            </a:r>
+            <a:r>
+              <a:rPr lang="vi-VN" sz="2800" b="1" dirty="0" err="1">
+                <a:latin typeface="Times New Roman" panose="02020603050405020304" pitchFamily="18" charset="0"/>
+                <a:cs typeface="Times New Roman" panose="02020603050405020304" pitchFamily="18" charset="0"/>
+              </a:rPr>
+              <a:t>thực</a:t>
+            </a:r>
+            <a:r>
+              <a:rPr lang="vi-VN" sz="2800" b="1" dirty="0">
+                <a:latin typeface="Times New Roman" panose="02020603050405020304" pitchFamily="18" charset="0"/>
+                <a:cs typeface="Times New Roman" panose="02020603050405020304" pitchFamily="18" charset="0"/>
+              </a:rPr>
+              <a:t> </a:t>
+            </a:r>
+            <a:r>
+              <a:rPr lang="vi-VN" sz="2800" b="1" dirty="0" err="1">
+                <a:latin typeface="Times New Roman" panose="02020603050405020304" pitchFamily="18" charset="0"/>
+                <a:cs typeface="Times New Roman" panose="02020603050405020304" pitchFamily="18" charset="0"/>
+              </a:rPr>
+              <a:t>hiện</a:t>
+            </a:r>
+            <a:r>
+              <a:rPr lang="vi-VN" sz="2800" b="1" dirty="0">
+                <a:latin typeface="Times New Roman" panose="02020603050405020304" pitchFamily="18" charset="0"/>
+                <a:cs typeface="Times New Roman" panose="02020603050405020304" pitchFamily="18" charset="0"/>
+              </a:rPr>
+              <a:t> </a:t>
+            </a:r>
+            <a:r>
+              <a:rPr lang="vi-VN" sz="2800" b="1" dirty="0" err="1">
+                <a:latin typeface="Times New Roman" panose="02020603050405020304" pitchFamily="18" charset="0"/>
+                <a:cs typeface="Times New Roman" panose="02020603050405020304" pitchFamily="18" charset="0"/>
+              </a:rPr>
+              <a:t>commit</a:t>
+            </a:r>
+            <a:r>
+              <a:rPr lang="vi-VN" sz="2800" b="1" dirty="0">
+                <a:latin typeface="Times New Roman" panose="02020603050405020304" pitchFamily="18" charset="0"/>
+                <a:cs typeface="Times New Roman" panose="02020603050405020304" pitchFamily="18" charset="0"/>
+              </a:rPr>
+              <a:t> trên </a:t>
+            </a:r>
+            <a:r>
+              <a:rPr lang="vi-VN" sz="2800" b="1" dirty="0" err="1">
+                <a:latin typeface="Times New Roman" panose="02020603050405020304" pitchFamily="18" charset="0"/>
+                <a:cs typeface="Times New Roman" panose="02020603050405020304" pitchFamily="18" charset="0"/>
+              </a:rPr>
+              <a:t>git</a:t>
+            </a:r>
+            <a:r>
+              <a:rPr lang="vi-VN" sz="2800" b="1" dirty="0">
+                <a:latin typeface="Times New Roman" panose="02020603050405020304" pitchFamily="18" charset="0"/>
+                <a:cs typeface="Times New Roman" panose="02020603050405020304" pitchFamily="18" charset="0"/>
+              </a:rPr>
+              <a:t> </a:t>
+            </a:r>
+            <a:r>
+              <a:rPr lang="vi-VN" sz="2800" b="1" dirty="0" err="1">
+                <a:latin typeface="Times New Roman" panose="02020603050405020304" pitchFamily="18" charset="0"/>
+                <a:cs typeface="Times New Roman" panose="02020603050405020304" pitchFamily="18" charset="0"/>
+              </a:rPr>
+              <a:t>hub</a:t>
             </a:r>
             <a:endParaRPr lang="vi-VN" sz="2800" b="1" dirty="0">
               <a:latin typeface="Times New Roman" panose="02020603050405020304" pitchFamily="18" charset="0"/>

--- a/report/BÁO CÁO ĐỒ ÁN CUỐI KỲ.pptx
+++ b/report/BÁO CÁO ĐỒ ÁN CUỐI KỲ.pptx
@@ -4,6 +4,9 @@
   <p:sldMasterIdLst>
     <p:sldMasterId id="2147483648" r:id="rId1"/>
   </p:sldMasterIdLst>
+  <p:notesMasterIdLst>
+    <p:notesMasterId r:id="rId31"/>
+  </p:notesMasterIdLst>
   <p:sldIdLst>
     <p:sldId id="256" r:id="rId2"/>
     <p:sldId id="257" r:id="rId3"/>
@@ -143,7 +146,7 @@
 <file path=ppt/charts/chart1.xml><?xml version="1.0" encoding="utf-8"?>
 <c:chartSpace xmlns:c="http://schemas.openxmlformats.org/drawingml/2006/chart" xmlns:a="http://schemas.openxmlformats.org/drawingml/2006/main" xmlns:r="http://schemas.openxmlformats.org/officeDocument/2006/relationships" xmlns:c16r2="http://schemas.microsoft.com/office/drawing/2015/06/chart">
   <c:date1904 val="0"/>
-  <c:lang val="vi-VN"/>
+  <c:lang val="en-US"/>
   <c:roundedCorners val="0"/>
   <mc:AlternateContent xmlns:mc="http://schemas.openxmlformats.org/markup-compatibility/2006">
     <mc:Choice xmlns:c14="http://schemas.microsoft.com/office/drawing/2007/8/2/chart" Requires="c14">
@@ -205,6 +208,7 @@
           </a:p>
         </c:rich>
       </c:tx>
+      <c:layout/>
       <c:overlay val="0"/>
       <c:spPr>
         <a:noFill/>
@@ -230,7 +234,7 @@
               <a:cs typeface="+mn-cs"/>
             </a:defRPr>
           </a:pPr>
-          <a:endParaRPr lang="vi-VN"/>
+          <a:endParaRPr lang="en-US"/>
         </a:p>
       </c:txPr>
     </c:title>
@@ -878,7 +882,7 @@
                 <a:cs typeface="+mn-cs"/>
               </a:defRPr>
             </a:pPr>
-            <a:endParaRPr lang="vi-VN"/>
+            <a:endParaRPr lang="en-US"/>
           </a:p>
         </c:txPr>
         <c:crossAx val="375975960"/>
@@ -937,7 +941,7 @@
                 <a:cs typeface="+mn-cs"/>
               </a:defRPr>
             </a:pPr>
-            <a:endParaRPr lang="vi-VN"/>
+            <a:endParaRPr lang="en-US"/>
           </a:p>
         </c:txPr>
         <c:crossAx val="375974320"/>
@@ -954,6 +958,7 @@
     </c:plotArea>
     <c:legend>
       <c:legendPos val="b"/>
+      <c:layout/>
       <c:overlay val="0"/>
       <c:spPr>
         <a:noFill/>
@@ -979,12 +984,13 @@
               <a:cs typeface="+mn-cs"/>
             </a:defRPr>
           </a:pPr>
-          <a:endParaRPr lang="vi-VN"/>
+          <a:endParaRPr lang="en-US"/>
         </a:p>
       </c:txPr>
     </c:legend>
     <c:plotVisOnly val="1"/>
     <c:dispBlanksAs val="gap"/>
+    <c:showDLblsOverMax val="0"/>
     <c:extLst>
       <c:ext xmlns:c16r3="http://schemas.microsoft.com/office/drawing/2017/03/chart" uri="{56B9EC1D-385E-4148-901F-78D8002777C0}">
         <c16r3:dataDisplayOptions16>
@@ -992,7 +998,6 @@
         </c16r3:dataDisplayOptions16>
       </c:ext>
     </c:extLst>
-    <c:showDLblsOverMax val="0"/>
   </c:chart>
   <c:spPr>
     <a:noFill/>
@@ -1008,7 +1013,7 @@
       <a:pPr>
         <a:defRPr/>
       </a:pPr>
-      <a:endParaRPr lang="vi-VN"/>
+      <a:endParaRPr lang="en-US"/>
     </a:p>
   </c:txPr>
   <c:externalData r:id="rId3">
@@ -1020,7 +1025,7 @@
 <file path=ppt/charts/chart2.xml><?xml version="1.0" encoding="utf-8"?>
 <c:chartSpace xmlns:c="http://schemas.openxmlformats.org/drawingml/2006/chart" xmlns:a="http://schemas.openxmlformats.org/drawingml/2006/main" xmlns:r="http://schemas.openxmlformats.org/officeDocument/2006/relationships" xmlns:c16r2="http://schemas.microsoft.com/office/drawing/2015/06/chart">
   <c:date1904 val="0"/>
-  <c:lang val="vi-VN"/>
+  <c:lang val="en-US"/>
   <c:roundedCorners val="0"/>
   <mc:AlternateContent xmlns:mc="http://schemas.openxmlformats.org/markup-compatibility/2006">
     <mc:Choice xmlns:c14="http://schemas.microsoft.com/office/drawing/2007/8/2/chart" Requires="c14">
@@ -1074,6 +1079,7 @@
           </a:p>
         </c:rich>
       </c:tx>
+      <c:layout/>
       <c:overlay val="0"/>
       <c:spPr>
         <a:noFill/>
@@ -1099,7 +1105,7 @@
               <a:cs typeface="+mn-cs"/>
             </a:defRPr>
           </a:pPr>
-          <a:endParaRPr lang="vi-VN"/>
+          <a:endParaRPr lang="en-US"/>
         </a:p>
       </c:txPr>
     </c:title>
@@ -1747,7 +1753,7 @@
                 <a:cs typeface="+mn-cs"/>
               </a:defRPr>
             </a:pPr>
-            <a:endParaRPr lang="vi-VN"/>
+            <a:endParaRPr lang="en-US"/>
           </a:p>
         </c:txPr>
         <c:crossAx val="376751704"/>
@@ -1806,7 +1812,7 @@
                 <a:cs typeface="+mn-cs"/>
               </a:defRPr>
             </a:pPr>
-            <a:endParaRPr lang="vi-VN"/>
+            <a:endParaRPr lang="en-US"/>
           </a:p>
         </c:txPr>
         <c:crossAx val="376750064"/>
@@ -1858,12 +1864,13 @@
               <a:cs typeface="+mn-cs"/>
             </a:defRPr>
           </a:pPr>
-          <a:endParaRPr lang="vi-VN"/>
+          <a:endParaRPr lang="en-US"/>
         </a:p>
       </c:txPr>
     </c:legend>
     <c:plotVisOnly val="1"/>
     <c:dispBlanksAs val="gap"/>
+    <c:showDLblsOverMax val="0"/>
     <c:extLst>
       <c:ext xmlns:c16r3="http://schemas.microsoft.com/office/drawing/2017/03/chart" uri="{56B9EC1D-385E-4148-901F-78D8002777C0}">
         <c16r3:dataDisplayOptions16>
@@ -1871,7 +1878,6 @@
         </c16r3:dataDisplayOptions16>
       </c:ext>
     </c:extLst>
-    <c:showDLblsOverMax val="0"/>
   </c:chart>
   <c:spPr>
     <a:noFill/>
@@ -1887,7 +1893,7 @@
       <a:pPr>
         <a:defRPr/>
       </a:pPr>
-      <a:endParaRPr lang="vi-VN"/>
+      <a:endParaRPr lang="en-US"/>
     </a:p>
   </c:txPr>
   <c:externalData r:id="rId3">
@@ -1899,7 +1905,7 @@
 <file path=ppt/charts/chart3.xml><?xml version="1.0" encoding="utf-8"?>
 <c:chartSpace xmlns:c="http://schemas.openxmlformats.org/drawingml/2006/chart" xmlns:a="http://schemas.openxmlformats.org/drawingml/2006/main" xmlns:r="http://schemas.openxmlformats.org/officeDocument/2006/relationships" xmlns:c16r2="http://schemas.microsoft.com/office/drawing/2015/06/chart">
   <c:date1904 val="0"/>
-  <c:lang val="vi-VN"/>
+  <c:lang val="en-US"/>
   <c:roundedCorners val="0"/>
   <mc:AlternateContent xmlns:mc="http://schemas.openxmlformats.org/markup-compatibility/2006">
     <mc:Choice xmlns:c14="http://schemas.microsoft.com/office/drawing/2007/8/2/chart" Requires="c14">
@@ -1961,6 +1967,7 @@
           </a:p>
         </c:rich>
       </c:tx>
+      <c:layout/>
       <c:overlay val="0"/>
       <c:spPr>
         <a:noFill/>
@@ -1986,7 +1993,7 @@
               <a:cs typeface="+mn-cs"/>
             </a:defRPr>
           </a:pPr>
-          <a:endParaRPr lang="vi-VN"/>
+          <a:endParaRPr lang="en-US"/>
         </a:p>
       </c:txPr>
     </c:title>
@@ -2513,7 +2520,7 @@
                 <a:cs typeface="+mn-cs"/>
               </a:defRPr>
             </a:pPr>
-            <a:endParaRPr lang="vi-VN"/>
+            <a:endParaRPr lang="en-US"/>
           </a:p>
         </c:txPr>
         <c:crossAx val="388019528"/>
@@ -2572,7 +2579,7 @@
                 <a:cs typeface="+mn-cs"/>
               </a:defRPr>
             </a:pPr>
-            <a:endParaRPr lang="vi-VN"/>
+            <a:endParaRPr lang="en-US"/>
           </a:p>
         </c:txPr>
         <c:crossAx val="388014608"/>
@@ -2589,6 +2596,7 @@
     </c:plotArea>
     <c:legend>
       <c:legendPos val="b"/>
+      <c:layout/>
       <c:overlay val="0"/>
       <c:spPr>
         <a:noFill/>
@@ -2614,12 +2622,13 @@
               <a:cs typeface="+mn-cs"/>
             </a:defRPr>
           </a:pPr>
-          <a:endParaRPr lang="vi-VN"/>
+          <a:endParaRPr lang="en-US"/>
         </a:p>
       </c:txPr>
     </c:legend>
     <c:plotVisOnly val="1"/>
     <c:dispBlanksAs val="gap"/>
+    <c:showDLblsOverMax val="0"/>
     <c:extLst>
       <c:ext xmlns:c16r3="http://schemas.microsoft.com/office/drawing/2017/03/chart" uri="{56B9EC1D-385E-4148-901F-78D8002777C0}">
         <c16r3:dataDisplayOptions16>
@@ -2627,7 +2636,6 @@
         </c16r3:dataDisplayOptions16>
       </c:ext>
     </c:extLst>
-    <c:showDLblsOverMax val="0"/>
   </c:chart>
   <c:spPr>
     <a:noFill/>
@@ -2643,7 +2651,7 @@
       <a:pPr>
         <a:defRPr/>
       </a:pPr>
-      <a:endParaRPr lang="vi-VN"/>
+      <a:endParaRPr lang="en-US"/>
     </a:p>
   </c:txPr>
   <c:externalData r:id="rId3">
@@ -2655,7 +2663,7 @@
 <file path=ppt/charts/chart4.xml><?xml version="1.0" encoding="utf-8"?>
 <c:chartSpace xmlns:c="http://schemas.openxmlformats.org/drawingml/2006/chart" xmlns:a="http://schemas.openxmlformats.org/drawingml/2006/main" xmlns:r="http://schemas.openxmlformats.org/officeDocument/2006/relationships" xmlns:c16r2="http://schemas.microsoft.com/office/drawing/2015/06/chart">
   <c:date1904 val="0"/>
-  <c:lang val="vi-VN"/>
+  <c:lang val="en-US"/>
   <c:roundedCorners val="0"/>
   <mc:AlternateContent xmlns:mc="http://schemas.openxmlformats.org/markup-compatibility/2006">
     <mc:Choice xmlns:c14="http://schemas.microsoft.com/office/drawing/2007/8/2/chart" Requires="c14">
@@ -2709,6 +2717,7 @@
           </a:p>
         </c:rich>
       </c:tx>
+      <c:layout/>
       <c:overlay val="0"/>
       <c:spPr>
         <a:noFill/>
@@ -2734,7 +2743,7 @@
               <a:cs typeface="+mn-cs"/>
             </a:defRPr>
           </a:pPr>
-          <a:endParaRPr lang="vi-VN"/>
+          <a:endParaRPr lang="en-US"/>
         </a:p>
       </c:txPr>
     </c:title>
@@ -3261,7 +3270,7 @@
                 <a:cs typeface="+mn-cs"/>
               </a:defRPr>
             </a:pPr>
-            <a:endParaRPr lang="vi-VN"/>
+            <a:endParaRPr lang="en-US"/>
           </a:p>
         </c:txPr>
         <c:crossAx val="434695920"/>
@@ -3320,7 +3329,7 @@
                 <a:cs typeface="+mn-cs"/>
               </a:defRPr>
             </a:pPr>
-            <a:endParaRPr lang="vi-VN"/>
+            <a:endParaRPr lang="en-US"/>
           </a:p>
         </c:txPr>
         <c:crossAx val="434698216"/>
@@ -3337,6 +3346,7 @@
     </c:plotArea>
     <c:legend>
       <c:legendPos val="b"/>
+      <c:layout/>
       <c:overlay val="0"/>
       <c:spPr>
         <a:noFill/>
@@ -3362,12 +3372,13 @@
               <a:cs typeface="+mn-cs"/>
             </a:defRPr>
           </a:pPr>
-          <a:endParaRPr lang="vi-VN"/>
+          <a:endParaRPr lang="en-US"/>
         </a:p>
       </c:txPr>
     </c:legend>
     <c:plotVisOnly val="1"/>
     <c:dispBlanksAs val="gap"/>
+    <c:showDLblsOverMax val="0"/>
     <c:extLst>
       <c:ext xmlns:c16r3="http://schemas.microsoft.com/office/drawing/2017/03/chart" uri="{56B9EC1D-385E-4148-901F-78D8002777C0}">
         <c16r3:dataDisplayOptions16>
@@ -3375,7 +3386,6 @@
         </c16r3:dataDisplayOptions16>
       </c:ext>
     </c:extLst>
-    <c:showDLblsOverMax val="0"/>
   </c:chart>
   <c:spPr>
     <a:noFill/>
@@ -3391,7 +3401,7 @@
       <a:pPr>
         <a:defRPr/>
       </a:pPr>
-      <a:endParaRPr lang="vi-VN"/>
+      <a:endParaRPr lang="en-US"/>
     </a:p>
   </c:txPr>
   <c:externalData r:id="rId3">
@@ -5572,6 +5582,356 @@
 </cs:chartStyle>
 </file>
 
+<file path=ppt/notesMasters/notesMaster1.xml><?xml version="1.0" encoding="utf-8"?>
+<p:notesMaster xmlns:a="http://schemas.openxmlformats.org/drawingml/2006/main" xmlns:r="http://schemas.openxmlformats.org/officeDocument/2006/relationships" xmlns:p="http://schemas.openxmlformats.org/presentationml/2006/main">
+  <p:cSld>
+    <p:bg>
+      <p:bgRef idx="1001">
+        <a:schemeClr val="bg1"/>
+      </p:bgRef>
+    </p:bg>
+    <p:spTree>
+      <p:nvGrpSpPr>
+        <p:cNvPr id="1" name=""/>
+        <p:cNvGrpSpPr/>
+        <p:nvPr/>
+      </p:nvGrpSpPr>
+      <p:grpSpPr>
+        <a:xfrm>
+          <a:off x="0" y="0"/>
+          <a:ext cx="0" cy="0"/>
+          <a:chOff x="0" y="0"/>
+          <a:chExt cx="0" cy="0"/>
+        </a:xfrm>
+      </p:grpSpPr>
+      <p:sp>
+        <p:nvSpPr>
+          <p:cNvPr id="2" name="Header Placeholder 1"/>
+          <p:cNvSpPr>
+            <a:spLocks noGrp="1"/>
+          </p:cNvSpPr>
+          <p:nvPr>
+            <p:ph type="hdr" sz="quarter"/>
+          </p:nvPr>
+        </p:nvSpPr>
+        <p:spPr>
+          <a:xfrm>
+            <a:off x="0" y="0"/>
+            <a:ext cx="2971800" cy="458788"/>
+          </a:xfrm>
+          <a:prstGeom prst="rect">
+            <a:avLst/>
+          </a:prstGeom>
+        </p:spPr>
+        <p:txBody>
+          <a:bodyPr vert="horz" lIns="91440" tIns="45720" rIns="91440" bIns="45720" rtlCol="0"/>
+          <a:lstStyle>
+            <a:lvl1pPr algn="l">
+              <a:defRPr sz="1200"/>
+            </a:lvl1pPr>
+          </a:lstStyle>
+          <a:p>
+            <a:endParaRPr lang="en-US"/>
+          </a:p>
+        </p:txBody>
+      </p:sp>
+      <p:sp>
+        <p:nvSpPr>
+          <p:cNvPr id="3" name="Date Placeholder 2"/>
+          <p:cNvSpPr>
+            <a:spLocks noGrp="1"/>
+          </p:cNvSpPr>
+          <p:nvPr>
+            <p:ph type="dt" idx="1"/>
+          </p:nvPr>
+        </p:nvSpPr>
+        <p:spPr>
+          <a:xfrm>
+            <a:off x="3884613" y="0"/>
+            <a:ext cx="2971800" cy="458788"/>
+          </a:xfrm>
+          <a:prstGeom prst="rect">
+            <a:avLst/>
+          </a:prstGeom>
+        </p:spPr>
+        <p:txBody>
+          <a:bodyPr vert="horz" lIns="91440" tIns="45720" rIns="91440" bIns="45720" rtlCol="0"/>
+          <a:lstStyle>
+            <a:lvl1pPr algn="r">
+              <a:defRPr sz="1200"/>
+            </a:lvl1pPr>
+          </a:lstStyle>
+          <a:p>
+            <a:fld id="{AB7DE80A-9A57-433C-BBD9-C4F570447809}" type="datetimeFigureOut">
+              <a:rPr lang="en-US" smtClean="0"/>
+              <a:t>1/8/2020</a:t>
+            </a:fld>
+            <a:endParaRPr lang="en-US"/>
+          </a:p>
+        </p:txBody>
+      </p:sp>
+      <p:sp>
+        <p:nvSpPr>
+          <p:cNvPr id="4" name="Slide Image Placeholder 3"/>
+          <p:cNvSpPr>
+            <a:spLocks noGrp="1" noRot="1" noChangeAspect="1"/>
+          </p:cNvSpPr>
+          <p:nvPr>
+            <p:ph type="sldImg" idx="2"/>
+          </p:nvPr>
+        </p:nvSpPr>
+        <p:spPr>
+          <a:xfrm>
+            <a:off x="685800" y="1143000"/>
+            <a:ext cx="5486400" cy="3086100"/>
+          </a:xfrm>
+          <a:prstGeom prst="rect">
+            <a:avLst/>
+          </a:prstGeom>
+          <a:noFill/>
+          <a:ln w="12700">
+            <a:solidFill>
+              <a:prstClr val="black"/>
+            </a:solidFill>
+          </a:ln>
+        </p:spPr>
+        <p:txBody>
+          <a:bodyPr vert="horz" lIns="91440" tIns="45720" rIns="91440" bIns="45720" rtlCol="0" anchor="ctr"/>
+          <a:lstStyle/>
+          <a:p>
+            <a:endParaRPr lang="en-US"/>
+          </a:p>
+        </p:txBody>
+      </p:sp>
+      <p:sp>
+        <p:nvSpPr>
+          <p:cNvPr id="5" name="Notes Placeholder 4"/>
+          <p:cNvSpPr>
+            <a:spLocks noGrp="1"/>
+          </p:cNvSpPr>
+          <p:nvPr>
+            <p:ph type="body" sz="quarter" idx="3"/>
+          </p:nvPr>
+        </p:nvSpPr>
+        <p:spPr>
+          <a:xfrm>
+            <a:off x="685800" y="4400550"/>
+            <a:ext cx="5486400" cy="3600450"/>
+          </a:xfrm>
+          <a:prstGeom prst="rect">
+            <a:avLst/>
+          </a:prstGeom>
+        </p:spPr>
+        <p:txBody>
+          <a:bodyPr vert="horz" lIns="91440" tIns="45720" rIns="91440" bIns="45720" rtlCol="0"/>
+          <a:lstStyle/>
+          <a:p>
+            <a:pPr lvl="0"/>
+            <a:r>
+              <a:rPr lang="en-US" smtClean="0"/>
+              <a:t>Edit Master text styles</a:t>
+            </a:r>
+          </a:p>
+          <a:p>
+            <a:pPr lvl="1"/>
+            <a:r>
+              <a:rPr lang="en-US" smtClean="0"/>
+              <a:t>Second level</a:t>
+            </a:r>
+          </a:p>
+          <a:p>
+            <a:pPr lvl="2"/>
+            <a:r>
+              <a:rPr lang="en-US" smtClean="0"/>
+              <a:t>Third level</a:t>
+            </a:r>
+          </a:p>
+          <a:p>
+            <a:pPr lvl="3"/>
+            <a:r>
+              <a:rPr lang="en-US" smtClean="0"/>
+              <a:t>Fourth level</a:t>
+            </a:r>
+          </a:p>
+          <a:p>
+            <a:pPr lvl="4"/>
+            <a:r>
+              <a:rPr lang="en-US" smtClean="0"/>
+              <a:t>Fifth level</a:t>
+            </a:r>
+            <a:endParaRPr lang="en-US"/>
+          </a:p>
+        </p:txBody>
+      </p:sp>
+      <p:sp>
+        <p:nvSpPr>
+          <p:cNvPr id="6" name="Footer Placeholder 5"/>
+          <p:cNvSpPr>
+            <a:spLocks noGrp="1"/>
+          </p:cNvSpPr>
+          <p:nvPr>
+            <p:ph type="ftr" sz="quarter" idx="4"/>
+          </p:nvPr>
+        </p:nvSpPr>
+        <p:spPr>
+          <a:xfrm>
+            <a:off x="0" y="8685213"/>
+            <a:ext cx="2971800" cy="458787"/>
+          </a:xfrm>
+          <a:prstGeom prst="rect">
+            <a:avLst/>
+          </a:prstGeom>
+        </p:spPr>
+        <p:txBody>
+          <a:bodyPr vert="horz" lIns="91440" tIns="45720" rIns="91440" bIns="45720" rtlCol="0" anchor="b"/>
+          <a:lstStyle>
+            <a:lvl1pPr algn="l">
+              <a:defRPr sz="1200"/>
+            </a:lvl1pPr>
+          </a:lstStyle>
+          <a:p>
+            <a:endParaRPr lang="en-US"/>
+          </a:p>
+        </p:txBody>
+      </p:sp>
+      <p:sp>
+        <p:nvSpPr>
+          <p:cNvPr id="7" name="Slide Number Placeholder 6"/>
+          <p:cNvSpPr>
+            <a:spLocks noGrp="1"/>
+          </p:cNvSpPr>
+          <p:nvPr>
+            <p:ph type="sldNum" sz="quarter" idx="5"/>
+          </p:nvPr>
+        </p:nvSpPr>
+        <p:spPr>
+          <a:xfrm>
+            <a:off x="3884613" y="8685213"/>
+            <a:ext cx="2971800" cy="458787"/>
+          </a:xfrm>
+          <a:prstGeom prst="rect">
+            <a:avLst/>
+          </a:prstGeom>
+        </p:spPr>
+        <p:txBody>
+          <a:bodyPr vert="horz" lIns="91440" tIns="45720" rIns="91440" bIns="45720" rtlCol="0" anchor="b"/>
+          <a:lstStyle>
+            <a:lvl1pPr algn="r">
+              <a:defRPr sz="1200"/>
+            </a:lvl1pPr>
+          </a:lstStyle>
+          <a:p>
+            <a:fld id="{C1D5922A-0F0F-4B13-87CA-B5EAC428A4D0}" type="slidenum">
+              <a:rPr lang="en-US" smtClean="0"/>
+              <a:t>‹#›</a:t>
+            </a:fld>
+            <a:endParaRPr lang="en-US"/>
+          </a:p>
+        </p:txBody>
+      </p:sp>
+    </p:spTree>
+    <p:extLst>
+      <p:ext uri="{BB962C8B-B14F-4D97-AF65-F5344CB8AC3E}">
+        <p14:creationId xmlns:p14="http://schemas.microsoft.com/office/powerpoint/2010/main" val="1011004853"/>
+      </p:ext>
+    </p:extLst>
+  </p:cSld>
+  <p:clrMap bg1="lt1" tx1="dk1" bg2="lt2" tx2="dk2" accent1="accent1" accent2="accent2" accent3="accent3" accent4="accent4" accent5="accent5" accent6="accent6" hlink="hlink" folHlink="folHlink"/>
+  <p:notesStyle>
+    <a:lvl1pPr marL="0" algn="l" defTabSz="914400" rtl="0" eaLnBrk="1" latinLnBrk="0" hangingPunct="1">
+      <a:defRPr sz="1200" kern="1200">
+        <a:solidFill>
+          <a:schemeClr val="tx1"/>
+        </a:solidFill>
+        <a:latin typeface="+mn-lt"/>
+        <a:ea typeface="+mn-ea"/>
+        <a:cs typeface="+mn-cs"/>
+      </a:defRPr>
+    </a:lvl1pPr>
+    <a:lvl2pPr marL="457200" algn="l" defTabSz="914400" rtl="0" eaLnBrk="1" latinLnBrk="0" hangingPunct="1">
+      <a:defRPr sz="1200" kern="1200">
+        <a:solidFill>
+          <a:schemeClr val="tx1"/>
+        </a:solidFill>
+        <a:latin typeface="+mn-lt"/>
+        <a:ea typeface="+mn-ea"/>
+        <a:cs typeface="+mn-cs"/>
+      </a:defRPr>
+    </a:lvl2pPr>
+    <a:lvl3pPr marL="914400" algn="l" defTabSz="914400" rtl="0" eaLnBrk="1" latinLnBrk="0" hangingPunct="1">
+      <a:defRPr sz="1200" kern="1200">
+        <a:solidFill>
+          <a:schemeClr val="tx1"/>
+        </a:solidFill>
+        <a:latin typeface="+mn-lt"/>
+        <a:ea typeface="+mn-ea"/>
+        <a:cs typeface="+mn-cs"/>
+      </a:defRPr>
+    </a:lvl3pPr>
+    <a:lvl4pPr marL="1371600" algn="l" defTabSz="914400" rtl="0" eaLnBrk="1" latinLnBrk="0" hangingPunct="1">
+      <a:defRPr sz="1200" kern="1200">
+        <a:solidFill>
+          <a:schemeClr val="tx1"/>
+        </a:solidFill>
+        <a:latin typeface="+mn-lt"/>
+        <a:ea typeface="+mn-ea"/>
+        <a:cs typeface="+mn-cs"/>
+      </a:defRPr>
+    </a:lvl4pPr>
+    <a:lvl5pPr marL="1828800" algn="l" defTabSz="914400" rtl="0" eaLnBrk="1" latinLnBrk="0" hangingPunct="1">
+      <a:defRPr sz="1200" kern="1200">
+        <a:solidFill>
+          <a:schemeClr val="tx1"/>
+        </a:solidFill>
+        <a:latin typeface="+mn-lt"/>
+        <a:ea typeface="+mn-ea"/>
+        <a:cs typeface="+mn-cs"/>
+      </a:defRPr>
+    </a:lvl5pPr>
+    <a:lvl6pPr marL="2286000" algn="l" defTabSz="914400" rtl="0" eaLnBrk="1" latinLnBrk="0" hangingPunct="1">
+      <a:defRPr sz="1200" kern="1200">
+        <a:solidFill>
+          <a:schemeClr val="tx1"/>
+        </a:solidFill>
+        <a:latin typeface="+mn-lt"/>
+        <a:ea typeface="+mn-ea"/>
+        <a:cs typeface="+mn-cs"/>
+      </a:defRPr>
+    </a:lvl6pPr>
+    <a:lvl7pPr marL="2743200" algn="l" defTabSz="914400" rtl="0" eaLnBrk="1" latinLnBrk="0" hangingPunct="1">
+      <a:defRPr sz="1200" kern="1200">
+        <a:solidFill>
+          <a:schemeClr val="tx1"/>
+        </a:solidFill>
+        <a:latin typeface="+mn-lt"/>
+        <a:ea typeface="+mn-ea"/>
+        <a:cs typeface="+mn-cs"/>
+      </a:defRPr>
+    </a:lvl7pPr>
+    <a:lvl8pPr marL="3200400" algn="l" defTabSz="914400" rtl="0" eaLnBrk="1" latinLnBrk="0" hangingPunct="1">
+      <a:defRPr sz="1200" kern="1200">
+        <a:solidFill>
+          <a:schemeClr val="tx1"/>
+        </a:solidFill>
+        <a:latin typeface="+mn-lt"/>
+        <a:ea typeface="+mn-ea"/>
+        <a:cs typeface="+mn-cs"/>
+      </a:defRPr>
+    </a:lvl8pPr>
+    <a:lvl9pPr marL="3657600" algn="l" defTabSz="914400" rtl="0" eaLnBrk="1" latinLnBrk="0" hangingPunct="1">
+      <a:defRPr sz="1200" kern="1200">
+        <a:solidFill>
+          <a:schemeClr val="tx1"/>
+        </a:solidFill>
+        <a:latin typeface="+mn-lt"/>
+        <a:ea typeface="+mn-ea"/>
+        <a:cs typeface="+mn-cs"/>
+      </a:defRPr>
+    </a:lvl9pPr>
+  </p:notesStyle>
+</p:notesMaster>
+</file>
+
 <file path=ppt/slideLayouts/slideLayout1.xml><?xml version="1.0" encoding="utf-8"?>
 <p:sldLayout xmlns:a="http://schemas.openxmlformats.org/drawingml/2006/main" xmlns:r="http://schemas.openxmlformats.org/officeDocument/2006/relationships" xmlns:p="http://schemas.openxmlformats.org/presentationml/2006/main" showMasterSp="0" type="title" preserve="1">
   <p:cSld name="Tiêu đề Bản chiếu">
@@ -6315,9 +6675,8 @@
           <a:bodyPr/>
           <a:lstStyle/>
           <a:p>
-            <a:fld id="{B61BEF0D-F0BB-DE4B-95CE-6DB70DBA9567}" type="datetimeFigureOut">
-              <a:rPr lang="en-US" dirty="0"/>
-              <a:pPr/>
+            <a:fld id="{32F073D3-00E6-40C4-9851-F011A1FA0DB5}" type="datetime1">
+              <a:rPr lang="en-US" smtClean="0"/>
               <a:t>1/8/2020</a:t>
             </a:fld>
             <a:endParaRPr lang="en-US" dirty="0"/>
@@ -6563,9 +6922,8 @@
           <a:bodyPr/>
           <a:lstStyle/>
           <a:p>
-            <a:fld id="{B61BEF0D-F0BB-DE4B-95CE-6DB70DBA9567}" type="datetimeFigureOut">
-              <a:rPr lang="en-US" dirty="0"/>
-              <a:pPr/>
+            <a:fld id="{661E43E3-FF9B-47E2-ABF0-101AE372E6D1}" type="datetime1">
+              <a:rPr lang="en-US" smtClean="0"/>
               <a:t>1/8/2020</a:t>
             </a:fld>
             <a:endParaRPr lang="en-US" dirty="0"/>
@@ -6874,9 +7232,8 @@
           <a:bodyPr/>
           <a:lstStyle/>
           <a:p>
-            <a:fld id="{B61BEF0D-F0BB-DE4B-95CE-6DB70DBA9567}" type="datetimeFigureOut">
-              <a:rPr lang="en-US" dirty="0"/>
-              <a:pPr/>
+            <a:fld id="{2A6B93E3-2C15-4565-82CF-DEC5B3EB042B}" type="datetime1">
+              <a:rPr lang="en-US" smtClean="0"/>
               <a:t>1/8/2020</a:t>
             </a:fld>
             <a:endParaRPr lang="en-US" dirty="0"/>
@@ -7204,9 +7561,8 @@
           <a:bodyPr/>
           <a:lstStyle/>
           <a:p>
-            <a:fld id="{B61BEF0D-F0BB-DE4B-95CE-6DB70DBA9567}" type="datetimeFigureOut">
-              <a:rPr lang="en-US" dirty="0"/>
-              <a:pPr/>
+            <a:fld id="{039ADFDA-278C-46A7-B1CA-44B21C41FC78}" type="datetime1">
+              <a:rPr lang="en-US" smtClean="0"/>
               <a:t>1/8/2020</a:t>
             </a:fld>
             <a:endParaRPr lang="en-US" dirty="0"/>
@@ -7515,9 +7871,8 @@
           <a:bodyPr/>
           <a:lstStyle/>
           <a:p>
-            <a:fld id="{B61BEF0D-F0BB-DE4B-95CE-6DB70DBA9567}" type="datetimeFigureOut">
-              <a:rPr lang="en-US" dirty="0"/>
-              <a:pPr/>
+            <a:fld id="{20E0ECD4-2F84-45E4-A2C4-5F8E42848D80}" type="datetime1">
+              <a:rPr lang="en-US" smtClean="0"/>
               <a:t>1/8/2020</a:t>
             </a:fld>
             <a:endParaRPr lang="en-US" dirty="0"/>
@@ -7905,9 +8260,8 @@
           <a:bodyPr/>
           <a:lstStyle/>
           <a:p>
-            <a:fld id="{B61BEF0D-F0BB-DE4B-95CE-6DB70DBA9567}" type="datetimeFigureOut">
-              <a:rPr lang="en-US" dirty="0"/>
-              <a:pPr/>
+            <a:fld id="{17C4AC88-83B7-4D42-AFDB-007F5F6348B4}" type="datetime1">
+              <a:rPr lang="en-US" smtClean="0"/>
               <a:t>1/8/2020</a:t>
             </a:fld>
             <a:endParaRPr lang="en-US" dirty="0"/>
@@ -8072,8 +8426,8 @@
           <a:bodyPr/>
           <a:lstStyle/>
           <a:p>
-            <a:fld id="{55C6B4A9-1611-4792-9094-5F34BCA07E0B}" type="datetimeFigureOut">
-              <a:rPr lang="en-US" dirty="0"/>
+            <a:fld id="{466DCAF4-D8FB-4C97-A2FE-1D6A7D846A49}" type="datetime1">
+              <a:rPr lang="en-US" smtClean="0"/>
               <a:t>1/8/2020</a:t>
             </a:fld>
             <a:endParaRPr lang="en-US" dirty="0"/>
@@ -8247,9 +8601,8 @@
           <a:bodyPr/>
           <a:lstStyle/>
           <a:p>
-            <a:fld id="{B61BEF0D-F0BB-DE4B-95CE-6DB70DBA9567}" type="datetimeFigureOut">
-              <a:rPr lang="en-US" dirty="0"/>
-              <a:pPr/>
+            <a:fld id="{562F0CDB-579C-4A53-A9BB-E972AF6F4D5B}" type="datetime1">
+              <a:rPr lang="en-US" smtClean="0"/>
               <a:t>1/8/2020</a:t>
             </a:fld>
             <a:endParaRPr lang="en-US" dirty="0"/>
@@ -8414,8 +8767,8 @@
           <a:bodyPr/>
           <a:lstStyle/>
           <a:p>
-            <a:fld id="{42A54C80-263E-416B-A8E0-580EDEADCBDC}" type="datetimeFigureOut">
-              <a:rPr lang="en-US" dirty="0"/>
+            <a:fld id="{641731BD-C07E-4142-AFB6-499E5A8C9EE5}" type="datetime1">
+              <a:rPr lang="en-US" smtClean="0"/>
               <a:t>1/8/2020</a:t>
             </a:fld>
             <a:endParaRPr lang="en-US" dirty="0"/>
@@ -8656,9 +9009,8 @@
           <a:bodyPr/>
           <a:lstStyle/>
           <a:p>
-            <a:fld id="{B61BEF0D-F0BB-DE4B-95CE-6DB70DBA9567}" type="datetimeFigureOut">
-              <a:rPr lang="en-US" dirty="0"/>
-              <a:pPr/>
+            <a:fld id="{BFDF718B-0456-4D55-8302-9BE417BD149F}" type="datetime1">
+              <a:rPr lang="en-US" smtClean="0"/>
               <a:t>1/8/2020</a:t>
             </a:fld>
             <a:endParaRPr lang="en-US" dirty="0"/>
@@ -8885,8 +9237,8 @@
           <a:bodyPr/>
           <a:lstStyle/>
           <a:p>
-            <a:fld id="{42A54C80-263E-416B-A8E0-580EDEADCBDC}" type="datetimeFigureOut">
-              <a:rPr lang="en-US" dirty="0"/>
+            <a:fld id="{A4B3AA77-561A-4842-A184-9AF45B5D8575}" type="datetime1">
+              <a:rPr lang="en-US" smtClean="0"/>
               <a:t>1/8/2020</a:t>
             </a:fld>
             <a:endParaRPr lang="en-US" dirty="0"/>
@@ -9254,9 +9606,8 @@
           <a:bodyPr/>
           <a:lstStyle/>
           <a:p>
-            <a:fld id="{B61BEF0D-F0BB-DE4B-95CE-6DB70DBA9567}" type="datetimeFigureOut">
-              <a:rPr lang="en-US" dirty="0"/>
-              <a:pPr/>
+            <a:fld id="{E70FD01F-00D7-4762-B742-988B931C607A}" type="datetime1">
+              <a:rPr lang="en-US" smtClean="0"/>
               <a:t>1/8/2020</a:t>
             </a:fld>
             <a:endParaRPr lang="en-US" dirty="0"/>
@@ -9374,9 +9725,8 @@
           <a:bodyPr/>
           <a:lstStyle/>
           <a:p>
-            <a:fld id="{B61BEF0D-F0BB-DE4B-95CE-6DB70DBA9567}" type="datetimeFigureOut">
-              <a:rPr lang="en-US" dirty="0"/>
-              <a:pPr/>
+            <a:fld id="{ECB756CF-4250-47A3-8B17-8AEE5B85EA3D}" type="datetime1">
+              <a:rPr lang="en-US" smtClean="0"/>
               <a:t>1/8/2020</a:t>
             </a:fld>
             <a:endParaRPr lang="en-US" dirty="0"/>
@@ -9466,9 +9816,8 @@
           <a:bodyPr/>
           <a:lstStyle/>
           <a:p>
-            <a:fld id="{B61BEF0D-F0BB-DE4B-95CE-6DB70DBA9567}" type="datetimeFigureOut">
-              <a:rPr lang="en-US" dirty="0"/>
-              <a:pPr/>
+            <a:fld id="{3FFCF4B0-5183-41C5-B024-A7FFC854F1E9}" type="datetime1">
+              <a:rPr lang="en-US" smtClean="0"/>
               <a:t>1/8/2020</a:t>
             </a:fld>
             <a:endParaRPr lang="en-US" dirty="0"/>
@@ -9718,8 +10067,8 @@
           <a:bodyPr/>
           <a:lstStyle/>
           <a:p>
-            <a:fld id="{42A54C80-263E-416B-A8E0-580EDEADCBDC}" type="datetimeFigureOut">
-              <a:rPr lang="en-US" dirty="0"/>
+            <a:fld id="{AA7C244B-93B7-4835-91D7-6943315BE2A1}" type="datetime1">
+              <a:rPr lang="en-US" smtClean="0"/>
               <a:t>1/8/2020</a:t>
             </a:fld>
             <a:endParaRPr lang="en-US" dirty="0"/>
@@ -10019,9 +10368,8 @@
           <a:bodyPr/>
           <a:lstStyle/>
           <a:p>
-            <a:fld id="{B61BEF0D-F0BB-DE4B-95CE-6DB70DBA9567}" type="datetimeFigureOut">
-              <a:rPr lang="en-US" dirty="0"/>
-              <a:pPr/>
+            <a:fld id="{ADFB5225-4534-4678-B705-F1F689AA3D5F}" type="datetime1">
+              <a:rPr lang="en-US" smtClean="0"/>
               <a:t>1/8/2020</a:t>
             </a:fld>
             <a:endParaRPr lang="en-US" dirty="0"/>
@@ -10717,9 +11065,8 @@
             </a:lvl1pPr>
           </a:lstStyle>
           <a:p>
-            <a:fld id="{B61BEF0D-F0BB-DE4B-95CE-6DB70DBA9567}" type="datetimeFigureOut">
-              <a:rPr lang="en-US" dirty="0"/>
-              <a:pPr/>
+            <a:fld id="{64061C35-EC41-492A-AD27-ED7D44305E1D}" type="datetime1">
+              <a:rPr lang="en-US" smtClean="0"/>
               <a:t>1/8/2020</a:t>
             </a:fld>
             <a:endParaRPr lang="en-US" dirty="0"/>
@@ -10824,6 +11171,7 @@
     <p:sldLayoutId id="2147483668" r:id="rId15"/>
     <p:sldLayoutId id="2147483659" r:id="rId16"/>
   </p:sldLayoutIdLst>
+  <p:hf hdr="0" ftr="0" dt="0"/>
   <p:txStyles>
     <p:titleStyle>
       <a:lvl1pPr algn="l" defTabSz="457200" rtl="0" eaLnBrk="1" latinLnBrk="0" hangingPunct="1">
@@ -11274,7 +11622,96 @@
                 <a:latin typeface="Times New Roman" panose="02020603050405020304" pitchFamily="18" charset="0"/>
                 <a:cs typeface="Times New Roman" panose="02020603050405020304" pitchFamily="18" charset="0"/>
               </a:rPr>
-              <a:t>BÁO CÁO ĐỒ ÁN CUỐI KỲ</a:t>
+              <a:t>BÁO CÁO ĐỒ ÁN CUỐI </a:t>
+            </a:r>
+            <a:r>
+              <a:rPr lang="en-US" b="1" dirty="0" smtClean="0">
+                <a:solidFill>
+                  <a:srgbClr val="FF0000"/>
+                </a:solidFill>
+                <a:latin typeface="Times New Roman" panose="02020603050405020304" pitchFamily="18" charset="0"/>
+                <a:cs typeface="Times New Roman" panose="02020603050405020304" pitchFamily="18" charset="0"/>
+              </a:rPr>
+              <a:t>KỲ</a:t>
+            </a:r>
+            <a:br>
+              <a:rPr lang="en-US" b="1" dirty="0" smtClean="0">
+                <a:solidFill>
+                  <a:srgbClr val="FF0000"/>
+                </a:solidFill>
+                <a:latin typeface="Times New Roman" panose="02020603050405020304" pitchFamily="18" charset="0"/>
+                <a:cs typeface="Times New Roman" panose="02020603050405020304" pitchFamily="18" charset="0"/>
+              </a:rPr>
+            </a:br>
+            <a:r>
+              <a:rPr lang="en-US" b="1" dirty="0" err="1" smtClean="0">
+                <a:solidFill>
+                  <a:srgbClr val="FF0000"/>
+                </a:solidFill>
+                <a:latin typeface="Times New Roman" panose="02020603050405020304" pitchFamily="18" charset="0"/>
+                <a:cs typeface="Times New Roman" panose="02020603050405020304" pitchFamily="18" charset="0"/>
+              </a:rPr>
+              <a:t>Dự</a:t>
+            </a:r>
+            <a:r>
+              <a:rPr lang="en-US" b="1" dirty="0" smtClean="0">
+                <a:solidFill>
+                  <a:srgbClr val="FF0000"/>
+                </a:solidFill>
+                <a:latin typeface="Times New Roman" panose="02020603050405020304" pitchFamily="18" charset="0"/>
+                <a:cs typeface="Times New Roman" panose="02020603050405020304" pitchFamily="18" charset="0"/>
+              </a:rPr>
+              <a:t> </a:t>
+            </a:r>
+            <a:r>
+              <a:rPr lang="en-US" b="1" dirty="0" err="1" smtClean="0">
+                <a:solidFill>
+                  <a:srgbClr val="FF0000"/>
+                </a:solidFill>
+                <a:latin typeface="Times New Roman" panose="02020603050405020304" pitchFamily="18" charset="0"/>
+                <a:cs typeface="Times New Roman" panose="02020603050405020304" pitchFamily="18" charset="0"/>
+              </a:rPr>
+              <a:t>báo</a:t>
+            </a:r>
+            <a:r>
+              <a:rPr lang="en-US" b="1" dirty="0" smtClean="0">
+                <a:solidFill>
+                  <a:srgbClr val="FF0000"/>
+                </a:solidFill>
+                <a:latin typeface="Times New Roman" panose="02020603050405020304" pitchFamily="18" charset="0"/>
+                <a:cs typeface="Times New Roman" panose="02020603050405020304" pitchFamily="18" charset="0"/>
+              </a:rPr>
+              <a:t> </a:t>
+            </a:r>
+            <a:r>
+              <a:rPr lang="en-US" b="1" dirty="0" err="1" smtClean="0">
+                <a:solidFill>
+                  <a:srgbClr val="FF0000"/>
+                </a:solidFill>
+                <a:latin typeface="Times New Roman" panose="02020603050405020304" pitchFamily="18" charset="0"/>
+                <a:cs typeface="Times New Roman" panose="02020603050405020304" pitchFamily="18" charset="0"/>
+              </a:rPr>
+              <a:t>thời</a:t>
+            </a:r>
+            <a:r>
+              <a:rPr lang="en-US" b="1" dirty="0" smtClean="0">
+                <a:solidFill>
+                  <a:srgbClr val="FF0000"/>
+                </a:solidFill>
+                <a:latin typeface="Times New Roman" panose="02020603050405020304" pitchFamily="18" charset="0"/>
+                <a:cs typeface="Times New Roman" panose="02020603050405020304" pitchFamily="18" charset="0"/>
+              </a:rPr>
+              <a:t> </a:t>
+            </a:r>
+            <a:r>
+              <a:rPr lang="en-US" b="1" dirty="0" err="1" smtClean="0">
+                <a:solidFill>
+                  <a:srgbClr val="FF0000"/>
+                </a:solidFill>
+                <a:latin typeface="Times New Roman" panose="02020603050405020304" pitchFamily="18" charset="0"/>
+                <a:cs typeface="Times New Roman" panose="02020603050405020304" pitchFamily="18" charset="0"/>
+              </a:rPr>
+              <a:t>tiết</a:t>
             </a:r>
             <a:endParaRPr lang="vi-VN" b="1" dirty="0">
               <a:solidFill>
@@ -11305,49 +11742,48 @@
         <p:spPr>
           <a:xfrm>
             <a:off x="914400" y="4050833"/>
-            <a:ext cx="8759687" cy="1096899"/>
+            <a:ext cx="8759687" cy="2528097"/>
           </a:xfrm>
         </p:spPr>
         <p:txBody>
           <a:bodyPr>
-            <a:normAutofit lnSpcReduction="10000"/>
+            <a:normAutofit/>
           </a:bodyPr>
           <a:lstStyle/>
           <a:p>
-            <a:r>
-              <a:rPr lang="en-US" b="1" dirty="0">
+            <a:pPr algn="l"/>
+            <a:r>
+              <a:rPr lang="en-US" b="1" dirty="0" err="1" smtClean="0">
                 <a:solidFill>
                   <a:schemeClr val="tx1"/>
                 </a:solidFill>
                 <a:latin typeface="Times New Roman" panose="02020603050405020304" pitchFamily="18" charset="0"/>
                 <a:cs typeface="Times New Roman" panose="02020603050405020304" pitchFamily="18" charset="0"/>
               </a:rPr>
-              <a:t>THÀNH VIÊN:</a:t>
-            </a:r>
-          </a:p>
-          <a:p>
-            <a:r>
-              <a:rPr lang="en-US" b="1" dirty="0">
+              <a:t>Môn</a:t>
+            </a:r>
+            <a:r>
+              <a:rPr lang="en-US" b="1" dirty="0" smtClean="0">
                 <a:solidFill>
                   <a:schemeClr val="tx1"/>
                 </a:solidFill>
                 <a:latin typeface="Times New Roman" panose="02020603050405020304" pitchFamily="18" charset="0"/>
                 <a:cs typeface="Times New Roman" panose="02020603050405020304" pitchFamily="18" charset="0"/>
               </a:rPr>
-              <a:t>1612579 </a:t>
-            </a:r>
-            <a:r>
-              <a:rPr lang="en-US" b="1" dirty="0" err="1">
+              <a:t>: </a:t>
+            </a:r>
+            <a:r>
+              <a:rPr lang="en-US" b="1" dirty="0" err="1" smtClean="0">
                 <a:solidFill>
                   <a:schemeClr val="tx1"/>
                 </a:solidFill>
                 <a:latin typeface="Times New Roman" panose="02020603050405020304" pitchFamily="18" charset="0"/>
                 <a:cs typeface="Times New Roman" panose="02020603050405020304" pitchFamily="18" charset="0"/>
               </a:rPr>
-              <a:t>Nguyễn</a:t>
-            </a:r>
-            <a:r>
-              <a:rPr lang="en-US" b="1" dirty="0">
+              <a:t>Khoa</a:t>
+            </a:r>
+            <a:r>
+              <a:rPr lang="en-US" b="1" dirty="0" smtClean="0">
                 <a:solidFill>
                   <a:schemeClr val="tx1"/>
                 </a:solidFill>
@@ -11357,17 +11793,17 @@
               <a:t> </a:t>
             </a:r>
             <a:r>
-              <a:rPr lang="en-US" b="1" dirty="0" err="1">
+              <a:rPr lang="en-US" b="1" dirty="0" err="1" smtClean="0">
                 <a:solidFill>
                   <a:schemeClr val="tx1"/>
                 </a:solidFill>
                 <a:latin typeface="Times New Roman" panose="02020603050405020304" pitchFamily="18" charset="0"/>
                 <a:cs typeface="Times New Roman" panose="02020603050405020304" pitchFamily="18" charset="0"/>
               </a:rPr>
-              <a:t>Văn</a:t>
-            </a:r>
-            <a:r>
-              <a:rPr lang="en-US" b="1" dirty="0">
+              <a:t>học</a:t>
+            </a:r>
+            <a:r>
+              <a:rPr lang="en-US" b="1" dirty="0" smtClean="0">
                 <a:solidFill>
                   <a:schemeClr val="tx1"/>
                 </a:solidFill>
@@ -11377,14 +11813,153 @@
               <a:t> </a:t>
             </a:r>
             <a:r>
-              <a:rPr lang="en-US" b="1" dirty="0" err="1">
+              <a:rPr lang="en-US" b="1" dirty="0" err="1" smtClean="0">
                 <a:solidFill>
                   <a:schemeClr val="tx1"/>
                 </a:solidFill>
                 <a:latin typeface="Times New Roman" panose="02020603050405020304" pitchFamily="18" charset="0"/>
                 <a:cs typeface="Times New Roman" panose="02020603050405020304" pitchFamily="18" charset="0"/>
               </a:rPr>
-              <a:t>Tài</a:t>
+              <a:t>dữ</a:t>
+            </a:r>
+            <a:r>
+              <a:rPr lang="en-US" b="1" dirty="0" smtClean="0">
+                <a:solidFill>
+                  <a:schemeClr val="tx1"/>
+                </a:solidFill>
+                <a:latin typeface="Times New Roman" panose="02020603050405020304" pitchFamily="18" charset="0"/>
+                <a:cs typeface="Times New Roman" panose="02020603050405020304" pitchFamily="18" charset="0"/>
+              </a:rPr>
+              <a:t> </a:t>
+            </a:r>
+            <a:r>
+              <a:rPr lang="en-US" b="1" dirty="0" err="1" smtClean="0">
+                <a:solidFill>
+                  <a:schemeClr val="tx1"/>
+                </a:solidFill>
+                <a:latin typeface="Times New Roman" panose="02020603050405020304" pitchFamily="18" charset="0"/>
+                <a:cs typeface="Times New Roman" panose="02020603050405020304" pitchFamily="18" charset="0"/>
+              </a:rPr>
+              <a:t>liệu</a:t>
+            </a:r>
+            <a:endParaRPr lang="en-US" b="1" dirty="0" smtClean="0">
+              <a:solidFill>
+                <a:schemeClr val="tx1"/>
+              </a:solidFill>
+              <a:latin typeface="Times New Roman" panose="02020603050405020304" pitchFamily="18" charset="0"/>
+              <a:cs typeface="Times New Roman" panose="02020603050405020304" pitchFamily="18" charset="0"/>
+            </a:endParaRPr>
+          </a:p>
+          <a:p>
+            <a:pPr algn="l"/>
+            <a:r>
+              <a:rPr lang="en-US" b="1" dirty="0" err="1" smtClean="0">
+                <a:solidFill>
+                  <a:schemeClr val="tx1"/>
+                </a:solidFill>
+                <a:latin typeface="Times New Roman" panose="02020603050405020304" pitchFamily="18" charset="0"/>
+                <a:cs typeface="Times New Roman" panose="02020603050405020304" pitchFamily="18" charset="0"/>
+              </a:rPr>
+              <a:t>Giảng</a:t>
+            </a:r>
+            <a:r>
+              <a:rPr lang="en-US" b="1" dirty="0" smtClean="0">
+                <a:solidFill>
+                  <a:schemeClr val="tx1"/>
+                </a:solidFill>
+                <a:latin typeface="Times New Roman" panose="02020603050405020304" pitchFamily="18" charset="0"/>
+                <a:cs typeface="Times New Roman" panose="02020603050405020304" pitchFamily="18" charset="0"/>
+              </a:rPr>
+              <a:t> </a:t>
+            </a:r>
+            <a:r>
+              <a:rPr lang="en-US" b="1" dirty="0" err="1" smtClean="0">
+                <a:solidFill>
+                  <a:schemeClr val="tx1"/>
+                </a:solidFill>
+                <a:latin typeface="Times New Roman" panose="02020603050405020304" pitchFamily="18" charset="0"/>
+                <a:cs typeface="Times New Roman" panose="02020603050405020304" pitchFamily="18" charset="0"/>
+              </a:rPr>
+              <a:t>viên</a:t>
+            </a:r>
+            <a:r>
+              <a:rPr lang="en-US" b="1" dirty="0" smtClean="0">
+                <a:solidFill>
+                  <a:schemeClr val="tx1"/>
+                </a:solidFill>
+                <a:latin typeface="Times New Roman" panose="02020603050405020304" pitchFamily="18" charset="0"/>
+                <a:cs typeface="Times New Roman" panose="02020603050405020304" pitchFamily="18" charset="0"/>
+              </a:rPr>
+              <a:t>: </a:t>
+            </a:r>
+            <a:r>
+              <a:rPr lang="en-US" b="1" dirty="0" err="1" smtClean="0">
+                <a:solidFill>
+                  <a:schemeClr val="tx1"/>
+                </a:solidFill>
+                <a:latin typeface="Times New Roman" panose="02020603050405020304" pitchFamily="18" charset="0"/>
+                <a:cs typeface="Times New Roman" panose="02020603050405020304" pitchFamily="18" charset="0"/>
+              </a:rPr>
+              <a:t>Trần</a:t>
+            </a:r>
+            <a:r>
+              <a:rPr lang="en-US" b="1" dirty="0" smtClean="0">
+                <a:solidFill>
+                  <a:schemeClr val="tx1"/>
+                </a:solidFill>
+                <a:latin typeface="Times New Roman" panose="02020603050405020304" pitchFamily="18" charset="0"/>
+                <a:cs typeface="Times New Roman" panose="02020603050405020304" pitchFamily="18" charset="0"/>
+              </a:rPr>
+              <a:t> </a:t>
+            </a:r>
+            <a:r>
+              <a:rPr lang="en-US" b="1" dirty="0" err="1" smtClean="0">
+                <a:solidFill>
+                  <a:schemeClr val="tx1"/>
+                </a:solidFill>
+                <a:latin typeface="Times New Roman" panose="02020603050405020304" pitchFamily="18" charset="0"/>
+                <a:cs typeface="Times New Roman" panose="02020603050405020304" pitchFamily="18" charset="0"/>
+              </a:rPr>
+              <a:t>Trung</a:t>
+            </a:r>
+            <a:r>
+              <a:rPr lang="en-US" b="1" dirty="0" smtClean="0">
+                <a:solidFill>
+                  <a:schemeClr val="tx1"/>
+                </a:solidFill>
+                <a:latin typeface="Times New Roman" panose="02020603050405020304" pitchFamily="18" charset="0"/>
+                <a:cs typeface="Times New Roman" panose="02020603050405020304" pitchFamily="18" charset="0"/>
+              </a:rPr>
+              <a:t> </a:t>
+            </a:r>
+            <a:r>
+              <a:rPr lang="en-US" b="1" dirty="0" err="1" smtClean="0">
+                <a:solidFill>
+                  <a:schemeClr val="tx1"/>
+                </a:solidFill>
+                <a:latin typeface="Times New Roman" panose="02020603050405020304" pitchFamily="18" charset="0"/>
+                <a:cs typeface="Times New Roman" panose="02020603050405020304" pitchFamily="18" charset="0"/>
+              </a:rPr>
+              <a:t>Kiên</a:t>
+            </a:r>
+            <a:endParaRPr lang="en-US" b="1" dirty="0" smtClean="0">
+              <a:solidFill>
+                <a:schemeClr val="tx1"/>
+              </a:solidFill>
+              <a:latin typeface="Times New Roman" panose="02020603050405020304" pitchFamily="18" charset="0"/>
+              <a:cs typeface="Times New Roman" panose="02020603050405020304" pitchFamily="18" charset="0"/>
+            </a:endParaRPr>
+          </a:p>
+          <a:p>
+            <a:r>
+              <a:rPr lang="en-US" b="1" dirty="0" smtClean="0">
+                <a:solidFill>
+                  <a:schemeClr val="tx1"/>
+                </a:solidFill>
+                <a:latin typeface="Times New Roman" panose="02020603050405020304" pitchFamily="18" charset="0"/>
+                <a:cs typeface="Times New Roman" panose="02020603050405020304" pitchFamily="18" charset="0"/>
+              </a:rPr>
+              <a:t>THÀNH VIÊN:</a:t>
             </a:r>
             <a:endParaRPr lang="en-US" b="1" dirty="0">
               <a:solidFill>
@@ -11403,6 +11978,75 @@
                 <a:latin typeface="Times New Roman" panose="02020603050405020304" pitchFamily="18" charset="0"/>
                 <a:cs typeface="Times New Roman" panose="02020603050405020304" pitchFamily="18" charset="0"/>
               </a:rPr>
+              <a:t>1612579 </a:t>
+            </a:r>
+            <a:r>
+              <a:rPr lang="en-US" b="1" dirty="0" err="1">
+                <a:solidFill>
+                  <a:schemeClr val="tx1"/>
+                </a:solidFill>
+                <a:latin typeface="Times New Roman" panose="02020603050405020304" pitchFamily="18" charset="0"/>
+                <a:cs typeface="Times New Roman" panose="02020603050405020304" pitchFamily="18" charset="0"/>
+              </a:rPr>
+              <a:t>Nguyễn</a:t>
+            </a:r>
+            <a:r>
+              <a:rPr lang="en-US" b="1" dirty="0">
+                <a:solidFill>
+                  <a:schemeClr val="tx1"/>
+                </a:solidFill>
+                <a:latin typeface="Times New Roman" panose="02020603050405020304" pitchFamily="18" charset="0"/>
+                <a:cs typeface="Times New Roman" panose="02020603050405020304" pitchFamily="18" charset="0"/>
+              </a:rPr>
+              <a:t> </a:t>
+            </a:r>
+            <a:r>
+              <a:rPr lang="en-US" b="1" dirty="0" err="1">
+                <a:solidFill>
+                  <a:schemeClr val="tx1"/>
+                </a:solidFill>
+                <a:latin typeface="Times New Roman" panose="02020603050405020304" pitchFamily="18" charset="0"/>
+                <a:cs typeface="Times New Roman" panose="02020603050405020304" pitchFamily="18" charset="0"/>
+              </a:rPr>
+              <a:t>Văn</a:t>
+            </a:r>
+            <a:r>
+              <a:rPr lang="en-US" b="1" dirty="0">
+                <a:solidFill>
+                  <a:schemeClr val="tx1"/>
+                </a:solidFill>
+                <a:latin typeface="Times New Roman" panose="02020603050405020304" pitchFamily="18" charset="0"/>
+                <a:cs typeface="Times New Roman" panose="02020603050405020304" pitchFamily="18" charset="0"/>
+              </a:rPr>
+              <a:t> </a:t>
+            </a:r>
+            <a:r>
+              <a:rPr lang="en-US" b="1" dirty="0" err="1">
+                <a:solidFill>
+                  <a:schemeClr val="tx1"/>
+                </a:solidFill>
+                <a:latin typeface="Times New Roman" panose="02020603050405020304" pitchFamily="18" charset="0"/>
+                <a:cs typeface="Times New Roman" panose="02020603050405020304" pitchFamily="18" charset="0"/>
+              </a:rPr>
+              <a:t>Tài</a:t>
+            </a:r>
+            <a:endParaRPr lang="en-US" b="1" dirty="0">
+              <a:solidFill>
+                <a:schemeClr val="tx1"/>
+              </a:solidFill>
+              <a:latin typeface="Times New Roman" panose="02020603050405020304" pitchFamily="18" charset="0"/>
+              <a:cs typeface="Times New Roman" panose="02020603050405020304" pitchFamily="18" charset="0"/>
+            </a:endParaRPr>
+          </a:p>
+          <a:p>
+            <a:r>
+              <a:rPr lang="en-US" b="1" dirty="0">
+                <a:solidFill>
+                  <a:schemeClr val="tx1"/>
+                </a:solidFill>
+                <a:latin typeface="Times New Roman" panose="02020603050405020304" pitchFamily="18" charset="0"/>
+                <a:cs typeface="Times New Roman" panose="02020603050405020304" pitchFamily="18" charset="0"/>
+              </a:rPr>
               <a:t>1412403 </a:t>
             </a:r>
             <a:r>
@@ -11462,6 +12106,30 @@
               <a:latin typeface="Times New Roman" panose="02020603050405020304" pitchFamily="18" charset="0"/>
               <a:cs typeface="Times New Roman" panose="02020603050405020304" pitchFamily="18" charset="0"/>
             </a:endParaRPr>
+          </a:p>
+        </p:txBody>
+      </p:sp>
+      <p:sp>
+        <p:nvSpPr>
+          <p:cNvPr id="4" name="Slide Number Placeholder 3"/>
+          <p:cNvSpPr>
+            <a:spLocks noGrp="1"/>
+          </p:cNvSpPr>
+          <p:nvPr>
+            <p:ph type="sldNum" sz="quarter" idx="12"/>
+          </p:nvPr>
+        </p:nvSpPr>
+        <p:spPr/>
+        <p:txBody>
+          <a:bodyPr/>
+          <a:lstStyle/>
+          <a:p>
+            <a:fld id="{D57F1E4F-1CFF-5643-939E-217C01CDF565}" type="slidenum">
+              <a:rPr lang="en-US" smtClean="0"/>
+              <a:pPr/>
+              <a:t>1</a:t>
+            </a:fld>
+            <a:endParaRPr lang="en-US" dirty="0"/>
           </a:p>
         </p:txBody>
       </p:sp>
@@ -12192,6 +12860,29 @@
           </a:p>
         </p:txBody>
       </p:sp>
+      <p:sp>
+        <p:nvSpPr>
+          <p:cNvPr id="4" name="Slide Number Placeholder 3"/>
+          <p:cNvSpPr>
+            <a:spLocks noGrp="1"/>
+          </p:cNvSpPr>
+          <p:nvPr>
+            <p:ph type="sldNum" sz="quarter" idx="12"/>
+          </p:nvPr>
+        </p:nvSpPr>
+        <p:spPr/>
+        <p:txBody>
+          <a:bodyPr/>
+          <a:lstStyle/>
+          <a:p>
+            <a:fld id="{519954A3-9DFD-4C44-94BA-B95130A3BA1C}" type="slidenum">
+              <a:rPr lang="en-US" smtClean="0"/>
+              <a:t>10</a:t>
+            </a:fld>
+            <a:endParaRPr lang="en-US" dirty="0"/>
+          </a:p>
+        </p:txBody>
+      </p:sp>
     </p:spTree>
     <p:extLst>
       <p:ext uri="{BB962C8B-B14F-4D97-AF65-F5344CB8AC3E}">
@@ -13624,6 +14315,29 @@
               <a:latin typeface="Times New Roman" panose="02020603050405020304" pitchFamily="18" charset="0"/>
               <a:cs typeface="Times New Roman" panose="02020603050405020304" pitchFamily="18" charset="0"/>
             </a:endParaRPr>
+          </a:p>
+        </p:txBody>
+      </p:sp>
+      <p:sp>
+        <p:nvSpPr>
+          <p:cNvPr id="4" name="Slide Number Placeholder 3"/>
+          <p:cNvSpPr>
+            <a:spLocks noGrp="1"/>
+          </p:cNvSpPr>
+          <p:nvPr>
+            <p:ph type="sldNum" sz="quarter" idx="12"/>
+          </p:nvPr>
+        </p:nvSpPr>
+        <p:spPr/>
+        <p:txBody>
+          <a:bodyPr/>
+          <a:lstStyle/>
+          <a:p>
+            <a:fld id="{519954A3-9DFD-4C44-94BA-B95130A3BA1C}" type="slidenum">
+              <a:rPr lang="en-US" smtClean="0"/>
+              <a:t>11</a:t>
+            </a:fld>
+            <a:endParaRPr lang="en-US" dirty="0"/>
           </a:p>
         </p:txBody>
       </p:sp>
@@ -13958,6 +14672,29 @@
           </a:prstGeom>
         </p:spPr>
       </p:pic>
+      <p:sp>
+        <p:nvSpPr>
+          <p:cNvPr id="4" name="Slide Number Placeholder 3"/>
+          <p:cNvSpPr>
+            <a:spLocks noGrp="1"/>
+          </p:cNvSpPr>
+          <p:nvPr>
+            <p:ph type="sldNum" sz="quarter" idx="12"/>
+          </p:nvPr>
+        </p:nvSpPr>
+        <p:spPr/>
+        <p:txBody>
+          <a:bodyPr/>
+          <a:lstStyle/>
+          <a:p>
+            <a:fld id="{519954A3-9DFD-4C44-94BA-B95130A3BA1C}" type="slidenum">
+              <a:rPr lang="en-US" smtClean="0"/>
+              <a:t>12</a:t>
+            </a:fld>
+            <a:endParaRPr lang="en-US" dirty="0"/>
+          </a:p>
+        </p:txBody>
+      </p:sp>
     </p:spTree>
     <p:extLst>
       <p:ext uri="{BB962C8B-B14F-4D97-AF65-F5344CB8AC3E}">
@@ -14643,6 +15380,29 @@
               <a:latin typeface="Times New Roman" panose="02020603050405020304" pitchFamily="18" charset="0"/>
               <a:cs typeface="Times New Roman" panose="02020603050405020304" pitchFamily="18" charset="0"/>
             </a:endParaRPr>
+          </a:p>
+        </p:txBody>
+      </p:sp>
+      <p:sp>
+        <p:nvSpPr>
+          <p:cNvPr id="4" name="Slide Number Placeholder 3"/>
+          <p:cNvSpPr>
+            <a:spLocks noGrp="1"/>
+          </p:cNvSpPr>
+          <p:nvPr>
+            <p:ph type="sldNum" sz="quarter" idx="12"/>
+          </p:nvPr>
+        </p:nvSpPr>
+        <p:spPr/>
+        <p:txBody>
+          <a:bodyPr/>
+          <a:lstStyle/>
+          <a:p>
+            <a:fld id="{519954A3-9DFD-4C44-94BA-B95130A3BA1C}" type="slidenum">
+              <a:rPr lang="en-US" smtClean="0"/>
+              <a:t>13</a:t>
+            </a:fld>
+            <a:endParaRPr lang="en-US" dirty="0"/>
           </a:p>
         </p:txBody>
       </p:sp>
@@ -14857,6 +15617,29 @@
           </a:p>
         </p:txBody>
       </p:sp>
+      <p:sp>
+        <p:nvSpPr>
+          <p:cNvPr id="4" name="Slide Number Placeholder 3"/>
+          <p:cNvSpPr>
+            <a:spLocks noGrp="1"/>
+          </p:cNvSpPr>
+          <p:nvPr>
+            <p:ph type="sldNum" sz="quarter" idx="12"/>
+          </p:nvPr>
+        </p:nvSpPr>
+        <p:spPr/>
+        <p:txBody>
+          <a:bodyPr/>
+          <a:lstStyle/>
+          <a:p>
+            <a:fld id="{519954A3-9DFD-4C44-94BA-B95130A3BA1C}" type="slidenum">
+              <a:rPr lang="en-US" smtClean="0"/>
+              <a:t>14</a:t>
+            </a:fld>
+            <a:endParaRPr lang="en-US" dirty="0"/>
+          </a:p>
+        </p:txBody>
+      </p:sp>
     </p:spTree>
     <p:extLst>
       <p:ext uri="{BB962C8B-B14F-4D97-AF65-F5344CB8AC3E}">
@@ -15209,6 +15992,29 @@
               <a:latin typeface="Times New Roman" panose="02020603050405020304" pitchFamily="18" charset="0"/>
               <a:cs typeface="Times New Roman" panose="02020603050405020304" pitchFamily="18" charset="0"/>
             </a:endParaRPr>
+          </a:p>
+        </p:txBody>
+      </p:sp>
+      <p:sp>
+        <p:nvSpPr>
+          <p:cNvPr id="4" name="Slide Number Placeholder 3"/>
+          <p:cNvSpPr>
+            <a:spLocks noGrp="1"/>
+          </p:cNvSpPr>
+          <p:nvPr>
+            <p:ph type="sldNum" sz="quarter" idx="12"/>
+          </p:nvPr>
+        </p:nvSpPr>
+        <p:spPr/>
+        <p:txBody>
+          <a:bodyPr/>
+          <a:lstStyle/>
+          <a:p>
+            <a:fld id="{519954A3-9DFD-4C44-94BA-B95130A3BA1C}" type="slidenum">
+              <a:rPr lang="en-US" smtClean="0"/>
+              <a:t>15</a:t>
+            </a:fld>
+            <a:endParaRPr lang="en-US" dirty="0"/>
           </a:p>
         </p:txBody>
       </p:sp>
@@ -15458,6 +16264,29 @@
           </a:p>
         </p:txBody>
       </p:sp>
+      <p:sp>
+        <p:nvSpPr>
+          <p:cNvPr id="4" name="Slide Number Placeholder 3"/>
+          <p:cNvSpPr>
+            <a:spLocks noGrp="1"/>
+          </p:cNvSpPr>
+          <p:nvPr>
+            <p:ph type="sldNum" sz="quarter" idx="12"/>
+          </p:nvPr>
+        </p:nvSpPr>
+        <p:spPr/>
+        <p:txBody>
+          <a:bodyPr/>
+          <a:lstStyle/>
+          <a:p>
+            <a:fld id="{519954A3-9DFD-4C44-94BA-B95130A3BA1C}" type="slidenum">
+              <a:rPr lang="en-US" smtClean="0"/>
+              <a:t>16</a:t>
+            </a:fld>
+            <a:endParaRPr lang="en-US" dirty="0"/>
+          </a:p>
+        </p:txBody>
+      </p:sp>
     </p:spTree>
     <p:extLst>
       <p:ext uri="{BB962C8B-B14F-4D97-AF65-F5344CB8AC3E}">
@@ -15671,6 +16500,29 @@
               <a:latin typeface="Times New Roman" panose="02020603050405020304" pitchFamily="18" charset="0"/>
               <a:cs typeface="Times New Roman" panose="02020603050405020304" pitchFamily="18" charset="0"/>
             </a:endParaRPr>
+          </a:p>
+        </p:txBody>
+      </p:sp>
+      <p:sp>
+        <p:nvSpPr>
+          <p:cNvPr id="4" name="Slide Number Placeholder 3"/>
+          <p:cNvSpPr>
+            <a:spLocks noGrp="1"/>
+          </p:cNvSpPr>
+          <p:nvPr>
+            <p:ph type="sldNum" sz="quarter" idx="12"/>
+          </p:nvPr>
+        </p:nvSpPr>
+        <p:spPr/>
+        <p:txBody>
+          <a:bodyPr/>
+          <a:lstStyle/>
+          <a:p>
+            <a:fld id="{519954A3-9DFD-4C44-94BA-B95130A3BA1C}" type="slidenum">
+              <a:rPr lang="en-US" smtClean="0"/>
+              <a:t>17</a:t>
+            </a:fld>
+            <a:endParaRPr lang="en-US" dirty="0"/>
           </a:p>
         </p:txBody>
       </p:sp>
@@ -15848,6 +16700,29 @@
           </a:p>
         </p:txBody>
       </p:sp>
+      <p:sp>
+        <p:nvSpPr>
+          <p:cNvPr id="4" name="Slide Number Placeholder 3"/>
+          <p:cNvSpPr>
+            <a:spLocks noGrp="1"/>
+          </p:cNvSpPr>
+          <p:nvPr>
+            <p:ph type="sldNum" sz="quarter" idx="12"/>
+          </p:nvPr>
+        </p:nvSpPr>
+        <p:spPr/>
+        <p:txBody>
+          <a:bodyPr/>
+          <a:lstStyle/>
+          <a:p>
+            <a:fld id="{519954A3-9DFD-4C44-94BA-B95130A3BA1C}" type="slidenum">
+              <a:rPr lang="en-US" smtClean="0"/>
+              <a:t>18</a:t>
+            </a:fld>
+            <a:endParaRPr lang="en-US" dirty="0"/>
+          </a:p>
+        </p:txBody>
+      </p:sp>
     </p:spTree>
     <p:extLst>
       <p:ext uri="{BB962C8B-B14F-4D97-AF65-F5344CB8AC3E}">
@@ -16062,6 +16937,29 @@
               </a:rPr>
               <a:t>)</a:t>
             </a:r>
+          </a:p>
+        </p:txBody>
+      </p:sp>
+      <p:sp>
+        <p:nvSpPr>
+          <p:cNvPr id="4" name="Slide Number Placeholder 3"/>
+          <p:cNvSpPr>
+            <a:spLocks noGrp="1"/>
+          </p:cNvSpPr>
+          <p:nvPr>
+            <p:ph type="sldNum" sz="quarter" idx="12"/>
+          </p:nvPr>
+        </p:nvSpPr>
+        <p:spPr/>
+        <p:txBody>
+          <a:bodyPr/>
+          <a:lstStyle/>
+          <a:p>
+            <a:fld id="{519954A3-9DFD-4C44-94BA-B95130A3BA1C}" type="slidenum">
+              <a:rPr lang="en-US" smtClean="0"/>
+              <a:t>19</a:t>
+            </a:fld>
+            <a:endParaRPr lang="en-US" dirty="0"/>
           </a:p>
         </p:txBody>
       </p:sp>
@@ -16740,6 +17638,29 @@
           </a:p>
         </p:txBody>
       </p:sp>
+      <p:sp>
+        <p:nvSpPr>
+          <p:cNvPr id="4" name="Slide Number Placeholder 3"/>
+          <p:cNvSpPr>
+            <a:spLocks noGrp="1"/>
+          </p:cNvSpPr>
+          <p:nvPr>
+            <p:ph type="sldNum" sz="quarter" idx="12"/>
+          </p:nvPr>
+        </p:nvSpPr>
+        <p:spPr/>
+        <p:txBody>
+          <a:bodyPr/>
+          <a:lstStyle/>
+          <a:p>
+            <a:fld id="{519954A3-9DFD-4C44-94BA-B95130A3BA1C}" type="slidenum">
+              <a:rPr lang="en-US" smtClean="0"/>
+              <a:t>2</a:t>
+            </a:fld>
+            <a:endParaRPr lang="en-US" dirty="0"/>
+          </a:p>
+        </p:txBody>
+      </p:sp>
     </p:spTree>
     <p:extLst>
       <p:ext uri="{BB962C8B-B14F-4D97-AF65-F5344CB8AC3E}">
@@ -16820,6 +17741,13 @@
                 <a:cs typeface="Times New Roman" panose="02020603050405020304" pitchFamily="18" charset="0"/>
               </a:rPr>
               <a:t>perceptron</a:t>
+            </a:r>
+            <a:r>
+              <a:rPr lang="vi-VN" b="1" dirty="0">
+                <a:latin typeface="Times New Roman" panose="02020603050405020304" pitchFamily="18" charset="0"/>
+                <a:cs typeface="Times New Roman" panose="02020603050405020304" pitchFamily="18" charset="0"/>
+              </a:rPr>
+              <a:t/>
             </a:r>
             <a:br>
               <a:rPr lang="vi-VN" b="1" dirty="0">
@@ -17541,6 +18469,29 @@
           </a:p>
         </p:txBody>
       </p:sp>
+      <p:sp>
+        <p:nvSpPr>
+          <p:cNvPr id="3" name="Slide Number Placeholder 2"/>
+          <p:cNvSpPr>
+            <a:spLocks noGrp="1"/>
+          </p:cNvSpPr>
+          <p:nvPr>
+            <p:ph type="sldNum" sz="quarter" idx="12"/>
+          </p:nvPr>
+        </p:nvSpPr>
+        <p:spPr/>
+        <p:txBody>
+          <a:bodyPr/>
+          <a:lstStyle/>
+          <a:p>
+            <a:fld id="{519954A3-9DFD-4C44-94BA-B95130A3BA1C}" type="slidenum">
+              <a:rPr lang="en-US" smtClean="0"/>
+              <a:t>20</a:t>
+            </a:fld>
+            <a:endParaRPr lang="en-US" dirty="0"/>
+          </a:p>
+        </p:txBody>
+      </p:sp>
     </p:spTree>
     <p:extLst>
       <p:ext uri="{BB962C8B-B14F-4D97-AF65-F5344CB8AC3E}">
@@ -18456,6 +19407,29 @@
               <a:latin typeface="Times New Roman" panose="02020603050405020304" pitchFamily="18" charset="0"/>
               <a:cs typeface="Times New Roman" panose="02020603050405020304" pitchFamily="18" charset="0"/>
             </a:endParaRPr>
+          </a:p>
+        </p:txBody>
+      </p:sp>
+      <p:sp>
+        <p:nvSpPr>
+          <p:cNvPr id="3" name="Slide Number Placeholder 2"/>
+          <p:cNvSpPr>
+            <a:spLocks noGrp="1"/>
+          </p:cNvSpPr>
+          <p:nvPr>
+            <p:ph type="sldNum" sz="quarter" idx="12"/>
+          </p:nvPr>
+        </p:nvSpPr>
+        <p:spPr/>
+        <p:txBody>
+          <a:bodyPr/>
+          <a:lstStyle/>
+          <a:p>
+            <a:fld id="{519954A3-9DFD-4C44-94BA-B95130A3BA1C}" type="slidenum">
+              <a:rPr lang="en-US" smtClean="0"/>
+              <a:t>21</a:t>
+            </a:fld>
+            <a:endParaRPr lang="en-US" dirty="0"/>
           </a:p>
         </p:txBody>
       </p:sp>
@@ -18758,6 +19732,29 @@
           </a:p>
         </p:txBody>
       </p:sp>
+      <p:sp>
+        <p:nvSpPr>
+          <p:cNvPr id="3" name="Slide Number Placeholder 2"/>
+          <p:cNvSpPr>
+            <a:spLocks noGrp="1"/>
+          </p:cNvSpPr>
+          <p:nvPr>
+            <p:ph type="sldNum" sz="quarter" idx="12"/>
+          </p:nvPr>
+        </p:nvSpPr>
+        <p:spPr/>
+        <p:txBody>
+          <a:bodyPr/>
+          <a:lstStyle/>
+          <a:p>
+            <a:fld id="{519954A3-9DFD-4C44-94BA-B95130A3BA1C}" type="slidenum">
+              <a:rPr lang="en-US" smtClean="0"/>
+              <a:t>22</a:t>
+            </a:fld>
+            <a:endParaRPr lang="en-US" dirty="0"/>
+          </a:p>
+        </p:txBody>
+      </p:sp>
     </p:spTree>
     <p:extLst>
       <p:ext uri="{BB962C8B-B14F-4D97-AF65-F5344CB8AC3E}">
@@ -18858,6 +19855,16 @@
                 <a:cs typeface="Times New Roman" panose="02020603050405020304" pitchFamily="18" charset="0"/>
               </a:rPr>
               <a:t>machine</a:t>
+            </a:r>
+            <a:r>
+              <a:rPr lang="vi-VN" b="1" dirty="0">
+                <a:solidFill>
+                  <a:srgbClr val="002060"/>
+                </a:solidFill>
+                <a:latin typeface="Times New Roman" panose="02020603050405020304" pitchFamily="18" charset="0"/>
+                <a:cs typeface="Times New Roman" panose="02020603050405020304" pitchFamily="18" charset="0"/>
+              </a:rPr>
+              <a:t/>
             </a:r>
             <a:br>
               <a:rPr lang="vi-VN" b="1" dirty="0">
@@ -19342,6 +20349,29 @@
               <a:latin typeface="Times New Roman" panose="02020603050405020304" pitchFamily="18" charset="0"/>
               <a:cs typeface="Times New Roman" panose="02020603050405020304" pitchFamily="18" charset="0"/>
             </a:endParaRPr>
+          </a:p>
+        </p:txBody>
+      </p:sp>
+      <p:sp>
+        <p:nvSpPr>
+          <p:cNvPr id="3" name="Slide Number Placeholder 2"/>
+          <p:cNvSpPr>
+            <a:spLocks noGrp="1"/>
+          </p:cNvSpPr>
+          <p:nvPr>
+            <p:ph type="sldNum" sz="quarter" idx="12"/>
+          </p:nvPr>
+        </p:nvSpPr>
+        <p:spPr/>
+        <p:txBody>
+          <a:bodyPr/>
+          <a:lstStyle/>
+          <a:p>
+            <a:fld id="{519954A3-9DFD-4C44-94BA-B95130A3BA1C}" type="slidenum">
+              <a:rPr lang="en-US" smtClean="0"/>
+              <a:t>23</a:t>
+            </a:fld>
+            <a:endParaRPr lang="en-US" dirty="0"/>
           </a:p>
         </p:txBody>
       </p:sp>
@@ -19844,6 +20874,29 @@
           </a:graphicData>
         </a:graphic>
       </p:graphicFrame>
+      <p:sp>
+        <p:nvSpPr>
+          <p:cNvPr id="3" name="Slide Number Placeholder 2"/>
+          <p:cNvSpPr>
+            <a:spLocks noGrp="1"/>
+          </p:cNvSpPr>
+          <p:nvPr>
+            <p:ph type="sldNum" sz="quarter" idx="12"/>
+          </p:nvPr>
+        </p:nvSpPr>
+        <p:spPr/>
+        <p:txBody>
+          <a:bodyPr/>
+          <a:lstStyle/>
+          <a:p>
+            <a:fld id="{519954A3-9DFD-4C44-94BA-B95130A3BA1C}" type="slidenum">
+              <a:rPr lang="en-US" smtClean="0"/>
+              <a:t>24</a:t>
+            </a:fld>
+            <a:endParaRPr lang="en-US" dirty="0"/>
+          </a:p>
+        </p:txBody>
+      </p:sp>
     </p:spTree>
     <p:extLst>
       <p:ext uri="{BB962C8B-B14F-4D97-AF65-F5344CB8AC3E}">
@@ -19890,7 +20943,7 @@
                 <a16:creationId xmlns:a16="http://schemas.microsoft.com/office/drawing/2014/main" id="{6CC33B2B-B475-4189-BA8F-3CF8248DC685}"/>
               </a:ext>
               <a:ext uri="{C183D7F6-B498-43B3-948B-1728B52AA6E4}">
-                <adec:decorative xmlns:adec="http://schemas.microsoft.com/office/drawing/2017/decorative" val="1"/>
+                <adec:decorative xmlns:adec="http://schemas.microsoft.com/office/drawing/2017/decorative" xmlns="" val="1"/>
               </a:ext>
             </a:extLst>
           </p:cNvPr>
@@ -19921,7 +20974,7 @@
                   <a16:creationId xmlns:a16="http://schemas.microsoft.com/office/drawing/2014/main" id="{A59AAC92-4932-4D74-A545-BA3EEE56D476}"/>
                 </a:ext>
                 <a:ext uri="{C183D7F6-B498-43B3-948B-1728B52AA6E4}">
-                  <adec:decorative xmlns:adec="http://schemas.microsoft.com/office/drawing/2017/decorative" val="1"/>
+                  <adec:decorative xmlns:adec="http://schemas.microsoft.com/office/drawing/2017/decorative" xmlns="" val="1"/>
                 </a:ext>
               </a:extLst>
             </p:cNvPr>
@@ -19999,7 +21052,7 @@
                   <a16:creationId xmlns:a16="http://schemas.microsoft.com/office/drawing/2014/main" id="{B8446528-FA87-4017-B061-CF7EE79FA240}"/>
                 </a:ext>
                 <a:ext uri="{C183D7F6-B498-43B3-948B-1728B52AA6E4}">
-                  <adec:decorative xmlns:adec="http://schemas.microsoft.com/office/drawing/2017/decorative" val="1"/>
+                  <adec:decorative xmlns:adec="http://schemas.microsoft.com/office/drawing/2017/decorative" xmlns="" val="1"/>
                 </a:ext>
               </a:extLst>
             </p:cNvPr>
@@ -20051,7 +21104,7 @@
                   <a16:creationId xmlns:a16="http://schemas.microsoft.com/office/drawing/2014/main" id="{34D4B4D0-2493-42A2-AEEB-9970A64E8BCE}"/>
                 </a:ext>
                 <a:ext uri="{C183D7F6-B498-43B3-948B-1728B52AA6E4}">
-                  <adec:decorative xmlns:adec="http://schemas.microsoft.com/office/drawing/2017/decorative" val="1"/>
+                  <adec:decorative xmlns:adec="http://schemas.microsoft.com/office/drawing/2017/decorative" xmlns="" val="1"/>
                 </a:ext>
               </a:extLst>
             </p:cNvPr>
@@ -20103,7 +21156,7 @@
                   <a16:creationId xmlns:a16="http://schemas.microsoft.com/office/drawing/2014/main" id="{676E13B7-7CB7-4489-914B-4012EE6EBF36}"/>
                 </a:ext>
                 <a:ext uri="{C183D7F6-B498-43B3-948B-1728B52AA6E4}">
-                  <adec:decorative xmlns:adec="http://schemas.microsoft.com/office/drawing/2017/decorative" val="1"/>
+                  <adec:decorative xmlns:adec="http://schemas.microsoft.com/office/drawing/2017/decorative" xmlns="" val="1"/>
                 </a:ext>
               </a:extLst>
             </p:cNvPr>
@@ -20181,7 +21234,7 @@
                   <a16:creationId xmlns:a16="http://schemas.microsoft.com/office/drawing/2014/main" id="{F2159841-C096-430C-B748-E8D2A5C994FF}"/>
                 </a:ext>
                 <a:ext uri="{C183D7F6-B498-43B3-948B-1728B52AA6E4}">
-                  <adec:decorative xmlns:adec="http://schemas.microsoft.com/office/drawing/2017/decorative" val="1"/>
+                  <adec:decorative xmlns:adec="http://schemas.microsoft.com/office/drawing/2017/decorative" xmlns="" val="1"/>
                 </a:ext>
               </a:extLst>
             </p:cNvPr>
@@ -20259,7 +21312,7 @@
                   <a16:creationId xmlns:a16="http://schemas.microsoft.com/office/drawing/2014/main" id="{B4F167EF-5A0C-487E-8776-97310E39E012}"/>
                 </a:ext>
                 <a:ext uri="{C183D7F6-B498-43B3-948B-1728B52AA6E4}">
-                  <adec:decorative xmlns:adec="http://schemas.microsoft.com/office/drawing/2017/decorative" val="1"/>
+                  <adec:decorative xmlns:adec="http://schemas.microsoft.com/office/drawing/2017/decorative" xmlns="" val="1"/>
                 </a:ext>
               </a:extLst>
             </p:cNvPr>
@@ -20316,7 +21369,7 @@
                   <a16:creationId xmlns:a16="http://schemas.microsoft.com/office/drawing/2014/main" id="{9D8C053F-F025-4CB6-94C4-2841A20D68E0}"/>
                 </a:ext>
                 <a:ext uri="{C183D7F6-B498-43B3-948B-1728B52AA6E4}">
-                  <adec:decorative xmlns:adec="http://schemas.microsoft.com/office/drawing/2017/decorative" val="1"/>
+                  <adec:decorative xmlns:adec="http://schemas.microsoft.com/office/drawing/2017/decorative" xmlns="" val="1"/>
                 </a:ext>
               </a:extLst>
             </p:cNvPr>
@@ -20395,7 +21448,7 @@
                   <a16:creationId xmlns:a16="http://schemas.microsoft.com/office/drawing/2014/main" id="{78581BD0-3E75-48CB-A2A3-44DB1ACB66AE}"/>
                 </a:ext>
                 <a:ext uri="{C183D7F6-B498-43B3-948B-1728B52AA6E4}">
-                  <adec:decorative xmlns:adec="http://schemas.microsoft.com/office/drawing/2017/decorative" val="1"/>
+                  <adec:decorative xmlns:adec="http://schemas.microsoft.com/office/drawing/2017/decorative" xmlns="" val="1"/>
                 </a:ext>
               </a:extLst>
             </p:cNvPr>
@@ -20473,7 +21526,7 @@
                   <a16:creationId xmlns:a16="http://schemas.microsoft.com/office/drawing/2014/main" id="{E90D466A-AB95-4676-82CB-3BEC98AFF832}"/>
                 </a:ext>
                 <a:ext uri="{C183D7F6-B498-43B3-948B-1728B52AA6E4}">
-                  <adec:decorative xmlns:adec="http://schemas.microsoft.com/office/drawing/2017/decorative" val="1"/>
+                  <adec:decorative xmlns:adec="http://schemas.microsoft.com/office/drawing/2017/decorative" xmlns="" val="1"/>
                 </a:ext>
               </a:extLst>
             </p:cNvPr>
@@ -20552,7 +21605,7 @@
                   <a16:creationId xmlns:a16="http://schemas.microsoft.com/office/drawing/2014/main" id="{3AFED863-874C-49D9-AE2F-B9DFF00D5690}"/>
                 </a:ext>
                 <a:ext uri="{C183D7F6-B498-43B3-948B-1728B52AA6E4}">
-                  <adec:decorative xmlns:adec="http://schemas.microsoft.com/office/drawing/2017/decorative" val="1"/>
+                  <adec:decorative xmlns:adec="http://schemas.microsoft.com/office/drawing/2017/decorative" xmlns="" val="1"/>
                 </a:ext>
               </a:extLst>
             </p:cNvPr>
@@ -22169,6 +23222,29 @@
           </a:p>
         </p:txBody>
       </p:sp>
+      <p:sp>
+        <p:nvSpPr>
+          <p:cNvPr id="2" name="Slide Number Placeholder 1"/>
+          <p:cNvSpPr>
+            <a:spLocks noGrp="1"/>
+          </p:cNvSpPr>
+          <p:nvPr>
+            <p:ph type="sldNum" sz="quarter" idx="12"/>
+          </p:nvPr>
+        </p:nvSpPr>
+        <p:spPr/>
+        <p:txBody>
+          <a:bodyPr/>
+          <a:lstStyle/>
+          <a:p>
+            <a:fld id="{519954A3-9DFD-4C44-94BA-B95130A3BA1C}" type="slidenum">
+              <a:rPr lang="en-US" smtClean="0"/>
+              <a:t>25</a:t>
+            </a:fld>
+            <a:endParaRPr lang="en-US" dirty="0"/>
+          </a:p>
+        </p:txBody>
+      </p:sp>
     </p:spTree>
     <p:extLst>
       <p:ext uri="{BB962C8B-B14F-4D97-AF65-F5344CB8AC3E}">
@@ -22215,7 +23291,7 @@
                 <a16:creationId xmlns:a16="http://schemas.microsoft.com/office/drawing/2014/main" id="{4815A7B4-532E-48C9-AC24-D78ACF3339DB}"/>
               </a:ext>
               <a:ext uri="{C183D7F6-B498-43B3-948B-1728B52AA6E4}">
-                <adec:decorative xmlns:adec="http://schemas.microsoft.com/office/drawing/2017/decorative" val="1"/>
+                <adec:decorative xmlns:adec="http://schemas.microsoft.com/office/drawing/2017/decorative" xmlns="" val="1"/>
               </a:ext>
             </a:extLst>
           </p:cNvPr>
@@ -22246,7 +23322,7 @@
                   <a16:creationId xmlns:a16="http://schemas.microsoft.com/office/drawing/2014/main" id="{D40109F4-CE5C-45F4-856E-F3F69C9FD4E1}"/>
                 </a:ext>
                 <a:ext uri="{C183D7F6-B498-43B3-948B-1728B52AA6E4}">
-                  <adec:decorative xmlns:adec="http://schemas.microsoft.com/office/drawing/2017/decorative" val="1"/>
+                  <adec:decorative xmlns:adec="http://schemas.microsoft.com/office/drawing/2017/decorative" xmlns="" val="1"/>
                 </a:ext>
               </a:extLst>
             </p:cNvPr>
@@ -22324,7 +23400,7 @@
                   <a16:creationId xmlns:a16="http://schemas.microsoft.com/office/drawing/2014/main" id="{3CBAA4DE-3D7B-460B-AE98-D9F9990C0B62}"/>
                 </a:ext>
                 <a:ext uri="{C183D7F6-B498-43B3-948B-1728B52AA6E4}">
-                  <adec:decorative xmlns:adec="http://schemas.microsoft.com/office/drawing/2017/decorative" val="1"/>
+                  <adec:decorative xmlns:adec="http://schemas.microsoft.com/office/drawing/2017/decorative" xmlns="" val="1"/>
                 </a:ext>
               </a:extLst>
             </p:cNvPr>
@@ -22376,7 +23452,7 @@
                   <a16:creationId xmlns:a16="http://schemas.microsoft.com/office/drawing/2014/main" id="{7BF1ED3E-4F80-4AF6-A41B-44F53DDE610D}"/>
                 </a:ext>
                 <a:ext uri="{C183D7F6-B498-43B3-948B-1728B52AA6E4}">
-                  <adec:decorative xmlns:adec="http://schemas.microsoft.com/office/drawing/2017/decorative" val="1"/>
+                  <adec:decorative xmlns:adec="http://schemas.microsoft.com/office/drawing/2017/decorative" xmlns="" val="1"/>
                 </a:ext>
               </a:extLst>
             </p:cNvPr>
@@ -22428,7 +23504,7 @@
                   <a16:creationId xmlns:a16="http://schemas.microsoft.com/office/drawing/2014/main" id="{C0B2D747-3E31-45C5-9A98-A9710A585FBB}"/>
                 </a:ext>
                 <a:ext uri="{C183D7F6-B498-43B3-948B-1728B52AA6E4}">
-                  <adec:decorative xmlns:adec="http://schemas.microsoft.com/office/drawing/2017/decorative" val="1"/>
+                  <adec:decorative xmlns:adec="http://schemas.microsoft.com/office/drawing/2017/decorative" xmlns="" val="1"/>
                 </a:ext>
               </a:extLst>
             </p:cNvPr>
@@ -22506,7 +23582,7 @@
                   <a16:creationId xmlns:a16="http://schemas.microsoft.com/office/drawing/2014/main" id="{A15FD4BA-3020-462D-8BE8-B3A65B8E492A}"/>
                 </a:ext>
                 <a:ext uri="{C183D7F6-B498-43B3-948B-1728B52AA6E4}">
-                  <adec:decorative xmlns:adec="http://schemas.microsoft.com/office/drawing/2017/decorative" val="1"/>
+                  <adec:decorative xmlns:adec="http://schemas.microsoft.com/office/drawing/2017/decorative" xmlns="" val="1"/>
                 </a:ext>
               </a:extLst>
             </p:cNvPr>
@@ -22584,7 +23660,7 @@
                   <a16:creationId xmlns:a16="http://schemas.microsoft.com/office/drawing/2014/main" id="{A304284A-7318-4DD5-898C-2F6B23C778FA}"/>
                 </a:ext>
                 <a:ext uri="{C183D7F6-B498-43B3-948B-1728B52AA6E4}">
-                  <adec:decorative xmlns:adec="http://schemas.microsoft.com/office/drawing/2017/decorative" val="1"/>
+                  <adec:decorative xmlns:adec="http://schemas.microsoft.com/office/drawing/2017/decorative" xmlns="" val="1"/>
                 </a:ext>
               </a:extLst>
             </p:cNvPr>
@@ -22641,7 +23717,7 @@
                   <a16:creationId xmlns:a16="http://schemas.microsoft.com/office/drawing/2014/main" id="{9DF48E66-B635-4509-B115-E0987C014EBC}"/>
                 </a:ext>
                 <a:ext uri="{C183D7F6-B498-43B3-948B-1728B52AA6E4}">
-                  <adec:decorative xmlns:adec="http://schemas.microsoft.com/office/drawing/2017/decorative" val="1"/>
+                  <adec:decorative xmlns:adec="http://schemas.microsoft.com/office/drawing/2017/decorative" xmlns="" val="1"/>
                 </a:ext>
               </a:extLst>
             </p:cNvPr>
@@ -22720,7 +23796,7 @@
                   <a16:creationId xmlns:a16="http://schemas.microsoft.com/office/drawing/2014/main" id="{E3B96D94-5F5A-4F4C-810C-917BF4D266C3}"/>
                 </a:ext>
                 <a:ext uri="{C183D7F6-B498-43B3-948B-1728B52AA6E4}">
-                  <adec:decorative xmlns:adec="http://schemas.microsoft.com/office/drawing/2017/decorative" val="1"/>
+                  <adec:decorative xmlns:adec="http://schemas.microsoft.com/office/drawing/2017/decorative" xmlns="" val="1"/>
                 </a:ext>
               </a:extLst>
             </p:cNvPr>
@@ -22798,7 +23874,7 @@
                   <a16:creationId xmlns:a16="http://schemas.microsoft.com/office/drawing/2014/main" id="{7F3782D6-BFF8-4389-9D39-A023ADAA92C1}"/>
                 </a:ext>
                 <a:ext uri="{C183D7F6-B498-43B3-948B-1728B52AA6E4}">
-                  <adec:decorative xmlns:adec="http://schemas.microsoft.com/office/drawing/2017/decorative" val="1"/>
+                  <adec:decorative xmlns:adec="http://schemas.microsoft.com/office/drawing/2017/decorative" xmlns="" val="1"/>
                 </a:ext>
               </a:extLst>
             </p:cNvPr>
@@ -22877,7 +23953,7 @@
                   <a16:creationId xmlns:a16="http://schemas.microsoft.com/office/drawing/2014/main" id="{ECE162D4-FCAE-441B-B5E9-C91DE62124EF}"/>
                 </a:ext>
                 <a:ext uri="{C183D7F6-B498-43B3-948B-1728B52AA6E4}">
-                  <adec:decorative xmlns:adec="http://schemas.microsoft.com/office/drawing/2017/decorative" val="1"/>
+                  <adec:decorative xmlns:adec="http://schemas.microsoft.com/office/drawing/2017/decorative" xmlns="" val="1"/>
                 </a:ext>
               </a:extLst>
             </p:cNvPr>
@@ -23010,6 +24086,29 @@
           </a:prstGeom>
         </p:spPr>
       </p:pic>
+      <p:sp>
+        <p:nvSpPr>
+          <p:cNvPr id="3" name="Slide Number Placeholder 2"/>
+          <p:cNvSpPr>
+            <a:spLocks noGrp="1"/>
+          </p:cNvSpPr>
+          <p:nvPr>
+            <p:ph type="sldNum" sz="quarter" idx="12"/>
+          </p:nvPr>
+        </p:nvSpPr>
+        <p:spPr/>
+        <p:txBody>
+          <a:bodyPr/>
+          <a:lstStyle/>
+          <a:p>
+            <a:fld id="{519954A3-9DFD-4C44-94BA-B95130A3BA1C}" type="slidenum">
+              <a:rPr lang="en-US" smtClean="0"/>
+              <a:t>26</a:t>
+            </a:fld>
+            <a:endParaRPr lang="en-US" dirty="0"/>
+          </a:p>
+        </p:txBody>
+      </p:sp>
     </p:spTree>
     <p:extLst>
       <p:ext uri="{BB962C8B-B14F-4D97-AF65-F5344CB8AC3E}">
@@ -23056,7 +24155,7 @@
                 <a16:creationId xmlns:a16="http://schemas.microsoft.com/office/drawing/2014/main" id="{4815A7B4-532E-48C9-AC24-D78ACF3339DB}"/>
               </a:ext>
               <a:ext uri="{C183D7F6-B498-43B3-948B-1728B52AA6E4}">
-                <adec:decorative xmlns:adec="http://schemas.microsoft.com/office/drawing/2017/decorative" val="1"/>
+                <adec:decorative xmlns:adec="http://schemas.microsoft.com/office/drawing/2017/decorative" xmlns="" val="1"/>
               </a:ext>
             </a:extLst>
           </p:cNvPr>
@@ -23087,7 +24186,7 @@
                   <a16:creationId xmlns:a16="http://schemas.microsoft.com/office/drawing/2014/main" id="{D40109F4-CE5C-45F4-856E-F3F69C9FD4E1}"/>
                 </a:ext>
                 <a:ext uri="{C183D7F6-B498-43B3-948B-1728B52AA6E4}">
-                  <adec:decorative xmlns:adec="http://schemas.microsoft.com/office/drawing/2017/decorative" val="1"/>
+                  <adec:decorative xmlns:adec="http://schemas.microsoft.com/office/drawing/2017/decorative" xmlns="" val="1"/>
                 </a:ext>
               </a:extLst>
             </p:cNvPr>
@@ -23165,7 +24264,7 @@
                   <a16:creationId xmlns:a16="http://schemas.microsoft.com/office/drawing/2014/main" id="{3CBAA4DE-3D7B-460B-AE98-D9F9990C0B62}"/>
                 </a:ext>
                 <a:ext uri="{C183D7F6-B498-43B3-948B-1728B52AA6E4}">
-                  <adec:decorative xmlns:adec="http://schemas.microsoft.com/office/drawing/2017/decorative" val="1"/>
+                  <adec:decorative xmlns:adec="http://schemas.microsoft.com/office/drawing/2017/decorative" xmlns="" val="1"/>
                 </a:ext>
               </a:extLst>
             </p:cNvPr>
@@ -23217,7 +24316,7 @@
                   <a16:creationId xmlns:a16="http://schemas.microsoft.com/office/drawing/2014/main" id="{7BF1ED3E-4F80-4AF6-A41B-44F53DDE610D}"/>
                 </a:ext>
                 <a:ext uri="{C183D7F6-B498-43B3-948B-1728B52AA6E4}">
-                  <adec:decorative xmlns:adec="http://schemas.microsoft.com/office/drawing/2017/decorative" val="1"/>
+                  <adec:decorative xmlns:adec="http://schemas.microsoft.com/office/drawing/2017/decorative" xmlns="" val="1"/>
                 </a:ext>
               </a:extLst>
             </p:cNvPr>
@@ -23269,7 +24368,7 @@
                   <a16:creationId xmlns:a16="http://schemas.microsoft.com/office/drawing/2014/main" id="{C0B2D747-3E31-45C5-9A98-A9710A585FBB}"/>
                 </a:ext>
                 <a:ext uri="{C183D7F6-B498-43B3-948B-1728B52AA6E4}">
-                  <adec:decorative xmlns:adec="http://schemas.microsoft.com/office/drawing/2017/decorative" val="1"/>
+                  <adec:decorative xmlns:adec="http://schemas.microsoft.com/office/drawing/2017/decorative" xmlns="" val="1"/>
                 </a:ext>
               </a:extLst>
             </p:cNvPr>
@@ -23347,7 +24446,7 @@
                   <a16:creationId xmlns:a16="http://schemas.microsoft.com/office/drawing/2014/main" id="{A15FD4BA-3020-462D-8BE8-B3A65B8E492A}"/>
                 </a:ext>
                 <a:ext uri="{C183D7F6-B498-43B3-948B-1728B52AA6E4}">
-                  <adec:decorative xmlns:adec="http://schemas.microsoft.com/office/drawing/2017/decorative" val="1"/>
+                  <adec:decorative xmlns:adec="http://schemas.microsoft.com/office/drawing/2017/decorative" xmlns="" val="1"/>
                 </a:ext>
               </a:extLst>
             </p:cNvPr>
@@ -23425,7 +24524,7 @@
                   <a16:creationId xmlns:a16="http://schemas.microsoft.com/office/drawing/2014/main" id="{A304284A-7318-4DD5-898C-2F6B23C778FA}"/>
                 </a:ext>
                 <a:ext uri="{C183D7F6-B498-43B3-948B-1728B52AA6E4}">
-                  <adec:decorative xmlns:adec="http://schemas.microsoft.com/office/drawing/2017/decorative" val="1"/>
+                  <adec:decorative xmlns:adec="http://schemas.microsoft.com/office/drawing/2017/decorative" xmlns="" val="1"/>
                 </a:ext>
               </a:extLst>
             </p:cNvPr>
@@ -23482,7 +24581,7 @@
                   <a16:creationId xmlns:a16="http://schemas.microsoft.com/office/drawing/2014/main" id="{9DF48E66-B635-4509-B115-E0987C014EBC}"/>
                 </a:ext>
                 <a:ext uri="{C183D7F6-B498-43B3-948B-1728B52AA6E4}">
-                  <adec:decorative xmlns:adec="http://schemas.microsoft.com/office/drawing/2017/decorative" val="1"/>
+                  <adec:decorative xmlns:adec="http://schemas.microsoft.com/office/drawing/2017/decorative" xmlns="" val="1"/>
                 </a:ext>
               </a:extLst>
             </p:cNvPr>
@@ -23561,7 +24660,7 @@
                   <a16:creationId xmlns:a16="http://schemas.microsoft.com/office/drawing/2014/main" id="{E3B96D94-5F5A-4F4C-810C-917BF4D266C3}"/>
                 </a:ext>
                 <a:ext uri="{C183D7F6-B498-43B3-948B-1728B52AA6E4}">
-                  <adec:decorative xmlns:adec="http://schemas.microsoft.com/office/drawing/2017/decorative" val="1"/>
+                  <adec:decorative xmlns:adec="http://schemas.microsoft.com/office/drawing/2017/decorative" xmlns="" val="1"/>
                 </a:ext>
               </a:extLst>
             </p:cNvPr>
@@ -23639,7 +24738,7 @@
                   <a16:creationId xmlns:a16="http://schemas.microsoft.com/office/drawing/2014/main" id="{7F3782D6-BFF8-4389-9D39-A023ADAA92C1}"/>
                 </a:ext>
                 <a:ext uri="{C183D7F6-B498-43B3-948B-1728B52AA6E4}">
-                  <adec:decorative xmlns:adec="http://schemas.microsoft.com/office/drawing/2017/decorative" val="1"/>
+                  <adec:decorative xmlns:adec="http://schemas.microsoft.com/office/drawing/2017/decorative" xmlns="" val="1"/>
                 </a:ext>
               </a:extLst>
             </p:cNvPr>
@@ -23718,7 +24817,7 @@
                   <a16:creationId xmlns:a16="http://schemas.microsoft.com/office/drawing/2014/main" id="{ECE162D4-FCAE-441B-B5E9-C91DE62124EF}"/>
                 </a:ext>
                 <a:ext uri="{C183D7F6-B498-43B3-948B-1728B52AA6E4}">
-                  <adec:decorative xmlns:adec="http://schemas.microsoft.com/office/drawing/2017/decorative" val="1"/>
+                  <adec:decorative xmlns:adec="http://schemas.microsoft.com/office/drawing/2017/decorative" xmlns="" val="1"/>
                 </a:ext>
               </a:extLst>
             </p:cNvPr>
@@ -23846,6 +24945,29 @@
           </a:prstGeom>
         </p:spPr>
       </p:pic>
+      <p:sp>
+        <p:nvSpPr>
+          <p:cNvPr id="3" name="Slide Number Placeholder 2"/>
+          <p:cNvSpPr>
+            <a:spLocks noGrp="1"/>
+          </p:cNvSpPr>
+          <p:nvPr>
+            <p:ph type="sldNum" sz="quarter" idx="12"/>
+          </p:nvPr>
+        </p:nvSpPr>
+        <p:spPr/>
+        <p:txBody>
+          <a:bodyPr/>
+          <a:lstStyle/>
+          <a:p>
+            <a:fld id="{519954A3-9DFD-4C44-94BA-B95130A3BA1C}" type="slidenum">
+              <a:rPr lang="en-US" smtClean="0"/>
+              <a:t>27</a:t>
+            </a:fld>
+            <a:endParaRPr lang="en-US" dirty="0"/>
+          </a:p>
+        </p:txBody>
+      </p:sp>
     </p:spTree>
     <p:extLst>
       <p:ext uri="{BB962C8B-B14F-4D97-AF65-F5344CB8AC3E}">
@@ -24592,6 +25714,29 @@
               <a:latin typeface="Times New Roman" panose="02020603050405020304" pitchFamily="18" charset="0"/>
               <a:cs typeface="Times New Roman" panose="02020603050405020304" pitchFamily="18" charset="0"/>
             </a:endParaRPr>
+          </a:p>
+        </p:txBody>
+      </p:sp>
+      <p:sp>
+        <p:nvSpPr>
+          <p:cNvPr id="4" name="Slide Number Placeholder 3"/>
+          <p:cNvSpPr>
+            <a:spLocks noGrp="1"/>
+          </p:cNvSpPr>
+          <p:nvPr>
+            <p:ph type="sldNum" sz="quarter" idx="12"/>
+          </p:nvPr>
+        </p:nvSpPr>
+        <p:spPr/>
+        <p:txBody>
+          <a:bodyPr/>
+          <a:lstStyle/>
+          <a:p>
+            <a:fld id="{519954A3-9DFD-4C44-94BA-B95130A3BA1C}" type="slidenum">
+              <a:rPr lang="en-US" smtClean="0"/>
+              <a:t>28</a:t>
+            </a:fld>
+            <a:endParaRPr lang="en-US" dirty="0"/>
           </a:p>
         </p:txBody>
       </p:sp>
@@ -25453,6 +26598,29 @@
           </a:p>
         </p:txBody>
       </p:sp>
+      <p:sp>
+        <p:nvSpPr>
+          <p:cNvPr id="4" name="Slide Number Placeholder 3"/>
+          <p:cNvSpPr>
+            <a:spLocks noGrp="1"/>
+          </p:cNvSpPr>
+          <p:nvPr>
+            <p:ph type="sldNum" sz="quarter" idx="12"/>
+          </p:nvPr>
+        </p:nvSpPr>
+        <p:spPr/>
+        <p:txBody>
+          <a:bodyPr/>
+          <a:lstStyle/>
+          <a:p>
+            <a:fld id="{519954A3-9DFD-4C44-94BA-B95130A3BA1C}" type="slidenum">
+              <a:rPr lang="en-US" smtClean="0"/>
+              <a:t>29</a:t>
+            </a:fld>
+            <a:endParaRPr lang="en-US" dirty="0"/>
+          </a:p>
+        </p:txBody>
+      </p:sp>
     </p:spTree>
     <p:extLst>
       <p:ext uri="{BB962C8B-B14F-4D97-AF65-F5344CB8AC3E}">
@@ -25573,7 +26741,7 @@
                 <a:hlinkClick r:id="rId2">
                   <a:extLst>
                     <a:ext uri="{A12FA001-AC4F-418D-AE19-62706E023703}">
-                      <ahyp:hlinkClr xmlns:ahyp="http://schemas.microsoft.com/office/drawing/2018/hyperlinkcolor" val="tx"/>
+                      <ahyp:hlinkClr xmlns:ahyp="http://schemas.microsoft.com/office/drawing/2018/hyperlinkcolor" xmlns="" val="tx"/>
                     </a:ext>
                   </a:extLst>
                 </a:hlinkClick>
@@ -25617,7 +26785,7 @@
                 <a:hlinkClick r:id="rId3">
                   <a:extLst>
                     <a:ext uri="{A12FA001-AC4F-418D-AE19-62706E023703}">
-                      <ahyp:hlinkClr xmlns:ahyp="http://schemas.microsoft.com/office/drawing/2018/hyperlinkcolor" val="tx"/>
+                      <ahyp:hlinkClr xmlns:ahyp="http://schemas.microsoft.com/office/drawing/2018/hyperlinkcolor" xmlns="" val="tx"/>
                     </a:ext>
                   </a:extLst>
                 </a:hlinkClick>
@@ -26037,6 +27205,29 @@
               </a:rPr>
               <a:t> 11 năm 2019</a:t>
             </a:r>
+          </a:p>
+        </p:txBody>
+      </p:sp>
+      <p:sp>
+        <p:nvSpPr>
+          <p:cNvPr id="4" name="Slide Number Placeholder 3"/>
+          <p:cNvSpPr>
+            <a:spLocks noGrp="1"/>
+          </p:cNvSpPr>
+          <p:nvPr>
+            <p:ph type="sldNum" sz="quarter" idx="12"/>
+          </p:nvPr>
+        </p:nvSpPr>
+        <p:spPr/>
+        <p:txBody>
+          <a:bodyPr/>
+          <a:lstStyle/>
+          <a:p>
+            <a:fld id="{519954A3-9DFD-4C44-94BA-B95130A3BA1C}" type="slidenum">
+              <a:rPr lang="en-US" smtClean="0"/>
+              <a:t>3</a:t>
+            </a:fld>
+            <a:endParaRPr lang="en-US" dirty="0"/>
           </a:p>
         </p:txBody>
       </p:sp>
@@ -26574,6 +27765,29 @@
           </a:p>
         </p:txBody>
       </p:sp>
+      <p:sp>
+        <p:nvSpPr>
+          <p:cNvPr id="4" name="Slide Number Placeholder 3"/>
+          <p:cNvSpPr>
+            <a:spLocks noGrp="1"/>
+          </p:cNvSpPr>
+          <p:nvPr>
+            <p:ph type="sldNum" sz="quarter" idx="12"/>
+          </p:nvPr>
+        </p:nvSpPr>
+        <p:spPr/>
+        <p:txBody>
+          <a:bodyPr/>
+          <a:lstStyle/>
+          <a:p>
+            <a:fld id="{519954A3-9DFD-4C44-94BA-B95130A3BA1C}" type="slidenum">
+              <a:rPr lang="en-US" smtClean="0"/>
+              <a:t>4</a:t>
+            </a:fld>
+            <a:endParaRPr lang="en-US" dirty="0"/>
+          </a:p>
+        </p:txBody>
+      </p:sp>
     </p:spTree>
     <p:extLst>
       <p:ext uri="{BB962C8B-B14F-4D97-AF65-F5344CB8AC3E}">
@@ -26620,7 +27834,7 @@
                 <a16:creationId xmlns:a16="http://schemas.microsoft.com/office/drawing/2014/main" id="{A4D026A2-7476-44B0-9648-BB98882F7BA3}"/>
               </a:ext>
               <a:ext uri="{C183D7F6-B498-43B3-948B-1728B52AA6E4}">
-                <adec:decorative xmlns:adec="http://schemas.microsoft.com/office/drawing/2017/decorative" val="1"/>
+                <adec:decorative xmlns:adec="http://schemas.microsoft.com/office/drawing/2017/decorative" xmlns="" val="1"/>
               </a:ext>
             </a:extLst>
           </p:cNvPr>
@@ -26651,7 +27865,7 @@
                   <a16:creationId xmlns:a16="http://schemas.microsoft.com/office/drawing/2014/main" id="{48F8FC21-0A44-4045-95A1-B7935DBC603D}"/>
                 </a:ext>
                 <a:ext uri="{C183D7F6-B498-43B3-948B-1728B52AA6E4}">
-                  <adec:decorative xmlns:adec="http://schemas.microsoft.com/office/drawing/2017/decorative" val="1"/>
+                  <adec:decorative xmlns:adec="http://schemas.microsoft.com/office/drawing/2017/decorative" xmlns="" val="1"/>
                 </a:ext>
               </a:extLst>
             </p:cNvPr>
@@ -26703,7 +27917,7 @@
                   <a16:creationId xmlns:a16="http://schemas.microsoft.com/office/drawing/2014/main" id="{0209B962-CD29-4D46-A7B0-10F6C7CF1C0F}"/>
                 </a:ext>
                 <a:ext uri="{C183D7F6-B498-43B3-948B-1728B52AA6E4}">
-                  <adec:decorative xmlns:adec="http://schemas.microsoft.com/office/drawing/2017/decorative" val="1"/>
+                  <adec:decorative xmlns:adec="http://schemas.microsoft.com/office/drawing/2017/decorative" xmlns="" val="1"/>
                 </a:ext>
               </a:extLst>
             </p:cNvPr>
@@ -26755,7 +27969,7 @@
                   <a16:creationId xmlns:a16="http://schemas.microsoft.com/office/drawing/2014/main" id="{CC8D40CF-4D47-411D-A8B7-0E4B29E9832B}"/>
                 </a:ext>
                 <a:ext uri="{C183D7F6-B498-43B3-948B-1728B52AA6E4}">
-                  <adec:decorative xmlns:adec="http://schemas.microsoft.com/office/drawing/2017/decorative" val="1"/>
+                  <adec:decorative xmlns:adec="http://schemas.microsoft.com/office/drawing/2017/decorative" xmlns="" val="1"/>
                 </a:ext>
               </a:extLst>
             </p:cNvPr>
@@ -26833,7 +28047,7 @@
                   <a16:creationId xmlns:a16="http://schemas.microsoft.com/office/drawing/2014/main" id="{9B48A2AD-5257-4384-A7F5-A1EE4E6883A5}"/>
                 </a:ext>
                 <a:ext uri="{C183D7F6-B498-43B3-948B-1728B52AA6E4}">
-                  <adec:decorative xmlns:adec="http://schemas.microsoft.com/office/drawing/2017/decorative" val="1"/>
+                  <adec:decorative xmlns:adec="http://schemas.microsoft.com/office/drawing/2017/decorative" xmlns="" val="1"/>
                 </a:ext>
               </a:extLst>
             </p:cNvPr>
@@ -26911,7 +28125,7 @@
                   <a16:creationId xmlns:a16="http://schemas.microsoft.com/office/drawing/2014/main" id="{04C26DE3-844C-47DA-831E-E7D7BF617EC2}"/>
                 </a:ext>
                 <a:ext uri="{C183D7F6-B498-43B3-948B-1728B52AA6E4}">
-                  <adec:decorative xmlns:adec="http://schemas.microsoft.com/office/drawing/2017/decorative" val="1"/>
+                  <adec:decorative xmlns:adec="http://schemas.microsoft.com/office/drawing/2017/decorative" xmlns="" val="1"/>
                 </a:ext>
               </a:extLst>
             </p:cNvPr>
@@ -26968,7 +28182,7 @@
                   <a16:creationId xmlns:a16="http://schemas.microsoft.com/office/drawing/2014/main" id="{922D975E-0684-4AA6-9FB7-929B250D5389}"/>
                 </a:ext>
                 <a:ext uri="{C183D7F6-B498-43B3-948B-1728B52AA6E4}">
-                  <adec:decorative xmlns:adec="http://schemas.microsoft.com/office/drawing/2017/decorative" val="1"/>
+                  <adec:decorative xmlns:adec="http://schemas.microsoft.com/office/drawing/2017/decorative" xmlns="" val="1"/>
                 </a:ext>
               </a:extLst>
             </p:cNvPr>
@@ -27047,7 +28261,7 @@
                   <a16:creationId xmlns:a16="http://schemas.microsoft.com/office/drawing/2014/main" id="{38ED5A9A-F0C7-4547-BC1E-22FC89BD26D1}"/>
                 </a:ext>
                 <a:ext uri="{C183D7F6-B498-43B3-948B-1728B52AA6E4}">
-                  <adec:decorative xmlns:adec="http://schemas.microsoft.com/office/drawing/2017/decorative" val="1"/>
+                  <adec:decorative xmlns:adec="http://schemas.microsoft.com/office/drawing/2017/decorative" xmlns="" val="1"/>
                 </a:ext>
               </a:extLst>
             </p:cNvPr>
@@ -27125,7 +28339,7 @@
                   <a16:creationId xmlns:a16="http://schemas.microsoft.com/office/drawing/2014/main" id="{2D743765-A245-4349-A5CE-4AB5F078F91E}"/>
                 </a:ext>
                 <a:ext uri="{C183D7F6-B498-43B3-948B-1728B52AA6E4}">
-                  <adec:decorative xmlns:adec="http://schemas.microsoft.com/office/drawing/2017/decorative" val="1"/>
+                  <adec:decorative xmlns:adec="http://schemas.microsoft.com/office/drawing/2017/decorative" xmlns="" val="1"/>
                 </a:ext>
               </a:extLst>
             </p:cNvPr>
@@ -27204,7 +28418,7 @@
                   <a16:creationId xmlns:a16="http://schemas.microsoft.com/office/drawing/2014/main" id="{0AF7217B-D042-44D2-9FC7-71FAB6651A47}"/>
                 </a:ext>
                 <a:ext uri="{C183D7F6-B498-43B3-948B-1728B52AA6E4}">
-                  <adec:decorative xmlns:adec="http://schemas.microsoft.com/office/drawing/2017/decorative" val="1"/>
+                  <adec:decorative xmlns:adec="http://schemas.microsoft.com/office/drawing/2017/decorative" xmlns="" val="1"/>
                 </a:ext>
               </a:extLst>
             </p:cNvPr>
@@ -27261,7 +28475,7 @@
                   <a16:creationId xmlns:a16="http://schemas.microsoft.com/office/drawing/2014/main" id="{1CC9171B-8BEB-48B1-B9BE-E9584522D074}"/>
                 </a:ext>
                 <a:ext uri="{C183D7F6-B498-43B3-948B-1728B52AA6E4}">
-                  <adec:decorative xmlns:adec="http://schemas.microsoft.com/office/drawing/2017/decorative" val="1"/>
+                  <adec:decorative xmlns:adec="http://schemas.microsoft.com/office/drawing/2017/decorative" xmlns="" val="1"/>
                 </a:ext>
               </a:extLst>
             </p:cNvPr>
@@ -27318,7 +28532,7 @@
                 <a16:creationId xmlns:a16="http://schemas.microsoft.com/office/drawing/2014/main" id="{03E8462A-FEBA-4848-81CC-3F8DA3E477BE}"/>
               </a:ext>
               <a:ext uri="{C183D7F6-B498-43B3-948B-1728B52AA6E4}">
-                <adec:decorative xmlns:adec="http://schemas.microsoft.com/office/drawing/2017/decorative" val="1"/>
+                <adec:decorative xmlns:adec="http://schemas.microsoft.com/office/drawing/2017/decorative" xmlns="" val="1"/>
               </a:ext>
             </a:extLst>
           </p:cNvPr>
@@ -27381,7 +28595,7 @@
                 <a16:creationId xmlns:a16="http://schemas.microsoft.com/office/drawing/2014/main" id="{2109F83F-40FE-4DB3-84CC-09FB3340D06D}"/>
               </a:ext>
               <a:ext uri="{C183D7F6-B498-43B3-948B-1728B52AA6E4}">
-                <adec:decorative xmlns:adec="http://schemas.microsoft.com/office/drawing/2017/decorative" val="1"/>
+                <adec:decorative xmlns:adec="http://schemas.microsoft.com/office/drawing/2017/decorative" xmlns="" val="1"/>
               </a:ext>
             </a:extLst>
           </p:cNvPr>
@@ -27412,7 +28626,7 @@
                   <a16:creationId xmlns:a16="http://schemas.microsoft.com/office/drawing/2014/main" id="{1DE492D7-C3C3-48FF-80C8-37021EA0262F}"/>
                 </a:ext>
                 <a:ext uri="{C183D7F6-B498-43B3-948B-1728B52AA6E4}">
-                  <adec:decorative xmlns:adec="http://schemas.microsoft.com/office/drawing/2017/decorative" val="1"/>
+                  <adec:decorative xmlns:adec="http://schemas.microsoft.com/office/drawing/2017/decorative" xmlns="" val="1"/>
                 </a:ext>
               </a:extLst>
             </p:cNvPr>
@@ -27464,7 +28678,7 @@
                   <a16:creationId xmlns:a16="http://schemas.microsoft.com/office/drawing/2014/main" id="{0B30FF97-2E9A-490A-AED2-90BA2E0EC17F}"/>
                 </a:ext>
                 <a:ext uri="{C183D7F6-B498-43B3-948B-1728B52AA6E4}">
-                  <adec:decorative xmlns:adec="http://schemas.microsoft.com/office/drawing/2017/decorative" val="1"/>
+                  <adec:decorative xmlns:adec="http://schemas.microsoft.com/office/drawing/2017/decorative" xmlns="" val="1"/>
                 </a:ext>
               </a:extLst>
             </p:cNvPr>
@@ -27542,7 +28756,7 @@
                   <a16:creationId xmlns:a16="http://schemas.microsoft.com/office/drawing/2014/main" id="{B6D53C7D-A312-47B6-A66A-230A19CFACA6}"/>
                 </a:ext>
                 <a:ext uri="{C183D7F6-B498-43B3-948B-1728B52AA6E4}">
-                  <adec:decorative xmlns:adec="http://schemas.microsoft.com/office/drawing/2017/decorative" val="1"/>
+                  <adec:decorative xmlns:adec="http://schemas.microsoft.com/office/drawing/2017/decorative" xmlns="" val="1"/>
                 </a:ext>
               </a:extLst>
             </p:cNvPr>
@@ -27620,7 +28834,7 @@
                   <a16:creationId xmlns:a16="http://schemas.microsoft.com/office/drawing/2014/main" id="{9329D58C-0D2E-4A2B-AD6A-9CEE506784A8}"/>
                 </a:ext>
                 <a:ext uri="{C183D7F6-B498-43B3-948B-1728B52AA6E4}">
-                  <adec:decorative xmlns:adec="http://schemas.microsoft.com/office/drawing/2017/decorative" val="1"/>
+                  <adec:decorative xmlns:adec="http://schemas.microsoft.com/office/drawing/2017/decorative" xmlns="" val="1"/>
                 </a:ext>
               </a:extLst>
             </p:cNvPr>
@@ -27676,7 +28890,7 @@
                   <a16:creationId xmlns:a16="http://schemas.microsoft.com/office/drawing/2014/main" id="{9D446EDE-C690-4461-8BF2-7634808FC8B4}"/>
                 </a:ext>
                 <a:ext uri="{C183D7F6-B498-43B3-948B-1728B52AA6E4}">
-                  <adec:decorative xmlns:adec="http://schemas.microsoft.com/office/drawing/2017/decorative" val="1"/>
+                  <adec:decorative xmlns:adec="http://schemas.microsoft.com/office/drawing/2017/decorative" xmlns="" val="1"/>
                 </a:ext>
               </a:extLst>
             </p:cNvPr>
@@ -27755,7 +28969,7 @@
                   <a16:creationId xmlns:a16="http://schemas.microsoft.com/office/drawing/2014/main" id="{323F3D34-6531-4AD7-A8C6-195A090281A1}"/>
                 </a:ext>
                 <a:ext uri="{C183D7F6-B498-43B3-948B-1728B52AA6E4}">
-                  <adec:decorative xmlns:adec="http://schemas.microsoft.com/office/drawing/2017/decorative" val="1"/>
+                  <adec:decorative xmlns:adec="http://schemas.microsoft.com/office/drawing/2017/decorative" xmlns="" val="1"/>
                 </a:ext>
               </a:extLst>
             </p:cNvPr>
@@ -27835,7 +29049,7 @@
                   <a16:creationId xmlns:a16="http://schemas.microsoft.com/office/drawing/2014/main" id="{B9B0AE3F-2350-435F-A9B0-C310BF876385}"/>
                 </a:ext>
                 <a:ext uri="{C183D7F6-B498-43B3-948B-1728B52AA6E4}">
-                  <adec:decorative xmlns:adec="http://schemas.microsoft.com/office/drawing/2017/decorative" val="1"/>
+                  <adec:decorative xmlns:adec="http://schemas.microsoft.com/office/drawing/2017/decorative" xmlns="" val="1"/>
                 </a:ext>
               </a:extLst>
             </p:cNvPr>
@@ -27913,7 +29127,7 @@
                   <a16:creationId xmlns:a16="http://schemas.microsoft.com/office/drawing/2014/main" id="{4EFA655C-9E50-4C14-A89E-AD7B648E4E2B}"/>
                 </a:ext>
                 <a:ext uri="{C183D7F6-B498-43B3-948B-1728B52AA6E4}">
-                  <adec:decorative xmlns:adec="http://schemas.microsoft.com/office/drawing/2017/decorative" val="1"/>
+                  <adec:decorative xmlns:adec="http://schemas.microsoft.com/office/drawing/2017/decorative" xmlns="" val="1"/>
                 </a:ext>
               </a:extLst>
             </p:cNvPr>
@@ -27969,7 +29183,7 @@
                   <a16:creationId xmlns:a16="http://schemas.microsoft.com/office/drawing/2014/main" id="{3E843863-7D25-4C01-9A17-E817CB6D998A}"/>
                 </a:ext>
                 <a:ext uri="{C183D7F6-B498-43B3-948B-1728B52AA6E4}">
-                  <adec:decorative xmlns:adec="http://schemas.microsoft.com/office/drawing/2017/decorative" val="1"/>
+                  <adec:decorative xmlns:adec="http://schemas.microsoft.com/office/drawing/2017/decorative" xmlns="" val="1"/>
                 </a:ext>
               </a:extLst>
             </p:cNvPr>
@@ -28026,7 +29240,7 @@
                 <a16:creationId xmlns:a16="http://schemas.microsoft.com/office/drawing/2014/main" id="{7941F9B1-B01B-4A84-89D9-B169AEB4E456}"/>
               </a:ext>
               <a:ext uri="{C183D7F6-B498-43B3-948B-1728B52AA6E4}">
-                <adec:decorative xmlns:adec="http://schemas.microsoft.com/office/drawing/2017/decorative" val="1"/>
+                <adec:decorative xmlns:adec="http://schemas.microsoft.com/office/drawing/2017/decorative" xmlns="" val="1"/>
               </a:ext>
             </a:extLst>
           </p:cNvPr>
@@ -28617,6 +29831,29 @@
           </a:p>
         </p:txBody>
       </p:sp>
+      <p:sp>
+        <p:nvSpPr>
+          <p:cNvPr id="2" name="Slide Number Placeholder 1"/>
+          <p:cNvSpPr>
+            <a:spLocks noGrp="1"/>
+          </p:cNvSpPr>
+          <p:nvPr>
+            <p:ph type="sldNum" sz="quarter" idx="12"/>
+          </p:nvPr>
+        </p:nvSpPr>
+        <p:spPr/>
+        <p:txBody>
+          <a:bodyPr/>
+          <a:lstStyle/>
+          <a:p>
+            <a:fld id="{519954A3-9DFD-4C44-94BA-B95130A3BA1C}" type="slidenum">
+              <a:rPr lang="en-US" smtClean="0"/>
+              <a:t>5</a:t>
+            </a:fld>
+            <a:endParaRPr lang="en-US" dirty="0"/>
+          </a:p>
+        </p:txBody>
+      </p:sp>
     </p:spTree>
     <p:extLst>
       <p:ext uri="{BB962C8B-B14F-4D97-AF65-F5344CB8AC3E}">
@@ -29845,6 +31082,29 @@
           </a:p>
         </p:txBody>
       </p:sp>
+      <p:sp>
+        <p:nvSpPr>
+          <p:cNvPr id="4" name="Slide Number Placeholder 3"/>
+          <p:cNvSpPr>
+            <a:spLocks noGrp="1"/>
+          </p:cNvSpPr>
+          <p:nvPr>
+            <p:ph type="sldNum" sz="quarter" idx="12"/>
+          </p:nvPr>
+        </p:nvSpPr>
+        <p:spPr/>
+        <p:txBody>
+          <a:bodyPr/>
+          <a:lstStyle/>
+          <a:p>
+            <a:fld id="{519954A3-9DFD-4C44-94BA-B95130A3BA1C}" type="slidenum">
+              <a:rPr lang="en-US" smtClean="0"/>
+              <a:t>6</a:t>
+            </a:fld>
+            <a:endParaRPr lang="en-US" dirty="0"/>
+          </a:p>
+        </p:txBody>
+      </p:sp>
     </p:spTree>
     <p:extLst>
       <p:ext uri="{BB962C8B-B14F-4D97-AF65-F5344CB8AC3E}">
@@ -30377,6 +31637,29 @@
               </a:rPr>
               <a:t>}</a:t>
             </a:r>
+          </a:p>
+        </p:txBody>
+      </p:sp>
+      <p:sp>
+        <p:nvSpPr>
+          <p:cNvPr id="4" name="Slide Number Placeholder 3"/>
+          <p:cNvSpPr>
+            <a:spLocks noGrp="1"/>
+          </p:cNvSpPr>
+          <p:nvPr>
+            <p:ph type="sldNum" sz="quarter" idx="12"/>
+          </p:nvPr>
+        </p:nvSpPr>
+        <p:spPr/>
+        <p:txBody>
+          <a:bodyPr/>
+          <a:lstStyle/>
+          <a:p>
+            <a:fld id="{519954A3-9DFD-4C44-94BA-B95130A3BA1C}" type="slidenum">
+              <a:rPr lang="en-US" smtClean="0"/>
+              <a:t>7</a:t>
+            </a:fld>
+            <a:endParaRPr lang="en-US" dirty="0"/>
           </a:p>
         </p:txBody>
       </p:sp>
@@ -30738,6 +32021,29 @@
           </a:prstGeom>
         </p:spPr>
       </p:pic>
+      <p:sp>
+        <p:nvSpPr>
+          <p:cNvPr id="4" name="Slide Number Placeholder 3"/>
+          <p:cNvSpPr>
+            <a:spLocks noGrp="1"/>
+          </p:cNvSpPr>
+          <p:nvPr>
+            <p:ph type="sldNum" sz="quarter" idx="12"/>
+          </p:nvPr>
+        </p:nvSpPr>
+        <p:spPr/>
+        <p:txBody>
+          <a:bodyPr/>
+          <a:lstStyle/>
+          <a:p>
+            <a:fld id="{519954A3-9DFD-4C44-94BA-B95130A3BA1C}" type="slidenum">
+              <a:rPr lang="en-US" smtClean="0"/>
+              <a:t>8</a:t>
+            </a:fld>
+            <a:endParaRPr lang="en-US" dirty="0"/>
+          </a:p>
+        </p:txBody>
+      </p:sp>
     </p:spTree>
     <p:extLst>
       <p:ext uri="{BB962C8B-B14F-4D97-AF65-F5344CB8AC3E}">
@@ -31159,6 +32465,29 @@
               </a:rPr>
               <a:t> 80 – 20</a:t>
             </a:r>
+          </a:p>
+        </p:txBody>
+      </p:sp>
+      <p:sp>
+        <p:nvSpPr>
+          <p:cNvPr id="4" name="Slide Number Placeholder 3"/>
+          <p:cNvSpPr>
+            <a:spLocks noGrp="1"/>
+          </p:cNvSpPr>
+          <p:nvPr>
+            <p:ph type="sldNum" sz="quarter" idx="12"/>
+          </p:nvPr>
+        </p:nvSpPr>
+        <p:spPr/>
+        <p:txBody>
+          <a:bodyPr/>
+          <a:lstStyle/>
+          <a:p>
+            <a:fld id="{519954A3-9DFD-4C44-94BA-B95130A3BA1C}" type="slidenum">
+              <a:rPr lang="en-US" smtClean="0"/>
+              <a:t>9</a:t>
+            </a:fld>
+            <a:endParaRPr lang="en-US" dirty="0"/>
           </a:p>
         </p:txBody>
       </p:sp>
@@ -31430,4 +32759,265 @@
     </a:ext>
   </a:extLst>
 </a:theme>
+</file>
+
+<file path=ppt/theme/theme2.xml><?xml version="1.0" encoding="utf-8"?>
+<a:theme xmlns:a="http://schemas.openxmlformats.org/drawingml/2006/main" name="Office Theme">
+  <a:themeElements>
+    <a:clrScheme name="Office">
+      <a:dk1>
+        <a:sysClr val="windowText" lastClr="000000"/>
+      </a:dk1>
+      <a:lt1>
+        <a:sysClr val="window" lastClr="FFFFFF"/>
+      </a:lt1>
+      <a:dk2>
+        <a:srgbClr val="44546A"/>
+      </a:dk2>
+      <a:lt2>
+        <a:srgbClr val="E7E6E6"/>
+      </a:lt2>
+      <a:accent1>
+        <a:srgbClr val="5B9BD5"/>
+      </a:accent1>
+      <a:accent2>
+        <a:srgbClr val="ED7D31"/>
+      </a:accent2>
+      <a:accent3>
+        <a:srgbClr val="A5A5A5"/>
+      </a:accent3>
+      <a:accent4>
+        <a:srgbClr val="FFC000"/>
+      </a:accent4>
+      <a:accent5>
+        <a:srgbClr val="4472C4"/>
+      </a:accent5>
+      <a:accent6>
+        <a:srgbClr val="70AD47"/>
+      </a:accent6>
+      <a:hlink>
+        <a:srgbClr val="0563C1"/>
+      </a:hlink>
+      <a:folHlink>
+        <a:srgbClr val="954F72"/>
+      </a:folHlink>
+    </a:clrScheme>
+    <a:fontScheme name="Office">
+      <a:majorFont>
+        <a:latin typeface="Calibri Light" panose="020F0302020204030204"/>
+        <a:ea typeface=""/>
+        <a:cs typeface=""/>
+        <a:font script="Jpan" typeface="游ゴシック Light"/>
+        <a:font script="Hang" typeface="맑은 고딕"/>
+        <a:font script="Hans" typeface="等线 Light"/>
+        <a:font script="Hant" typeface="新細明體"/>
+        <a:font script="Arab" typeface="Times New Roman"/>
+        <a:font script="Hebr" typeface="Times New Roman"/>
+        <a:font script="Thai" typeface="Angsana New"/>
+        <a:font script="Ethi" typeface="Nyala"/>
+        <a:font script="Beng" typeface="Vrinda"/>
+        <a:font script="Gujr" typeface="Shruti"/>
+        <a:font script="Khmr" typeface="MoolBoran"/>
+        <a:font script="Knda" typeface="Tunga"/>
+        <a:font script="Guru" typeface="Raavi"/>
+        <a:font script="Cans" typeface="Euphemia"/>
+        <a:font script="Cher" typeface="Plantagenet Cherokee"/>
+        <a:font script="Yiii" typeface="Microsoft Yi Baiti"/>
+        <a:font script="Tibt" typeface="Microsoft Himalaya"/>
+        <a:font script="Thaa" typeface="MV Boli"/>
+        <a:font script="Deva" typeface="Mangal"/>
+        <a:font script="Telu" typeface="Gautami"/>
+        <a:font script="Taml" typeface="Latha"/>
+        <a:font script="Syrc" typeface="Estrangelo Edessa"/>
+        <a:font script="Orya" typeface="Kalinga"/>
+        <a:font script="Mlym" typeface="Kartika"/>
+        <a:font script="Laoo" typeface="DokChampa"/>
+        <a:font script="Sinh" typeface="Iskoola Pota"/>
+        <a:font script="Mong" typeface="Mongolian Baiti"/>
+        <a:font script="Viet" typeface="Times New Roman"/>
+        <a:font script="Uigh" typeface="Microsoft Uighur"/>
+        <a:font script="Geor" typeface="Sylfaen"/>
+      </a:majorFont>
+      <a:minorFont>
+        <a:latin typeface="Calibri" panose="020F0502020204030204"/>
+        <a:ea typeface=""/>
+        <a:cs typeface=""/>
+        <a:font script="Jpan" typeface="游ゴシック"/>
+        <a:font script="Hang" typeface="맑은 고딕"/>
+        <a:font script="Hans" typeface="等线"/>
+        <a:font script="Hant" typeface="新細明體"/>
+        <a:font script="Arab" typeface="Arial"/>
+        <a:font script="Hebr" typeface="Arial"/>
+        <a:font script="Thai" typeface="Cordia New"/>
+        <a:font script="Ethi" typeface="Nyala"/>
+        <a:font script="Beng" typeface="Vrinda"/>
+        <a:font script="Gujr" typeface="Shruti"/>
+        <a:font script="Khmr" typeface="DaunPenh"/>
+        <a:font script="Knda" typeface="Tunga"/>
+        <a:font script="Guru" typeface="Raavi"/>
+        <a:font script="Cans" typeface="Euphemia"/>
+        <a:font script="Cher" typeface="Plantagenet Cherokee"/>
+        <a:font script="Yiii" typeface="Microsoft Yi Baiti"/>
+        <a:font script="Tibt" typeface="Microsoft Himalaya"/>
+        <a:font script="Thaa" typeface="MV Boli"/>
+        <a:font script="Deva" typeface="Mangal"/>
+        <a:font script="Telu" typeface="Gautami"/>
+        <a:font script="Taml" typeface="Latha"/>
+        <a:font script="Syrc" typeface="Estrangelo Edessa"/>
+        <a:font script="Orya" typeface="Kalinga"/>
+        <a:font script="Mlym" typeface="Kartika"/>
+        <a:font script="Laoo" typeface="DokChampa"/>
+        <a:font script="Sinh" typeface="Iskoola Pota"/>
+        <a:font script="Mong" typeface="Mongolian Baiti"/>
+        <a:font script="Viet" typeface="Arial"/>
+        <a:font script="Uigh" typeface="Microsoft Uighur"/>
+        <a:font script="Geor" typeface="Sylfaen"/>
+      </a:minorFont>
+    </a:fontScheme>
+    <a:fmtScheme name="Office">
+      <a:fillStyleLst>
+        <a:solidFill>
+          <a:schemeClr val="phClr"/>
+        </a:solidFill>
+        <a:gradFill rotWithShape="1">
+          <a:gsLst>
+            <a:gs pos="0">
+              <a:schemeClr val="phClr">
+                <a:lumMod val="110000"/>
+                <a:satMod val="105000"/>
+                <a:tint val="67000"/>
+              </a:schemeClr>
+            </a:gs>
+            <a:gs pos="50000">
+              <a:schemeClr val="phClr">
+                <a:lumMod val="105000"/>
+                <a:satMod val="103000"/>
+                <a:tint val="73000"/>
+              </a:schemeClr>
+            </a:gs>
+            <a:gs pos="100000">
+              <a:schemeClr val="phClr">
+                <a:lumMod val="105000"/>
+                <a:satMod val="109000"/>
+                <a:tint val="81000"/>
+              </a:schemeClr>
+            </a:gs>
+          </a:gsLst>
+          <a:lin ang="5400000" scaled="0"/>
+        </a:gradFill>
+        <a:gradFill rotWithShape="1">
+          <a:gsLst>
+            <a:gs pos="0">
+              <a:schemeClr val="phClr">
+                <a:satMod val="103000"/>
+                <a:lumMod val="102000"/>
+                <a:tint val="94000"/>
+              </a:schemeClr>
+            </a:gs>
+            <a:gs pos="50000">
+              <a:schemeClr val="phClr">
+                <a:satMod val="110000"/>
+                <a:lumMod val="100000"/>
+                <a:shade val="100000"/>
+              </a:schemeClr>
+            </a:gs>
+            <a:gs pos="100000">
+              <a:schemeClr val="phClr">
+                <a:lumMod val="99000"/>
+                <a:satMod val="120000"/>
+                <a:shade val="78000"/>
+              </a:schemeClr>
+            </a:gs>
+          </a:gsLst>
+          <a:lin ang="5400000" scaled="0"/>
+        </a:gradFill>
+      </a:fillStyleLst>
+      <a:lnStyleLst>
+        <a:ln w="6350" cap="flat" cmpd="sng" algn="ctr">
+          <a:solidFill>
+            <a:schemeClr val="phClr"/>
+          </a:solidFill>
+          <a:prstDash val="solid"/>
+          <a:miter lim="800000"/>
+        </a:ln>
+        <a:ln w="12700" cap="flat" cmpd="sng" algn="ctr">
+          <a:solidFill>
+            <a:schemeClr val="phClr"/>
+          </a:solidFill>
+          <a:prstDash val="solid"/>
+          <a:miter lim="800000"/>
+        </a:ln>
+        <a:ln w="19050" cap="flat" cmpd="sng" algn="ctr">
+          <a:solidFill>
+            <a:schemeClr val="phClr"/>
+          </a:solidFill>
+          <a:prstDash val="solid"/>
+          <a:miter lim="800000"/>
+        </a:ln>
+      </a:lnStyleLst>
+      <a:effectStyleLst>
+        <a:effectStyle>
+          <a:effectLst/>
+        </a:effectStyle>
+        <a:effectStyle>
+          <a:effectLst/>
+        </a:effectStyle>
+        <a:effectStyle>
+          <a:effectLst>
+            <a:outerShdw blurRad="57150" dist="19050" dir="5400000" algn="ctr" rotWithShape="0">
+              <a:srgbClr val="000000">
+                <a:alpha val="63000"/>
+              </a:srgbClr>
+            </a:outerShdw>
+          </a:effectLst>
+        </a:effectStyle>
+      </a:effectStyleLst>
+      <a:bgFillStyleLst>
+        <a:solidFill>
+          <a:schemeClr val="phClr"/>
+        </a:solidFill>
+        <a:solidFill>
+          <a:schemeClr val="phClr">
+            <a:tint val="95000"/>
+            <a:satMod val="170000"/>
+          </a:schemeClr>
+        </a:solidFill>
+        <a:gradFill rotWithShape="1">
+          <a:gsLst>
+            <a:gs pos="0">
+              <a:schemeClr val="phClr">
+                <a:tint val="93000"/>
+                <a:satMod val="150000"/>
+                <a:shade val="98000"/>
+                <a:lumMod val="102000"/>
+              </a:schemeClr>
+            </a:gs>
+            <a:gs pos="50000">
+              <a:schemeClr val="phClr">
+                <a:tint val="98000"/>
+                <a:satMod val="130000"/>
+                <a:shade val="90000"/>
+                <a:lumMod val="103000"/>
+              </a:schemeClr>
+            </a:gs>
+            <a:gs pos="100000">
+              <a:schemeClr val="phClr">
+                <a:shade val="63000"/>
+                <a:satMod val="120000"/>
+              </a:schemeClr>
+            </a:gs>
+          </a:gsLst>
+          <a:lin ang="5400000" scaled="0"/>
+        </a:gradFill>
+      </a:bgFillStyleLst>
+    </a:fmtScheme>
+  </a:themeElements>
+  <a:objectDefaults/>
+  <a:extraClrSchemeLst/>
+  <a:extLst>
+    <a:ext uri="{05A4C25C-085E-4340-85A3-A5531E510DB2}">
+      <thm15:themeFamily xmlns:thm15="http://schemas.microsoft.com/office/thememl/2012/main" name="Office Theme" id="{62F939B6-93AF-4DB8-9C6B-D6C7DFDC589F}" vid="{4A3C46E8-61CC-4603-A589-7422A47A8E4A}"/>
+    </a:ext>
+  </a:extLst>
+</a:theme>
 </file>
--- a/report/BÁO CÁO ĐỒ ÁN CUỐI KỲ.pptx
+++ b/report/BÁO CÁO ĐỒ ÁN CUỐI KỲ.pptx
@@ -146,7 +146,7 @@
 <file path=ppt/charts/chart1.xml><?xml version="1.0" encoding="utf-8"?>
 <c:chartSpace xmlns:c="http://schemas.openxmlformats.org/drawingml/2006/chart" xmlns:a="http://schemas.openxmlformats.org/drawingml/2006/main" xmlns:r="http://schemas.openxmlformats.org/officeDocument/2006/relationships" xmlns:c16r2="http://schemas.microsoft.com/office/drawing/2015/06/chart">
   <c:date1904 val="0"/>
-  <c:lang val="en-US"/>
+  <c:lang val="vi-VN"/>
   <c:roundedCorners val="0"/>
   <mc:AlternateContent xmlns:mc="http://schemas.openxmlformats.org/markup-compatibility/2006">
     <mc:Choice xmlns:c14="http://schemas.microsoft.com/office/drawing/2007/8/2/chart" Requires="c14">
@@ -208,7 +208,6 @@
           </a:p>
         </c:rich>
       </c:tx>
-      <c:layout/>
       <c:overlay val="0"/>
       <c:spPr>
         <a:noFill/>
@@ -234,7 +233,7 @@
               <a:cs typeface="+mn-cs"/>
             </a:defRPr>
           </a:pPr>
-          <a:endParaRPr lang="en-US"/>
+          <a:endParaRPr lang="vi-VN"/>
         </a:p>
       </c:txPr>
     </c:title>
@@ -302,19 +301,19 @@
                 <c:formatCode>General</c:formatCode>
                 <c:ptCount val="6"/>
                 <c:pt idx="0">
-                  <c:v>17.169903699999999</c:v>
+                  <c:v>17.153582499999999</c:v>
                 </c:pt>
                 <c:pt idx="1">
-                  <c:v>13.644524199999999</c:v>
+                  <c:v>13.6771666</c:v>
                 </c:pt>
                 <c:pt idx="2">
-                  <c:v>11.2779501</c:v>
+                  <c:v>10.4292476</c:v>
                 </c:pt>
                 <c:pt idx="3">
-                  <c:v>3.7538762999999999</c:v>
+                  <c:v>4.1129426999999996</c:v>
                 </c:pt>
                 <c:pt idx="4">
-                  <c:v>0.1142484</c:v>
+                  <c:v>4.8963600000000003E-2</c:v>
                 </c:pt>
                 <c:pt idx="5">
                   <c:v>1.6321200000000001E-2</c:v>
@@ -385,19 +384,19 @@
                 <c:formatCode>General</c:formatCode>
                 <c:ptCount val="6"/>
                 <c:pt idx="0">
-                  <c:v>17.137261299999999</c:v>
+                  <c:v>17.120940099999999</c:v>
                 </c:pt>
                 <c:pt idx="1">
-                  <c:v>13.644524199999999</c:v>
+                  <c:v>13.448669799999999</c:v>
                 </c:pt>
                 <c:pt idx="2">
-                  <c:v>11.098416800000001</c:v>
+                  <c:v>10.6740656</c:v>
                 </c:pt>
                 <c:pt idx="3">
-                  <c:v>3.3132039</c:v>
+                  <c:v>4.1945487000000004</c:v>
                 </c:pt>
                 <c:pt idx="4">
-                  <c:v>0.31010280000000001</c:v>
+                  <c:v>8.1605999999999998E-2</c:v>
                 </c:pt>
                 <c:pt idx="5">
                   <c:v>1.6321200000000001E-2</c:v>
@@ -471,19 +470,19 @@
                   <c:v>17.202546099999999</c:v>
                 </c:pt>
                 <c:pt idx="1">
-                  <c:v>13.7750938</c:v>
+                  <c:v>13.8403787</c:v>
                 </c:pt>
                 <c:pt idx="2">
-                  <c:v>11.6206953</c:v>
+                  <c:v>11.5227681</c:v>
                 </c:pt>
                 <c:pt idx="3">
-                  <c:v>4.3414394999999999</c:v>
+                  <c:v>4.7984331999999998</c:v>
                 </c:pt>
                 <c:pt idx="4">
-                  <c:v>0.86502369999999995</c:v>
+                  <c:v>1.4852293000000001</c:v>
                 </c:pt>
                 <c:pt idx="5">
-                  <c:v>3.2642400000000002E-2</c:v>
+                  <c:v>0.1142484</c:v>
                 </c:pt>
               </c:numCache>
             </c:numRef>
@@ -551,22 +550,22 @@
                 <c:formatCode>General</c:formatCode>
                 <c:ptCount val="6"/>
                 <c:pt idx="0">
-                  <c:v>17.071976500000002</c:v>
+                  <c:v>17.104618899999998</c:v>
                 </c:pt>
                 <c:pt idx="1">
-                  <c:v>13.7424514</c:v>
+                  <c:v>13.791415000000001</c:v>
                 </c:pt>
                 <c:pt idx="2">
-                  <c:v>11.8491921</c:v>
+                  <c:v>12.0287253</c:v>
                 </c:pt>
                 <c:pt idx="3">
-                  <c:v>7.2466134000000002</c:v>
+                  <c:v>7.1323648999999998</c:v>
                 </c:pt>
                 <c:pt idx="4">
-                  <c:v>5.1248572000000001</c:v>
+                  <c:v>5.1738207999999997</c:v>
                 </c:pt>
                 <c:pt idx="5">
-                  <c:v>4.2761547000000002</c:v>
+                  <c:v>4.4393666999999999</c:v>
                 </c:pt>
               </c:numCache>
             </c:numRef>
@@ -634,22 +633,22 @@
                 <c:formatCode>General</c:formatCode>
                 <c:ptCount val="6"/>
                 <c:pt idx="0">
-                  <c:v>16.974049300000001</c:v>
+                  <c:v>16.9250857</c:v>
                 </c:pt>
                 <c:pt idx="1">
-                  <c:v>14.689081099999999</c:v>
+                  <c:v>14.672759900000001</c:v>
                 </c:pt>
                 <c:pt idx="2">
-                  <c:v>13.301779</c:v>
+                  <c:v>13.3670638</c:v>
                 </c:pt>
                 <c:pt idx="3">
-                  <c:v>13.399706200000001</c:v>
+                  <c:v>13.187530600000001</c:v>
                 </c:pt>
                 <c:pt idx="4">
-                  <c:v>13.2854578</c:v>
+                  <c:v>13.187530600000001</c:v>
                 </c:pt>
                 <c:pt idx="5">
-                  <c:v>13.138567</c:v>
+                  <c:v>13.220173000000001</c:v>
                 </c:pt>
               </c:numCache>
             </c:numRef>
@@ -720,19 +719,19 @@
                   <c:v>16.8761221</c:v>
                 </c:pt>
                 <c:pt idx="1">
-                  <c:v>15.358250399999999</c:v>
+                  <c:v>15.4235352</c:v>
                 </c:pt>
                 <c:pt idx="2">
-                  <c:v>14.8196507</c:v>
+                  <c:v>14.7217235</c:v>
                 </c:pt>
                 <c:pt idx="3">
                   <c:v>14.7706871</c:v>
                 </c:pt>
                 <c:pt idx="4">
-                  <c:v>14.8196507</c:v>
+                  <c:v>14.689081099999999</c:v>
                 </c:pt>
                 <c:pt idx="5">
-                  <c:v>14.9502203</c:v>
+                  <c:v>14.9828627</c:v>
                 </c:pt>
               </c:numCache>
             </c:numRef>
@@ -805,16 +804,16 @@
                   <c:v>17.104618899999998</c:v>
                 </c:pt>
                 <c:pt idx="1">
-                  <c:v>16.712910099999998</c:v>
+                  <c:v>16.696588899999998</c:v>
                 </c:pt>
                 <c:pt idx="2">
                   <c:v>16.9414069</c:v>
                 </c:pt>
                 <c:pt idx="3">
-                  <c:v>17.153582499999999</c:v>
+                  <c:v>17.186224899999999</c:v>
                 </c:pt>
                 <c:pt idx="4">
-                  <c:v>17.186224899999999</c:v>
+                  <c:v>17.202546099999999</c:v>
                 </c:pt>
                 <c:pt idx="5">
                   <c:v>17.2351885</c:v>
@@ -882,7 +881,7 @@
                 <a:cs typeface="+mn-cs"/>
               </a:defRPr>
             </a:pPr>
-            <a:endParaRPr lang="en-US"/>
+            <a:endParaRPr lang="vi-VN"/>
           </a:p>
         </c:txPr>
         <c:crossAx val="375975960"/>
@@ -941,7 +940,7 @@
                 <a:cs typeface="+mn-cs"/>
               </a:defRPr>
             </a:pPr>
-            <a:endParaRPr lang="en-US"/>
+            <a:endParaRPr lang="vi-VN"/>
           </a:p>
         </c:txPr>
         <c:crossAx val="375974320"/>
@@ -958,7 +957,6 @@
     </c:plotArea>
     <c:legend>
       <c:legendPos val="b"/>
-      <c:layout/>
       <c:overlay val="0"/>
       <c:spPr>
         <a:noFill/>
@@ -984,13 +982,12 @@
               <a:cs typeface="+mn-cs"/>
             </a:defRPr>
           </a:pPr>
-          <a:endParaRPr lang="en-US"/>
+          <a:endParaRPr lang="vi-VN"/>
         </a:p>
       </c:txPr>
     </c:legend>
     <c:plotVisOnly val="1"/>
     <c:dispBlanksAs val="gap"/>
-    <c:showDLblsOverMax val="0"/>
     <c:extLst>
       <c:ext xmlns:c16r3="http://schemas.microsoft.com/office/drawing/2017/03/chart" uri="{56B9EC1D-385E-4148-901F-78D8002777C0}">
         <c16r3:dataDisplayOptions16>
@@ -998,6 +995,7 @@
         </c16r3:dataDisplayOptions16>
       </c:ext>
     </c:extLst>
+    <c:showDLblsOverMax val="0"/>
   </c:chart>
   <c:spPr>
     <a:noFill/>
@@ -1013,7 +1011,7 @@
       <a:pPr>
         <a:defRPr/>
       </a:pPr>
-      <a:endParaRPr lang="en-US"/>
+      <a:endParaRPr lang="vi-VN"/>
     </a:p>
   </c:txPr>
   <c:externalData r:id="rId3">
@@ -1025,7 +1023,7 @@
 <file path=ppt/charts/chart2.xml><?xml version="1.0" encoding="utf-8"?>
 <c:chartSpace xmlns:c="http://schemas.openxmlformats.org/drawingml/2006/chart" xmlns:a="http://schemas.openxmlformats.org/drawingml/2006/main" xmlns:r="http://schemas.openxmlformats.org/officeDocument/2006/relationships" xmlns:c16r2="http://schemas.microsoft.com/office/drawing/2015/06/chart">
   <c:date1904 val="0"/>
-  <c:lang val="en-US"/>
+  <c:lang val="vi-VN"/>
   <c:roundedCorners val="0"/>
   <mc:AlternateContent xmlns:mc="http://schemas.openxmlformats.org/markup-compatibility/2006">
     <mc:Choice xmlns:c14="http://schemas.microsoft.com/office/drawing/2007/8/2/chart" Requires="c14">
@@ -1079,7 +1077,6 @@
           </a:p>
         </c:rich>
       </c:tx>
-      <c:layout/>
       <c:overlay val="0"/>
       <c:spPr>
         <a:noFill/>
@@ -1105,7 +1102,7 @@
               <a:cs typeface="+mn-cs"/>
             </a:defRPr>
           </a:pPr>
-          <a:endParaRPr lang="en-US"/>
+          <a:endParaRPr lang="vi-VN"/>
         </a:p>
       </c:txPr>
     </c:title>
@@ -1173,22 +1170,22 @@
                 <c:formatCode>General</c:formatCode>
                 <c:ptCount val="6"/>
                 <c:pt idx="0">
-                  <c:v>17.167102</c:v>
+                  <c:v>17.167101800000001</c:v>
                 </c:pt>
                 <c:pt idx="1">
-                  <c:v>17.036553999999999</c:v>
+                  <c:v>16.840731099999999</c:v>
                 </c:pt>
                 <c:pt idx="2">
-                  <c:v>19.451696999999999</c:v>
+                  <c:v>19.973890300000001</c:v>
                 </c:pt>
                 <c:pt idx="3">
-                  <c:v>20.430809</c:v>
+                  <c:v>21.801566600000001</c:v>
                 </c:pt>
                 <c:pt idx="4">
-                  <c:v>21.409922000000002</c:v>
+                  <c:v>21.1488251</c:v>
                 </c:pt>
                 <c:pt idx="5">
-                  <c:v>21.018277000000001</c:v>
+                  <c:v>22.323759800000001</c:v>
                 </c:pt>
               </c:numCache>
             </c:numRef>
@@ -1256,22 +1253,22 @@
                 <c:formatCode>General</c:formatCode>
                 <c:ptCount val="6"/>
                 <c:pt idx="0">
-                  <c:v>17.101828000000001</c:v>
+                  <c:v>17.101827700000001</c:v>
                 </c:pt>
                 <c:pt idx="1">
-                  <c:v>16.644908999999998</c:v>
+                  <c:v>16.710182799999998</c:v>
                 </c:pt>
                 <c:pt idx="2">
-                  <c:v>19.778068000000001</c:v>
+                  <c:v>18.994778100000001</c:v>
                 </c:pt>
                 <c:pt idx="3">
-                  <c:v>20.365535000000001</c:v>
+                  <c:v>21.540469999999999</c:v>
                 </c:pt>
                 <c:pt idx="4">
-                  <c:v>20.887727999999999</c:v>
+                  <c:v>20.430809400000001</c:v>
                 </c:pt>
                 <c:pt idx="5">
-                  <c:v>22.258486000000001</c:v>
+                  <c:v>21.1488251</c:v>
                 </c:pt>
               </c:numCache>
             </c:numRef>
@@ -1339,22 +1336,22 @@
                 <c:formatCode>General</c:formatCode>
                 <c:ptCount val="6"/>
                 <c:pt idx="0">
-                  <c:v>17.297650000000001</c:v>
+                  <c:v>17.297650099999998</c:v>
                 </c:pt>
                 <c:pt idx="1">
-                  <c:v>16.51436</c:v>
+                  <c:v>16.579634500000001</c:v>
                 </c:pt>
                 <c:pt idx="2">
-                  <c:v>17.754569</c:v>
+                  <c:v>18.472584900000001</c:v>
                 </c:pt>
                 <c:pt idx="3">
-                  <c:v>19.516971000000002</c:v>
+                  <c:v>20.430809400000001</c:v>
                 </c:pt>
                 <c:pt idx="4">
-                  <c:v>20.822454</c:v>
+                  <c:v>21.2140992</c:v>
                 </c:pt>
                 <c:pt idx="5">
-                  <c:v>19.973890000000001</c:v>
+                  <c:v>21.475195800000002</c:v>
                 </c:pt>
               </c:numCache>
             </c:numRef>
@@ -1422,22 +1419,22 @@
                 <c:formatCode>General</c:formatCode>
                 <c:ptCount val="6"/>
                 <c:pt idx="0">
-                  <c:v>17.493473000000002</c:v>
+                  <c:v>17.4934726</c:v>
                 </c:pt>
                 <c:pt idx="1">
-                  <c:v>16.579633999999999</c:v>
+                  <c:v>16.5143603</c:v>
                 </c:pt>
                 <c:pt idx="2">
-                  <c:v>16.579633999999999</c:v>
+                  <c:v>16.579634500000001</c:v>
                 </c:pt>
                 <c:pt idx="3">
-                  <c:v>18.864229999999999</c:v>
+                  <c:v>19.451697100000001</c:v>
                 </c:pt>
                 <c:pt idx="4">
-                  <c:v>18.929504000000001</c:v>
+                  <c:v>18.733681499999999</c:v>
                 </c:pt>
                 <c:pt idx="5">
-                  <c:v>19.843342</c:v>
+                  <c:v>19.386423000000001</c:v>
                 </c:pt>
               </c:numCache>
             </c:numRef>
@@ -1505,22 +1502,22 @@
                 <c:formatCode>General</c:formatCode>
                 <c:ptCount val="6"/>
                 <c:pt idx="0">
-                  <c:v>17.819842999999999</c:v>
+                  <c:v>17.754569199999999</c:v>
                 </c:pt>
                 <c:pt idx="1">
-                  <c:v>16.710183000000001</c:v>
+                  <c:v>16.644908600000001</c:v>
                 </c:pt>
                 <c:pt idx="2">
-                  <c:v>16.122714999999999</c:v>
+                  <c:v>16.318537899999999</c:v>
                 </c:pt>
                 <c:pt idx="3">
-                  <c:v>15.796345000000001</c:v>
+                  <c:v>15.9921671</c:v>
                 </c:pt>
                 <c:pt idx="4">
-                  <c:v>16.122714999999999</c:v>
+                  <c:v>16.187989600000002</c:v>
                 </c:pt>
                 <c:pt idx="5">
-                  <c:v>16.122714999999999</c:v>
+                  <c:v>16.057441300000001</c:v>
                 </c:pt>
               </c:numCache>
             </c:numRef>
@@ -1588,22 +1585,22 @@
                 <c:formatCode>General</c:formatCode>
                 <c:ptCount val="6"/>
                 <c:pt idx="0">
-                  <c:v>17.819842999999999</c:v>
+                  <c:v>17.819843299999999</c:v>
                 </c:pt>
                 <c:pt idx="1">
-                  <c:v>16.318538</c:v>
+                  <c:v>16.318537899999999</c:v>
                 </c:pt>
                 <c:pt idx="2">
-                  <c:v>16.906005</c:v>
+                  <c:v>16.9712794</c:v>
                 </c:pt>
                 <c:pt idx="3">
-                  <c:v>16.644908999999998</c:v>
+                  <c:v>16.4490862</c:v>
                 </c:pt>
                 <c:pt idx="4">
-                  <c:v>17.036553999999999</c:v>
+                  <c:v>16.906005199999999</c:v>
                 </c:pt>
                 <c:pt idx="5">
-                  <c:v>16.579633999999999</c:v>
+                  <c:v>16.579634500000001</c:v>
                 </c:pt>
               </c:numCache>
             </c:numRef>
@@ -1673,22 +1670,22 @@
                 <c:formatCode>General</c:formatCode>
                 <c:ptCount val="6"/>
                 <c:pt idx="0">
-                  <c:v>18.015666</c:v>
+                  <c:v>18.015665800000001</c:v>
                 </c:pt>
                 <c:pt idx="1">
-                  <c:v>17.297650000000001</c:v>
+                  <c:v>17.297650099999998</c:v>
                 </c:pt>
                 <c:pt idx="2">
-                  <c:v>17.428197999999998</c:v>
+                  <c:v>17.428198399999999</c:v>
                 </c:pt>
                 <c:pt idx="3">
-                  <c:v>17.754569</c:v>
+                  <c:v>17.754569199999999</c:v>
                 </c:pt>
                 <c:pt idx="4">
-                  <c:v>17.754569</c:v>
+                  <c:v>17.819843299999999</c:v>
                 </c:pt>
                 <c:pt idx="5">
-                  <c:v>17.885117000000001</c:v>
+                  <c:v>17.819843299999999</c:v>
                 </c:pt>
               </c:numCache>
             </c:numRef>
@@ -1753,7 +1750,7 @@
                 <a:cs typeface="+mn-cs"/>
               </a:defRPr>
             </a:pPr>
-            <a:endParaRPr lang="en-US"/>
+            <a:endParaRPr lang="vi-VN"/>
           </a:p>
         </c:txPr>
         <c:crossAx val="376751704"/>
@@ -1812,7 +1809,7 @@
                 <a:cs typeface="+mn-cs"/>
               </a:defRPr>
             </a:pPr>
-            <a:endParaRPr lang="en-US"/>
+            <a:endParaRPr lang="vi-VN"/>
           </a:p>
         </c:txPr>
         <c:crossAx val="376750064"/>
@@ -1864,13 +1861,12 @@
               <a:cs typeface="+mn-cs"/>
             </a:defRPr>
           </a:pPr>
-          <a:endParaRPr lang="en-US"/>
+          <a:endParaRPr lang="vi-VN"/>
         </a:p>
       </c:txPr>
     </c:legend>
     <c:plotVisOnly val="1"/>
     <c:dispBlanksAs val="gap"/>
-    <c:showDLblsOverMax val="0"/>
     <c:extLst>
       <c:ext xmlns:c16r3="http://schemas.microsoft.com/office/drawing/2017/03/chart" uri="{56B9EC1D-385E-4148-901F-78D8002777C0}">
         <c16r3:dataDisplayOptions16>
@@ -1878,6 +1874,7 @@
         </c16r3:dataDisplayOptions16>
       </c:ext>
     </c:extLst>
+    <c:showDLblsOverMax val="0"/>
   </c:chart>
   <c:spPr>
     <a:noFill/>
@@ -1893,7 +1890,7 @@
       <a:pPr>
         <a:defRPr/>
       </a:pPr>
-      <a:endParaRPr lang="en-US"/>
+      <a:endParaRPr lang="vi-VN"/>
     </a:p>
   </c:txPr>
   <c:externalData r:id="rId3">
@@ -1905,7 +1902,7 @@
 <file path=ppt/charts/chart3.xml><?xml version="1.0" encoding="utf-8"?>
 <c:chartSpace xmlns:c="http://schemas.openxmlformats.org/drawingml/2006/chart" xmlns:a="http://schemas.openxmlformats.org/drawingml/2006/main" xmlns:r="http://schemas.openxmlformats.org/officeDocument/2006/relationships" xmlns:c16r2="http://schemas.microsoft.com/office/drawing/2015/06/chart">
   <c:date1904 val="0"/>
-  <c:lang val="en-US"/>
+  <c:lang val="vi-VN"/>
   <c:roundedCorners val="0"/>
   <mc:AlternateContent xmlns:mc="http://schemas.openxmlformats.org/markup-compatibility/2006">
     <mc:Choice xmlns:c14="http://schemas.microsoft.com/office/drawing/2007/8/2/chart" Requires="c14">
@@ -1967,7 +1964,6 @@
           </a:p>
         </c:rich>
       </c:tx>
-      <c:layout/>
       <c:overlay val="0"/>
       <c:spPr>
         <a:noFill/>
@@ -1993,7 +1989,7 @@
               <a:cs typeface="+mn-cs"/>
             </a:defRPr>
           </a:pPr>
-          <a:endParaRPr lang="en-US"/>
+          <a:endParaRPr lang="vi-VN"/>
         </a:p>
       </c:txPr>
     </c:title>
@@ -2058,19 +2054,19 @@
                 <c:formatCode>General</c:formatCode>
                 <c:ptCount val="5"/>
                 <c:pt idx="0">
-                  <c:v>24.579729</c:v>
+                  <c:v>24.579729100000002</c:v>
                 </c:pt>
                 <c:pt idx="1">
-                  <c:v>24.579729</c:v>
+                  <c:v>24.579729100000002</c:v>
                 </c:pt>
                 <c:pt idx="2">
-                  <c:v>18.508241999999999</c:v>
+                  <c:v>18.508242200000002</c:v>
                 </c:pt>
                 <c:pt idx="3">
-                  <c:v>18.051248999999999</c:v>
+                  <c:v>18.051248600000001</c:v>
                 </c:pt>
                 <c:pt idx="4">
-                  <c:v>22.980250999999999</c:v>
+                  <c:v>22.980251299999999</c:v>
                 </c:pt>
               </c:numCache>
             </c:numRef>
@@ -2135,19 +2131,19 @@
                 <c:formatCode>General</c:formatCode>
                 <c:ptCount val="5"/>
                 <c:pt idx="0">
-                  <c:v>24.579729</c:v>
+                  <c:v>24.579729100000002</c:v>
                 </c:pt>
                 <c:pt idx="1">
-                  <c:v>17.953320999999999</c:v>
+                  <c:v>17.9370002</c:v>
                 </c:pt>
                 <c:pt idx="2">
-                  <c:v>16.84348</c:v>
+                  <c:v>16.8434797</c:v>
                 </c:pt>
                 <c:pt idx="3">
-                  <c:v>13.970948</c:v>
+                  <c:v>13.9709483</c:v>
                 </c:pt>
                 <c:pt idx="4">
-                  <c:v>7.5077530000000001</c:v>
+                  <c:v>7.5077525999999999</c:v>
                 </c:pt>
               </c:numCache>
             </c:numRef>
@@ -2212,19 +2208,19 @@
                 <c:formatCode>General</c:formatCode>
                 <c:ptCount val="5"/>
                 <c:pt idx="0">
-                  <c:v>17.888037000000001</c:v>
+                  <c:v>17.871715399999999</c:v>
                 </c:pt>
                 <c:pt idx="1">
-                  <c:v>16.729230999999999</c:v>
+                  <c:v>16.729231299999999</c:v>
                 </c:pt>
                 <c:pt idx="2">
                   <c:v>15.652032</c:v>
                 </c:pt>
                 <c:pt idx="3">
-                  <c:v>10.771993</c:v>
+                  <c:v>10.7719928</c:v>
                 </c:pt>
                 <c:pt idx="4">
-                  <c:v>1.4036230000000001</c:v>
+                  <c:v>1.4036233</c:v>
                 </c:pt>
               </c:numCache>
             </c:numRef>
@@ -2289,16 +2285,16 @@
                 <c:formatCode>General</c:formatCode>
                 <c:ptCount val="5"/>
                 <c:pt idx="0">
-                  <c:v>17.267831000000001</c:v>
+                  <c:v>17.2515097</c:v>
                 </c:pt>
                 <c:pt idx="1">
-                  <c:v>16.484413</c:v>
+                  <c:v>16.4680921</c:v>
                 </c:pt>
                 <c:pt idx="2">
-                  <c:v>15.064469000000001</c:v>
+                  <c:v>15.064468700000001</c:v>
                 </c:pt>
                 <c:pt idx="3">
-                  <c:v>9.5805450000000008</c:v>
+                  <c:v>9.5805451000000001</c:v>
                 </c:pt>
                 <c:pt idx="4">
                   <c:v>0.57124200000000003</c:v>
@@ -2366,16 +2362,16 @@
                 <c:formatCode>General</c:formatCode>
                 <c:ptCount val="5"/>
                 <c:pt idx="0">
-                  <c:v>17.120940000000001</c:v>
+                  <c:v>17.120940099999999</c:v>
                 </c:pt>
                 <c:pt idx="1">
-                  <c:v>16.468091999999999</c:v>
+                  <c:v>16.4680921</c:v>
                 </c:pt>
                 <c:pt idx="2">
-                  <c:v>14.444262999999999</c:v>
+                  <c:v>14.444263100000001</c:v>
                 </c:pt>
                 <c:pt idx="3">
-                  <c:v>7.9810670000000004</c:v>
+                  <c:v>7.9810673999999997</c:v>
                 </c:pt>
                 <c:pt idx="4">
                   <c:v>0.163212</c:v>
@@ -2443,16 +2439,16 @@
                 <c:formatCode>General</c:formatCode>
                 <c:ptCount val="5"/>
                 <c:pt idx="0">
-                  <c:v>16.941407000000002</c:v>
+                  <c:v>16.957728100000001</c:v>
                 </c:pt>
                 <c:pt idx="1">
-                  <c:v>16.810836999999999</c:v>
+                  <c:v>16.810837299999999</c:v>
                 </c:pt>
                 <c:pt idx="2">
-                  <c:v>14.068875</c:v>
+                  <c:v>14.068875500000001</c:v>
                 </c:pt>
                 <c:pt idx="3">
-                  <c:v>7.0181170000000002</c:v>
+                  <c:v>7.0181164999999996</c:v>
                 </c:pt>
                 <c:pt idx="4">
                   <c:v>8.1605999999999998E-2</c:v>
@@ -2520,7 +2516,7 @@
                 <a:cs typeface="+mn-cs"/>
               </a:defRPr>
             </a:pPr>
-            <a:endParaRPr lang="en-US"/>
+            <a:endParaRPr lang="vi-VN"/>
           </a:p>
         </c:txPr>
         <c:crossAx val="388019528"/>
@@ -2579,7 +2575,7 @@
                 <a:cs typeface="+mn-cs"/>
               </a:defRPr>
             </a:pPr>
-            <a:endParaRPr lang="en-US"/>
+            <a:endParaRPr lang="vi-VN"/>
           </a:p>
         </c:txPr>
         <c:crossAx val="388014608"/>
@@ -2596,7 +2592,6 @@
     </c:plotArea>
     <c:legend>
       <c:legendPos val="b"/>
-      <c:layout/>
       <c:overlay val="0"/>
       <c:spPr>
         <a:noFill/>
@@ -2622,13 +2617,12 @@
               <a:cs typeface="+mn-cs"/>
             </a:defRPr>
           </a:pPr>
-          <a:endParaRPr lang="en-US"/>
+          <a:endParaRPr lang="vi-VN"/>
         </a:p>
       </c:txPr>
     </c:legend>
     <c:plotVisOnly val="1"/>
     <c:dispBlanksAs val="gap"/>
-    <c:showDLblsOverMax val="0"/>
     <c:extLst>
       <c:ext xmlns:c16r3="http://schemas.microsoft.com/office/drawing/2017/03/chart" uri="{56B9EC1D-385E-4148-901F-78D8002777C0}">
         <c16r3:dataDisplayOptions16>
@@ -2636,6 +2630,7 @@
         </c16r3:dataDisplayOptions16>
       </c:ext>
     </c:extLst>
+    <c:showDLblsOverMax val="0"/>
   </c:chart>
   <c:spPr>
     <a:noFill/>
@@ -2651,7 +2646,7 @@
       <a:pPr>
         <a:defRPr/>
       </a:pPr>
-      <a:endParaRPr lang="en-US"/>
+      <a:endParaRPr lang="vi-VN"/>
     </a:p>
   </c:txPr>
   <c:externalData r:id="rId3">
@@ -2663,7 +2658,7 @@
 <file path=ppt/charts/chart4.xml><?xml version="1.0" encoding="utf-8"?>
 <c:chartSpace xmlns:c="http://schemas.openxmlformats.org/drawingml/2006/chart" xmlns:a="http://schemas.openxmlformats.org/drawingml/2006/main" xmlns:r="http://schemas.openxmlformats.org/officeDocument/2006/relationships" xmlns:c16r2="http://schemas.microsoft.com/office/drawing/2015/06/chart">
   <c:date1904 val="0"/>
-  <c:lang val="en-US"/>
+  <c:lang val="vi-VN"/>
   <c:roundedCorners val="0"/>
   <mc:AlternateContent xmlns:mc="http://schemas.openxmlformats.org/markup-compatibility/2006">
     <mc:Choice xmlns:c14="http://schemas.microsoft.com/office/drawing/2007/8/2/chart" Requires="c14">
@@ -2717,7 +2712,6 @@
           </a:p>
         </c:rich>
       </c:tx>
-      <c:layout/>
       <c:overlay val="0"/>
       <c:spPr>
         <a:noFill/>
@@ -2743,7 +2737,7 @@
               <a:cs typeface="+mn-cs"/>
             </a:defRPr>
           </a:pPr>
-          <a:endParaRPr lang="en-US"/>
+          <a:endParaRPr lang="vi-VN"/>
         </a:p>
       </c:txPr>
     </c:title>
@@ -2808,19 +2802,19 @@
                 <c:formatCode>General</c:formatCode>
                 <c:ptCount val="5"/>
                 <c:pt idx="0">
-                  <c:v>24.608355</c:v>
+                  <c:v>24.608355100000001</c:v>
                 </c:pt>
                 <c:pt idx="1">
-                  <c:v>24.608355</c:v>
+                  <c:v>24.608355100000001</c:v>
                 </c:pt>
                 <c:pt idx="2">
                   <c:v>18.537859000000001</c:v>
                 </c:pt>
                 <c:pt idx="3">
-                  <c:v>19.321148999999998</c:v>
+                  <c:v>19.3211488</c:v>
                 </c:pt>
                 <c:pt idx="4">
-                  <c:v>23.172324</c:v>
+                  <c:v>23.172323800000001</c:v>
                 </c:pt>
               </c:numCache>
             </c:numRef>
@@ -2885,19 +2879,19 @@
                 <c:formatCode>General</c:formatCode>
                 <c:ptCount val="5"/>
                 <c:pt idx="0">
-                  <c:v>24.608355</c:v>
+                  <c:v>24.608355100000001</c:v>
                 </c:pt>
                 <c:pt idx="1">
-                  <c:v>18.276762000000002</c:v>
+                  <c:v>18.276762399999999</c:v>
                 </c:pt>
                 <c:pt idx="2">
-                  <c:v>16.971278999999999</c:v>
+                  <c:v>16.9712794</c:v>
                 </c:pt>
                 <c:pt idx="3">
-                  <c:v>16.449086000000001</c:v>
+                  <c:v>16.4490862</c:v>
                 </c:pt>
                 <c:pt idx="4">
-                  <c:v>18.146214000000001</c:v>
+                  <c:v>18.146214100000002</c:v>
                 </c:pt>
               </c:numCache>
             </c:numRef>
@@ -2962,19 +2956,19 @@
                 <c:formatCode>General</c:formatCode>
                 <c:ptCount val="5"/>
                 <c:pt idx="0">
-                  <c:v>18.146214000000001</c:v>
+                  <c:v>18.146214100000002</c:v>
                 </c:pt>
                 <c:pt idx="1">
-                  <c:v>16.906005</c:v>
+                  <c:v>16.906005199999999</c:v>
                 </c:pt>
                 <c:pt idx="2">
-                  <c:v>16.971278999999999</c:v>
+                  <c:v>16.9712794</c:v>
                 </c:pt>
                 <c:pt idx="3">
-                  <c:v>15.861618999999999</c:v>
+                  <c:v>15.8616188</c:v>
                 </c:pt>
                 <c:pt idx="4">
-                  <c:v>20.626632000000001</c:v>
+                  <c:v>20.6266319</c:v>
                 </c:pt>
               </c:numCache>
             </c:numRef>
@@ -3039,10 +3033,10 @@
                 <c:formatCode>General</c:formatCode>
                 <c:ptCount val="5"/>
                 <c:pt idx="0">
-                  <c:v>17.493473000000002</c:v>
+                  <c:v>17.4934726</c:v>
                 </c:pt>
                 <c:pt idx="1">
-                  <c:v>16.579633999999999</c:v>
+                  <c:v>16.579634500000001</c:v>
                 </c:pt>
                 <c:pt idx="2">
                   <c:v>16.383811999999999</c:v>
@@ -3051,7 +3045,7 @@
                   <c:v>16.383811999999999</c:v>
                 </c:pt>
                 <c:pt idx="4">
-                  <c:v>21.605744000000001</c:v>
+                  <c:v>21.605744099999999</c:v>
                 </c:pt>
               </c:numCache>
             </c:numRef>
@@ -3116,19 +3110,19 @@
                 <c:formatCode>General</c:formatCode>
                 <c:ptCount val="5"/>
                 <c:pt idx="0">
-                  <c:v>17.297650000000001</c:v>
+                  <c:v>17.297650099999998</c:v>
                 </c:pt>
                 <c:pt idx="1">
-                  <c:v>16.579633999999999</c:v>
+                  <c:v>16.579634500000001</c:v>
                 </c:pt>
                 <c:pt idx="2">
-                  <c:v>16.51436</c:v>
+                  <c:v>16.4490862</c:v>
                 </c:pt>
                 <c:pt idx="3">
-                  <c:v>17.624020999999999</c:v>
+                  <c:v>17.624020900000001</c:v>
                 </c:pt>
                 <c:pt idx="4">
-                  <c:v>22.193211000000002</c:v>
+                  <c:v>22.1932115</c:v>
                 </c:pt>
               </c:numCache>
             </c:numRef>
@@ -3193,19 +3187,19 @@
                 <c:formatCode>General</c:formatCode>
                 <c:ptCount val="5"/>
                 <c:pt idx="0">
-                  <c:v>16.971278999999999</c:v>
+                  <c:v>16.9712794</c:v>
                 </c:pt>
                 <c:pt idx="1">
-                  <c:v>16.710183000000001</c:v>
+                  <c:v>16.710182799999998</c:v>
                 </c:pt>
                 <c:pt idx="2">
-                  <c:v>16.775456999999999</c:v>
+                  <c:v>16.710182799999998</c:v>
                 </c:pt>
                 <c:pt idx="3">
-                  <c:v>18.472584999999999</c:v>
+                  <c:v>18.472584900000001</c:v>
                 </c:pt>
                 <c:pt idx="4">
-                  <c:v>22.127936999999999</c:v>
+                  <c:v>22.127937299999999</c:v>
                 </c:pt>
               </c:numCache>
             </c:numRef>
@@ -3270,7 +3264,7 @@
                 <a:cs typeface="+mn-cs"/>
               </a:defRPr>
             </a:pPr>
-            <a:endParaRPr lang="en-US"/>
+            <a:endParaRPr lang="vi-VN"/>
           </a:p>
         </c:txPr>
         <c:crossAx val="434695920"/>
@@ -3329,7 +3323,7 @@
                 <a:cs typeface="+mn-cs"/>
               </a:defRPr>
             </a:pPr>
-            <a:endParaRPr lang="en-US"/>
+            <a:endParaRPr lang="vi-VN"/>
           </a:p>
         </c:txPr>
         <c:crossAx val="434698216"/>
@@ -3346,7 +3340,6 @@
     </c:plotArea>
     <c:legend>
       <c:legendPos val="b"/>
-      <c:layout/>
       <c:overlay val="0"/>
       <c:spPr>
         <a:noFill/>
@@ -3372,13 +3365,12 @@
               <a:cs typeface="+mn-cs"/>
             </a:defRPr>
           </a:pPr>
-          <a:endParaRPr lang="en-US"/>
+          <a:endParaRPr lang="vi-VN"/>
         </a:p>
       </c:txPr>
     </c:legend>
     <c:plotVisOnly val="1"/>
     <c:dispBlanksAs val="gap"/>
-    <c:showDLblsOverMax val="0"/>
     <c:extLst>
       <c:ext xmlns:c16r3="http://schemas.microsoft.com/office/drawing/2017/03/chart" uri="{56B9EC1D-385E-4148-901F-78D8002777C0}">
         <c16r3:dataDisplayOptions16>
@@ -3386,6 +3378,7 @@
         </c16r3:dataDisplayOptions16>
       </c:ext>
     </c:extLst>
+    <c:showDLblsOverMax val="0"/>
   </c:chart>
   <c:spPr>
     <a:noFill/>
@@ -3401,7 +3394,7 @@
       <a:pPr>
         <a:defRPr/>
       </a:pPr>
-      <a:endParaRPr lang="en-US"/>
+      <a:endParaRPr lang="vi-VN"/>
     </a:p>
   </c:txPr>
   <c:externalData r:id="rId3">
@@ -5728,38 +5721,37 @@
           <a:p>
             <a:pPr lvl="0"/>
             <a:r>
-              <a:rPr lang="en-US" smtClean="0"/>
+              <a:rPr lang="en-US"/>
               <a:t>Edit Master text styles</a:t>
             </a:r>
           </a:p>
           <a:p>
             <a:pPr lvl="1"/>
             <a:r>
-              <a:rPr lang="en-US" smtClean="0"/>
+              <a:rPr lang="en-US"/>
               <a:t>Second level</a:t>
             </a:r>
           </a:p>
           <a:p>
             <a:pPr lvl="2"/>
             <a:r>
-              <a:rPr lang="en-US" smtClean="0"/>
+              <a:rPr lang="en-US"/>
               <a:t>Third level</a:t>
             </a:r>
           </a:p>
           <a:p>
             <a:pPr lvl="3"/>
             <a:r>
-              <a:rPr lang="en-US" smtClean="0"/>
+              <a:rPr lang="en-US"/>
               <a:t>Fourth level</a:t>
             </a:r>
           </a:p>
           <a:p>
             <a:pPr lvl="4"/>
             <a:r>
-              <a:rPr lang="en-US" smtClean="0"/>
+              <a:rPr lang="en-US"/>
               <a:t>Fifth level</a:t>
             </a:r>
-            <a:endParaRPr lang="en-US"/>
           </a:p>
         </p:txBody>
       </p:sp>
@@ -11622,89 +11614,79 @@
                 <a:latin typeface="Times New Roman" panose="02020603050405020304" pitchFamily="18" charset="0"/>
                 <a:cs typeface="Times New Roman" panose="02020603050405020304" pitchFamily="18" charset="0"/>
               </a:rPr>
-              <a:t>BÁO CÁO ĐỒ ÁN CUỐI </a:t>
-            </a:r>
-            <a:r>
-              <a:rPr lang="en-US" b="1" dirty="0" smtClean="0">
+              <a:t>BÁO CÁO ĐỒ ÁN CUỐI KỲ</a:t>
+            </a:r>
+            <a:br>
+              <a:rPr lang="en-US" b="1" dirty="0">
                 <a:solidFill>
                   <a:srgbClr val="FF0000"/>
                 </a:solidFill>
                 <a:latin typeface="Times New Roman" panose="02020603050405020304" pitchFamily="18" charset="0"/>
                 <a:cs typeface="Times New Roman" panose="02020603050405020304" pitchFamily="18" charset="0"/>
               </a:rPr>
-              <a:t>KỲ</a:t>
-            </a:r>
-            <a:br>
-              <a:rPr lang="en-US" b="1" dirty="0" smtClean="0">
+            </a:br>
+            <a:r>
+              <a:rPr lang="en-US" b="1" dirty="0" err="1">
                 <a:solidFill>
                   <a:srgbClr val="FF0000"/>
                 </a:solidFill>
                 <a:latin typeface="Times New Roman" panose="02020603050405020304" pitchFamily="18" charset="0"/>
                 <a:cs typeface="Times New Roman" panose="02020603050405020304" pitchFamily="18" charset="0"/>
               </a:rPr>
-            </a:br>
-            <a:r>
-              <a:rPr lang="en-US" b="1" dirty="0" err="1" smtClean="0">
+              <a:t>Dự</a:t>
+            </a:r>
+            <a:r>
+              <a:rPr lang="en-US" b="1" dirty="0">
                 <a:solidFill>
                   <a:srgbClr val="FF0000"/>
                 </a:solidFill>
                 <a:latin typeface="Times New Roman" panose="02020603050405020304" pitchFamily="18" charset="0"/>
                 <a:cs typeface="Times New Roman" panose="02020603050405020304" pitchFamily="18" charset="0"/>
               </a:rPr>
-              <a:t>Dự</a:t>
-            </a:r>
-            <a:r>
-              <a:rPr lang="en-US" b="1" dirty="0" smtClean="0">
+              <a:t> </a:t>
+            </a:r>
+            <a:r>
+              <a:rPr lang="en-US" b="1" dirty="0" err="1">
                 <a:solidFill>
                   <a:srgbClr val="FF0000"/>
                 </a:solidFill>
                 <a:latin typeface="Times New Roman" panose="02020603050405020304" pitchFamily="18" charset="0"/>
                 <a:cs typeface="Times New Roman" panose="02020603050405020304" pitchFamily="18" charset="0"/>
               </a:rPr>
-              <a:t> </a:t>
-            </a:r>
-            <a:r>
-              <a:rPr lang="en-US" b="1" dirty="0" err="1" smtClean="0">
+              <a:t>báo</a:t>
+            </a:r>
+            <a:r>
+              <a:rPr lang="en-US" b="1" dirty="0">
                 <a:solidFill>
                   <a:srgbClr val="FF0000"/>
                 </a:solidFill>
                 <a:latin typeface="Times New Roman" panose="02020603050405020304" pitchFamily="18" charset="0"/>
                 <a:cs typeface="Times New Roman" panose="02020603050405020304" pitchFamily="18" charset="0"/>
               </a:rPr>
-              <a:t>báo</a:t>
-            </a:r>
-            <a:r>
-              <a:rPr lang="en-US" b="1" dirty="0" smtClean="0">
+              <a:t> </a:t>
+            </a:r>
+            <a:r>
+              <a:rPr lang="en-US" b="1" dirty="0" err="1">
                 <a:solidFill>
                   <a:srgbClr val="FF0000"/>
                 </a:solidFill>
                 <a:latin typeface="Times New Roman" panose="02020603050405020304" pitchFamily="18" charset="0"/>
                 <a:cs typeface="Times New Roman" panose="02020603050405020304" pitchFamily="18" charset="0"/>
               </a:rPr>
-              <a:t> </a:t>
-            </a:r>
-            <a:r>
-              <a:rPr lang="en-US" b="1" dirty="0" err="1" smtClean="0">
+              <a:t>thời</a:t>
+            </a:r>
+            <a:r>
+              <a:rPr lang="en-US" b="1" dirty="0">
                 <a:solidFill>
                   <a:srgbClr val="FF0000"/>
                 </a:solidFill>
                 <a:latin typeface="Times New Roman" panose="02020603050405020304" pitchFamily="18" charset="0"/>
                 <a:cs typeface="Times New Roman" panose="02020603050405020304" pitchFamily="18" charset="0"/>
               </a:rPr>
-              <a:t>thời</a:t>
-            </a:r>
-            <a:r>
-              <a:rPr lang="en-US" b="1" dirty="0" smtClean="0">
-                <a:solidFill>
-                  <a:srgbClr val="FF0000"/>
-                </a:solidFill>
-                <a:latin typeface="Times New Roman" panose="02020603050405020304" pitchFamily="18" charset="0"/>
-                <a:cs typeface="Times New Roman" panose="02020603050405020304" pitchFamily="18" charset="0"/>
-              </a:rPr>
-              <a:t> </a:t>
-            </a:r>
-            <a:r>
-              <a:rPr lang="en-US" b="1" dirty="0" err="1" smtClean="0">
+              <a:t> </a:t>
+            </a:r>
+            <a:r>
+              <a:rPr lang="en-US" b="1" dirty="0" err="1">
                 <a:solidFill>
                   <a:srgbClr val="FF0000"/>
                 </a:solidFill>
@@ -11753,7 +11735,7 @@
           <a:p>
             <a:pPr algn="l"/>
             <a:r>
-              <a:rPr lang="en-US" b="1" dirty="0" err="1" smtClean="0">
+              <a:rPr lang="en-US" b="1" dirty="0" err="1">
                 <a:solidFill>
                   <a:schemeClr val="tx1"/>
                 </a:solidFill>
@@ -11763,7 +11745,7 @@
               <a:t>Môn</a:t>
             </a:r>
             <a:r>
-              <a:rPr lang="en-US" b="1" dirty="0" smtClean="0">
+              <a:rPr lang="en-US" b="1" dirty="0">
                 <a:solidFill>
                   <a:schemeClr val="tx1"/>
                 </a:solidFill>
@@ -11773,7 +11755,7 @@
               <a:t>: </a:t>
             </a:r>
             <a:r>
-              <a:rPr lang="en-US" b="1" dirty="0" err="1" smtClean="0">
+              <a:rPr lang="en-US" b="1" dirty="0" err="1">
                 <a:solidFill>
                   <a:schemeClr val="tx1"/>
                 </a:solidFill>
@@ -11783,7 +11765,7 @@
               <a:t>Khoa</a:t>
             </a:r>
             <a:r>
-              <a:rPr lang="en-US" b="1" dirty="0" smtClean="0">
+              <a:rPr lang="en-US" b="1" dirty="0">
                 <a:solidFill>
                   <a:schemeClr val="tx1"/>
                 </a:solidFill>
@@ -11793,7 +11775,7 @@
               <a:t> </a:t>
             </a:r>
             <a:r>
-              <a:rPr lang="en-US" b="1" dirty="0" err="1" smtClean="0">
+              <a:rPr lang="en-US" b="1" dirty="0" err="1">
                 <a:solidFill>
                   <a:schemeClr val="tx1"/>
                 </a:solidFill>
@@ -11803,7 +11785,7 @@
               <a:t>học</a:t>
             </a:r>
             <a:r>
-              <a:rPr lang="en-US" b="1" dirty="0" smtClean="0">
+              <a:rPr lang="en-US" b="1" dirty="0">
                 <a:solidFill>
                   <a:schemeClr val="tx1"/>
                 </a:solidFill>
@@ -11813,7 +11795,7 @@
               <a:t> </a:t>
             </a:r>
             <a:r>
-              <a:rPr lang="en-US" b="1" dirty="0" err="1" smtClean="0">
+              <a:rPr lang="en-US" b="1" dirty="0" err="1">
                 <a:solidFill>
                   <a:schemeClr val="tx1"/>
                 </a:solidFill>
@@ -11823,7 +11805,7 @@
               <a:t>dữ</a:t>
             </a:r>
             <a:r>
-              <a:rPr lang="en-US" b="1" dirty="0" smtClean="0">
+              <a:rPr lang="en-US" b="1" dirty="0">
                 <a:solidFill>
                   <a:schemeClr val="tx1"/>
                 </a:solidFill>
@@ -11833,7 +11815,7 @@
               <a:t> </a:t>
             </a:r>
             <a:r>
-              <a:rPr lang="en-US" b="1" dirty="0" err="1" smtClean="0">
+              <a:rPr lang="en-US" b="1" dirty="0" err="1">
                 <a:solidFill>
                   <a:schemeClr val="tx1"/>
                 </a:solidFill>
@@ -11842,7 +11824,7 @@
               </a:rPr>
               <a:t>liệu</a:t>
             </a:r>
-            <a:endParaRPr lang="en-US" b="1" dirty="0" smtClean="0">
+            <a:endParaRPr lang="en-US" b="1" dirty="0">
               <a:solidFill>
                 <a:schemeClr val="tx1"/>
               </a:solidFill>
@@ -11853,7 +11835,7 @@
           <a:p>
             <a:pPr algn="l"/>
             <a:r>
-              <a:rPr lang="en-US" b="1" dirty="0" err="1" smtClean="0">
+              <a:rPr lang="en-US" b="1" dirty="0" err="1">
                 <a:solidFill>
                   <a:schemeClr val="tx1"/>
                 </a:solidFill>
@@ -11863,7 +11845,7 @@
               <a:t>Giảng</a:t>
             </a:r>
             <a:r>
-              <a:rPr lang="en-US" b="1" dirty="0" smtClean="0">
+              <a:rPr lang="en-US" b="1" dirty="0">
                 <a:solidFill>
                   <a:schemeClr val="tx1"/>
                 </a:solidFill>
@@ -11873,7 +11855,7 @@
               <a:t> </a:t>
             </a:r>
             <a:r>
-              <a:rPr lang="en-US" b="1" dirty="0" err="1" smtClean="0">
+              <a:rPr lang="en-US" b="1" dirty="0" err="1">
                 <a:solidFill>
                   <a:schemeClr val="tx1"/>
                 </a:solidFill>
@@ -11883,7 +11865,7 @@
               <a:t>viên</a:t>
             </a:r>
             <a:r>
-              <a:rPr lang="en-US" b="1" dirty="0" smtClean="0">
+              <a:rPr lang="en-US" b="1" dirty="0">
                 <a:solidFill>
                   <a:schemeClr val="tx1"/>
                 </a:solidFill>
@@ -11893,7 +11875,7 @@
               <a:t>: </a:t>
             </a:r>
             <a:r>
-              <a:rPr lang="en-US" b="1" dirty="0" err="1" smtClean="0">
+              <a:rPr lang="en-US" b="1" dirty="0" err="1">
                 <a:solidFill>
                   <a:schemeClr val="tx1"/>
                 </a:solidFill>
@@ -11903,7 +11885,7 @@
               <a:t>Trần</a:t>
             </a:r>
             <a:r>
-              <a:rPr lang="en-US" b="1" dirty="0" smtClean="0">
+              <a:rPr lang="en-US" b="1" dirty="0">
                 <a:solidFill>
                   <a:schemeClr val="tx1"/>
                 </a:solidFill>
@@ -11913,7 +11895,7 @@
               <a:t> </a:t>
             </a:r>
             <a:r>
-              <a:rPr lang="en-US" b="1" dirty="0" err="1" smtClean="0">
+              <a:rPr lang="en-US" b="1" dirty="0" err="1">
                 <a:solidFill>
                   <a:schemeClr val="tx1"/>
                 </a:solidFill>
@@ -11923,7 +11905,7 @@
               <a:t>Trung</a:t>
             </a:r>
             <a:r>
-              <a:rPr lang="en-US" b="1" dirty="0" smtClean="0">
+              <a:rPr lang="en-US" b="1" dirty="0">
                 <a:solidFill>
                   <a:schemeClr val="tx1"/>
                 </a:solidFill>
@@ -11933,7 +11915,7 @@
               <a:t> </a:t>
             </a:r>
             <a:r>
-              <a:rPr lang="en-US" b="1" dirty="0" err="1" smtClean="0">
+              <a:rPr lang="en-US" b="1" dirty="0" err="1">
                 <a:solidFill>
                   <a:schemeClr val="tx1"/>
                 </a:solidFill>
@@ -11942,7 +11924,7 @@
               </a:rPr>
               <a:t>Kiên</a:t>
             </a:r>
-            <a:endParaRPr lang="en-US" b="1" dirty="0" smtClean="0">
+            <a:endParaRPr lang="en-US" b="1" dirty="0">
               <a:solidFill>
                 <a:schemeClr val="tx1"/>
               </a:solidFill>
@@ -11952,7 +11934,7 @@
           </a:p>
           <a:p>
             <a:r>
-              <a:rPr lang="en-US" b="1" dirty="0" smtClean="0">
+              <a:rPr lang="en-US" b="1" dirty="0">
                 <a:solidFill>
                   <a:schemeClr val="tx1"/>
                 </a:solidFill>
@@ -11961,13 +11943,6 @@
               </a:rPr>
               <a:t>THÀNH VIÊN:</a:t>
             </a:r>
-            <a:endParaRPr lang="en-US" b="1" dirty="0">
-              <a:solidFill>
-                <a:schemeClr val="tx1"/>
-              </a:solidFill>
-              <a:latin typeface="Times New Roman" panose="02020603050405020304" pitchFamily="18" charset="0"/>
-              <a:cs typeface="Times New Roman" panose="02020603050405020304" pitchFamily="18" charset="0"/>
-            </a:endParaRPr>
           </a:p>
           <a:p>
             <a:r>
@@ -17742,13 +17717,6 @@
               </a:rPr>
               <a:t>perceptron</a:t>
             </a:r>
-            <a:r>
-              <a:rPr lang="vi-VN" b="1" dirty="0">
-                <a:latin typeface="Times New Roman" panose="02020603050405020304" pitchFamily="18" charset="0"/>
-                <a:cs typeface="Times New Roman" panose="02020603050405020304" pitchFamily="18" charset="0"/>
-              </a:rPr>
-              <a:t/>
-            </a:r>
             <a:br>
               <a:rPr lang="vi-VN" b="1" dirty="0">
                 <a:latin typeface="Times New Roman" panose="02020603050405020304" pitchFamily="18" charset="0"/>
@@ -17775,7 +17743,7 @@
             <p:ph idx="1"/>
             <p:extLst>
               <p:ext uri="{D42A27DB-BD31-4B8C-83A1-F6EECF244321}">
-                <p14:modId xmlns:p14="http://schemas.microsoft.com/office/powerpoint/2010/main" val="371463661"/>
+                <p14:modId xmlns:p14="http://schemas.microsoft.com/office/powerpoint/2010/main" val="195725198"/>
               </p:ext>
             </p:extLst>
           </p:nvPr>
@@ -18598,7 +18566,7 @@
             <p:ph idx="1"/>
             <p:extLst>
               <p:ext uri="{D42A27DB-BD31-4B8C-83A1-F6EECF244321}">
-                <p14:modId xmlns:p14="http://schemas.microsoft.com/office/powerpoint/2010/main" val="1688783221"/>
+                <p14:modId xmlns:p14="http://schemas.microsoft.com/office/powerpoint/2010/main" val="621462513"/>
               </p:ext>
             </p:extLst>
           </p:nvPr>
@@ -19558,7 +19526,7 @@
             <p:ph idx="1"/>
             <p:extLst>
               <p:ext uri="{D42A27DB-BD31-4B8C-83A1-F6EECF244321}">
-                <p14:modId xmlns:p14="http://schemas.microsoft.com/office/powerpoint/2010/main" val="2963646735"/>
+                <p14:modId xmlns:p14="http://schemas.microsoft.com/office/powerpoint/2010/main" val="3354423389"/>
               </p:ext>
             </p:extLst>
           </p:nvPr>
@@ -19856,16 +19824,6 @@
               </a:rPr>
               <a:t>machine</a:t>
             </a:r>
-            <a:r>
-              <a:rPr lang="vi-VN" b="1" dirty="0">
-                <a:solidFill>
-                  <a:srgbClr val="002060"/>
-                </a:solidFill>
-                <a:latin typeface="Times New Roman" panose="02020603050405020304" pitchFamily="18" charset="0"/>
-                <a:cs typeface="Times New Roman" panose="02020603050405020304" pitchFamily="18" charset="0"/>
-              </a:rPr>
-              <a:t/>
-            </a:r>
             <a:br>
               <a:rPr lang="vi-VN" b="1" dirty="0">
                 <a:solidFill>
@@ -19895,7 +19853,7 @@
             <p:ph idx="1"/>
             <p:extLst>
               <p:ext uri="{D42A27DB-BD31-4B8C-83A1-F6EECF244321}">
-                <p14:modId xmlns:p14="http://schemas.microsoft.com/office/powerpoint/2010/main" val="1981820350"/>
+                <p14:modId xmlns:p14="http://schemas.microsoft.com/office/powerpoint/2010/main" val="3132284862"/>
               </p:ext>
             </p:extLst>
           </p:nvPr>
@@ -20935,6 +20893,36 @@
           <a:chExt cx="0" cy="0"/>
         </a:xfrm>
       </p:grpSpPr>
+      <p:pic>
+        <p:nvPicPr>
+          <p:cNvPr id="4" name="Hình ảnh 3">
+            <a:extLst>
+              <a:ext uri="{FF2B5EF4-FFF2-40B4-BE49-F238E27FC236}">
+                <a16:creationId xmlns:a16="http://schemas.microsoft.com/office/drawing/2014/main" id="{25E9B3F1-BF7F-49D6-ADB7-5816B85A5734}"/>
+              </a:ext>
+            </a:extLst>
+          </p:cNvPr>
+          <p:cNvPicPr>
+            <a:picLocks noChangeAspect="1"/>
+          </p:cNvPicPr>
+          <p:nvPr/>
+        </p:nvPicPr>
+        <p:blipFill>
+          <a:blip r:embed="rId2"/>
+          <a:stretch>
+            <a:fillRect/>
+          </a:stretch>
+        </p:blipFill>
+        <p:spPr>
+          <a:xfrm>
+            <a:off x="863600" y="1452613"/>
+            <a:ext cx="4838859" cy="1678084"/>
+          </a:xfrm>
+          <a:prstGeom prst="rect">
+            <a:avLst/>
+          </a:prstGeom>
+        </p:spPr>
+      </p:pic>
       <p:grpSp>
         <p:nvGrpSpPr>
           <p:cNvPr id="17" name="Group 16">
@@ -20943,7 +20931,7 @@
                 <a16:creationId xmlns:a16="http://schemas.microsoft.com/office/drawing/2014/main" id="{6CC33B2B-B475-4189-BA8F-3CF8248DC685}"/>
               </a:ext>
               <a:ext uri="{C183D7F6-B498-43B3-948B-1728B52AA6E4}">
-                <adec:decorative xmlns:adec="http://schemas.microsoft.com/office/drawing/2017/decorative" xmlns="" val="1"/>
+                <adec:decorative xmlns:adec="http://schemas.microsoft.com/office/drawing/2017/decorative" val="1"/>
               </a:ext>
             </a:extLst>
           </p:cNvPr>
@@ -20974,7 +20962,7 @@
                   <a16:creationId xmlns:a16="http://schemas.microsoft.com/office/drawing/2014/main" id="{A59AAC92-4932-4D74-A545-BA3EEE56D476}"/>
                 </a:ext>
                 <a:ext uri="{C183D7F6-B498-43B3-948B-1728B52AA6E4}">
-                  <adec:decorative xmlns:adec="http://schemas.microsoft.com/office/drawing/2017/decorative" xmlns="" val="1"/>
+                  <adec:decorative xmlns:adec="http://schemas.microsoft.com/office/drawing/2017/decorative" val="1"/>
                 </a:ext>
               </a:extLst>
             </p:cNvPr>
@@ -21052,7 +21040,7 @@
                   <a16:creationId xmlns:a16="http://schemas.microsoft.com/office/drawing/2014/main" id="{B8446528-FA87-4017-B061-CF7EE79FA240}"/>
                 </a:ext>
                 <a:ext uri="{C183D7F6-B498-43B3-948B-1728B52AA6E4}">
-                  <adec:decorative xmlns:adec="http://schemas.microsoft.com/office/drawing/2017/decorative" xmlns="" val="1"/>
+                  <adec:decorative xmlns:adec="http://schemas.microsoft.com/office/drawing/2017/decorative" val="1"/>
                 </a:ext>
               </a:extLst>
             </p:cNvPr>
@@ -21104,7 +21092,7 @@
                   <a16:creationId xmlns:a16="http://schemas.microsoft.com/office/drawing/2014/main" id="{34D4B4D0-2493-42A2-AEEB-9970A64E8BCE}"/>
                 </a:ext>
                 <a:ext uri="{C183D7F6-B498-43B3-948B-1728B52AA6E4}">
-                  <adec:decorative xmlns:adec="http://schemas.microsoft.com/office/drawing/2017/decorative" xmlns="" val="1"/>
+                  <adec:decorative xmlns:adec="http://schemas.microsoft.com/office/drawing/2017/decorative" val="1"/>
                 </a:ext>
               </a:extLst>
             </p:cNvPr>
@@ -21156,7 +21144,7 @@
                   <a16:creationId xmlns:a16="http://schemas.microsoft.com/office/drawing/2014/main" id="{676E13B7-7CB7-4489-914B-4012EE6EBF36}"/>
                 </a:ext>
                 <a:ext uri="{C183D7F6-B498-43B3-948B-1728B52AA6E4}">
-                  <adec:decorative xmlns:adec="http://schemas.microsoft.com/office/drawing/2017/decorative" xmlns="" val="1"/>
+                  <adec:decorative xmlns:adec="http://schemas.microsoft.com/office/drawing/2017/decorative" val="1"/>
                 </a:ext>
               </a:extLst>
             </p:cNvPr>
@@ -21234,7 +21222,7 @@
                   <a16:creationId xmlns:a16="http://schemas.microsoft.com/office/drawing/2014/main" id="{F2159841-C096-430C-B748-E8D2A5C994FF}"/>
                 </a:ext>
                 <a:ext uri="{C183D7F6-B498-43B3-948B-1728B52AA6E4}">
-                  <adec:decorative xmlns:adec="http://schemas.microsoft.com/office/drawing/2017/decorative" xmlns="" val="1"/>
+                  <adec:decorative xmlns:adec="http://schemas.microsoft.com/office/drawing/2017/decorative" val="1"/>
                 </a:ext>
               </a:extLst>
             </p:cNvPr>
@@ -21312,7 +21300,7 @@
                   <a16:creationId xmlns:a16="http://schemas.microsoft.com/office/drawing/2014/main" id="{B4F167EF-5A0C-487E-8776-97310E39E012}"/>
                 </a:ext>
                 <a:ext uri="{C183D7F6-B498-43B3-948B-1728B52AA6E4}">
-                  <adec:decorative xmlns:adec="http://schemas.microsoft.com/office/drawing/2017/decorative" xmlns="" val="1"/>
+                  <adec:decorative xmlns:adec="http://schemas.microsoft.com/office/drawing/2017/decorative" val="1"/>
                 </a:ext>
               </a:extLst>
             </p:cNvPr>
@@ -21369,7 +21357,7 @@
                   <a16:creationId xmlns:a16="http://schemas.microsoft.com/office/drawing/2014/main" id="{9D8C053F-F025-4CB6-94C4-2841A20D68E0}"/>
                 </a:ext>
                 <a:ext uri="{C183D7F6-B498-43B3-948B-1728B52AA6E4}">
-                  <adec:decorative xmlns:adec="http://schemas.microsoft.com/office/drawing/2017/decorative" xmlns="" val="1"/>
+                  <adec:decorative xmlns:adec="http://schemas.microsoft.com/office/drawing/2017/decorative" val="1"/>
                 </a:ext>
               </a:extLst>
             </p:cNvPr>
@@ -21448,7 +21436,7 @@
                   <a16:creationId xmlns:a16="http://schemas.microsoft.com/office/drawing/2014/main" id="{78581BD0-3E75-48CB-A2A3-44DB1ACB66AE}"/>
                 </a:ext>
                 <a:ext uri="{C183D7F6-B498-43B3-948B-1728B52AA6E4}">
-                  <adec:decorative xmlns:adec="http://schemas.microsoft.com/office/drawing/2017/decorative" xmlns="" val="1"/>
+                  <adec:decorative xmlns:adec="http://schemas.microsoft.com/office/drawing/2017/decorative" val="1"/>
                 </a:ext>
               </a:extLst>
             </p:cNvPr>
@@ -21526,7 +21514,7 @@
                   <a16:creationId xmlns:a16="http://schemas.microsoft.com/office/drawing/2014/main" id="{E90D466A-AB95-4676-82CB-3BEC98AFF832}"/>
                 </a:ext>
                 <a:ext uri="{C183D7F6-B498-43B3-948B-1728B52AA6E4}">
-                  <adec:decorative xmlns:adec="http://schemas.microsoft.com/office/drawing/2017/decorative" xmlns="" val="1"/>
+                  <adec:decorative xmlns:adec="http://schemas.microsoft.com/office/drawing/2017/decorative" val="1"/>
                 </a:ext>
               </a:extLst>
             </p:cNvPr>
@@ -21605,7 +21593,7 @@
                   <a16:creationId xmlns:a16="http://schemas.microsoft.com/office/drawing/2014/main" id="{3AFED863-874C-49D9-AE2F-B9DFF00D5690}"/>
                 </a:ext>
                 <a:ext uri="{C183D7F6-B498-43B3-948B-1728B52AA6E4}">
-                  <adec:decorative xmlns:adec="http://schemas.microsoft.com/office/drawing/2017/decorative" xmlns="" val="1"/>
+                  <adec:decorative xmlns:adec="http://schemas.microsoft.com/office/drawing/2017/decorative" val="1"/>
                 </a:ext>
               </a:extLst>
             </p:cNvPr>
@@ -21670,7 +21658,7 @@
           <p:nvPr/>
         </p:nvPicPr>
         <p:blipFill>
-          <a:blip r:embed="rId2"/>
+          <a:blip r:embed="rId3"/>
           <a:stretch>
             <a:fillRect/>
           </a:stretch>
@@ -21679,36 +21667,6 @@
           <a:xfrm>
             <a:off x="874145" y="4226601"/>
             <a:ext cx="4977562" cy="1678084"/>
-          </a:xfrm>
-          <a:prstGeom prst="rect">
-            <a:avLst/>
-          </a:prstGeom>
-        </p:spPr>
-      </p:pic>
-      <p:pic>
-        <p:nvPicPr>
-          <p:cNvPr id="3" name="Hình ảnh 2">
-            <a:extLst>
-              <a:ext uri="{FF2B5EF4-FFF2-40B4-BE49-F238E27FC236}">
-                <a16:creationId xmlns:a16="http://schemas.microsoft.com/office/drawing/2014/main" id="{25E31DB6-B7D2-4B16-8CD2-CEE3F7D3213E}"/>
-              </a:ext>
-            </a:extLst>
-          </p:cNvPr>
-          <p:cNvPicPr>
-            <a:picLocks noChangeAspect="1"/>
-          </p:cNvPicPr>
-          <p:nvPr/>
-        </p:nvPicPr>
-        <p:blipFill>
-          <a:blip r:embed="rId3"/>
-          <a:stretch>
-            <a:fillRect/>
-          </a:stretch>
-        </p:blipFill>
-        <p:spPr>
-          <a:xfrm>
-            <a:off x="997527" y="1481316"/>
-            <a:ext cx="4977562" cy="1614645"/>
           </a:xfrm>
           <a:prstGeom prst="rect">
             <a:avLst/>
@@ -22485,20 +22443,90 @@
                 <a:latin typeface="Times New Roman" panose="02020603050405020304" pitchFamily="18" charset="0"/>
                 <a:cs typeface="Times New Roman" panose="02020603050405020304" pitchFamily="18" charset="0"/>
               </a:rPr>
-              <a:t>nhỉnh</a:t>
+              <a:t>kém</a:t>
             </a:r>
             <a:r>
               <a:rPr lang="en-US" b="1" dirty="0">
                 <a:latin typeface="Times New Roman" panose="02020603050405020304" pitchFamily="18" charset="0"/>
                 <a:cs typeface="Times New Roman" panose="02020603050405020304" pitchFamily="18" charset="0"/>
               </a:rPr>
-              <a:t> </a:t>
+              <a:t> h</a:t>
+            </a:r>
+            <a:r>
+              <a:rPr lang="vi-VN" b="1" dirty="0">
+                <a:latin typeface="Times New Roman" panose="02020603050405020304" pitchFamily="18" charset="0"/>
+                <a:cs typeface="Times New Roman" panose="02020603050405020304" pitchFamily="18" charset="0"/>
+              </a:rPr>
+              <a:t>ơ</a:t>
+            </a:r>
+            <a:r>
+              <a:rPr lang="en-US" b="1" dirty="0">
+                <a:latin typeface="Times New Roman" panose="02020603050405020304" pitchFamily="18" charset="0"/>
+                <a:cs typeface="Times New Roman" panose="02020603050405020304" pitchFamily="18" charset="0"/>
+              </a:rPr>
+              <a:t>n 0.1, </a:t>
             </a:r>
             <a:r>
               <a:rPr lang="en-US" b="1" dirty="0" err="1">
                 <a:latin typeface="Times New Roman" panose="02020603050405020304" pitchFamily="18" charset="0"/>
                 <a:cs typeface="Times New Roman" panose="02020603050405020304" pitchFamily="18" charset="0"/>
               </a:rPr>
+              <a:t>trong</a:t>
+            </a:r>
+            <a:r>
+              <a:rPr lang="en-US" b="1" dirty="0">
+                <a:latin typeface="Times New Roman" panose="02020603050405020304" pitchFamily="18" charset="0"/>
+                <a:cs typeface="Times New Roman" panose="02020603050405020304" pitchFamily="18" charset="0"/>
+              </a:rPr>
+              <a:t> </a:t>
+            </a:r>
+            <a:r>
+              <a:rPr lang="en-US" b="1" dirty="0" err="1">
+                <a:latin typeface="Times New Roman" panose="02020603050405020304" pitchFamily="18" charset="0"/>
+                <a:cs typeface="Times New Roman" panose="02020603050405020304" pitchFamily="18" charset="0"/>
+              </a:rPr>
+              <a:t>khi</a:t>
+            </a:r>
+            <a:r>
+              <a:rPr lang="en-US" b="1" dirty="0">
+                <a:latin typeface="Times New Roman" panose="02020603050405020304" pitchFamily="18" charset="0"/>
+                <a:cs typeface="Times New Roman" panose="02020603050405020304" pitchFamily="18" charset="0"/>
+              </a:rPr>
+              <a:t> recall </a:t>
+            </a:r>
+            <a:r>
+              <a:rPr lang="en-US" b="1" dirty="0" err="1">
+                <a:latin typeface="Times New Roman" panose="02020603050405020304" pitchFamily="18" charset="0"/>
+                <a:cs typeface="Times New Roman" panose="02020603050405020304" pitchFamily="18" charset="0"/>
+              </a:rPr>
+              <a:t>thì</a:t>
+            </a:r>
+            <a:r>
+              <a:rPr lang="en-US" b="1" dirty="0">
+                <a:latin typeface="Times New Roman" panose="02020603050405020304" pitchFamily="18" charset="0"/>
+                <a:cs typeface="Times New Roman" panose="02020603050405020304" pitchFamily="18" charset="0"/>
+              </a:rPr>
+              <a:t> </a:t>
+            </a:r>
+            <a:r>
+              <a:rPr lang="en-US" b="1" dirty="0" err="1">
+                <a:latin typeface="Times New Roman" panose="02020603050405020304" pitchFamily="18" charset="0"/>
+                <a:cs typeface="Times New Roman" panose="02020603050405020304" pitchFamily="18" charset="0"/>
+              </a:rPr>
+              <a:t>lớn</a:t>
+            </a:r>
+            <a:r>
+              <a:rPr lang="en-US" b="1" dirty="0">
+                <a:latin typeface="Times New Roman" panose="02020603050405020304" pitchFamily="18" charset="0"/>
+                <a:cs typeface="Times New Roman" panose="02020603050405020304" pitchFamily="18" charset="0"/>
+              </a:rPr>
+              <a:t> </a:t>
+            </a:r>
+            <a:r>
+              <a:rPr lang="en-US" b="1" dirty="0" err="1">
+                <a:latin typeface="Times New Roman" panose="02020603050405020304" pitchFamily="18" charset="0"/>
+                <a:cs typeface="Times New Roman" panose="02020603050405020304" pitchFamily="18" charset="0"/>
+              </a:rPr>
               <a:t>hơn</a:t>
             </a:r>
             <a:r>
@@ -22506,77 +22534,7 @@
                 <a:latin typeface="Times New Roman" panose="02020603050405020304" pitchFamily="18" charset="0"/>
                 <a:cs typeface="Times New Roman" panose="02020603050405020304" pitchFamily="18" charset="0"/>
               </a:rPr>
-              <a:t> 0.1, </a:t>
-            </a:r>
-            <a:r>
-              <a:rPr lang="en-US" b="1" dirty="0" err="1">
-                <a:latin typeface="Times New Roman" panose="02020603050405020304" pitchFamily="18" charset="0"/>
-                <a:cs typeface="Times New Roman" panose="02020603050405020304" pitchFamily="18" charset="0"/>
-              </a:rPr>
-              <a:t>trong</a:t>
-            </a:r>
-            <a:r>
-              <a:rPr lang="en-US" b="1" dirty="0">
-                <a:latin typeface="Times New Roman" panose="02020603050405020304" pitchFamily="18" charset="0"/>
-                <a:cs typeface="Times New Roman" panose="02020603050405020304" pitchFamily="18" charset="0"/>
-              </a:rPr>
-              <a:t> </a:t>
-            </a:r>
-            <a:r>
-              <a:rPr lang="en-US" b="1" dirty="0" err="1">
-                <a:latin typeface="Times New Roman" panose="02020603050405020304" pitchFamily="18" charset="0"/>
-                <a:cs typeface="Times New Roman" panose="02020603050405020304" pitchFamily="18" charset="0"/>
-              </a:rPr>
-              <a:t>khi</a:t>
-            </a:r>
-            <a:r>
-              <a:rPr lang="en-US" b="1" dirty="0">
-                <a:latin typeface="Times New Roman" panose="02020603050405020304" pitchFamily="18" charset="0"/>
-                <a:cs typeface="Times New Roman" panose="02020603050405020304" pitchFamily="18" charset="0"/>
-              </a:rPr>
-              <a:t> recall </a:t>
-            </a:r>
-            <a:r>
-              <a:rPr lang="en-US" b="1" dirty="0" err="1">
-                <a:latin typeface="Times New Roman" panose="02020603050405020304" pitchFamily="18" charset="0"/>
-                <a:cs typeface="Times New Roman" panose="02020603050405020304" pitchFamily="18" charset="0"/>
-              </a:rPr>
-              <a:t>thì</a:t>
-            </a:r>
-            <a:r>
-              <a:rPr lang="en-US" b="1" dirty="0">
-                <a:latin typeface="Times New Roman" panose="02020603050405020304" pitchFamily="18" charset="0"/>
-                <a:cs typeface="Times New Roman" panose="02020603050405020304" pitchFamily="18" charset="0"/>
-              </a:rPr>
-              <a:t> SVM </a:t>
-            </a:r>
-            <a:r>
-              <a:rPr lang="en-US" b="1" dirty="0" err="1">
-                <a:latin typeface="Times New Roman" panose="02020603050405020304" pitchFamily="18" charset="0"/>
-                <a:cs typeface="Times New Roman" panose="02020603050405020304" pitchFamily="18" charset="0"/>
-              </a:rPr>
-              <a:t>lớn</a:t>
-            </a:r>
-            <a:r>
-              <a:rPr lang="en-US" b="1" dirty="0">
-                <a:latin typeface="Times New Roman" panose="02020603050405020304" pitchFamily="18" charset="0"/>
-                <a:cs typeface="Times New Roman" panose="02020603050405020304" pitchFamily="18" charset="0"/>
-              </a:rPr>
-              <a:t> </a:t>
-            </a:r>
-            <a:r>
-              <a:rPr lang="en-US" b="1" dirty="0" err="1">
-                <a:latin typeface="Times New Roman" panose="02020603050405020304" pitchFamily="18" charset="0"/>
-                <a:cs typeface="Times New Roman" panose="02020603050405020304" pitchFamily="18" charset="0"/>
-              </a:rPr>
-              <a:t>hơn</a:t>
-            </a:r>
-            <a:r>
-              <a:rPr lang="en-US" b="1" dirty="0">
-                <a:latin typeface="Times New Roman" panose="02020603050405020304" pitchFamily="18" charset="0"/>
-                <a:cs typeface="Times New Roman" panose="02020603050405020304" pitchFamily="18" charset="0"/>
-              </a:rPr>
-              <a:t> 0.2</a:t>
+              <a:t> SVM 0.2</a:t>
             </a:r>
           </a:p>
           <a:p>
@@ -22631,7 +22589,7 @@
                 <a:latin typeface="Times New Roman" panose="02020603050405020304" pitchFamily="18" charset="0"/>
                 <a:cs typeface="Times New Roman" panose="02020603050405020304" pitchFamily="18" charset="0"/>
               </a:rPr>
-              <a:t> SVM </a:t>
+              <a:t> MLP </a:t>
             </a:r>
             <a:r>
               <a:rPr lang="en-US" b="1" dirty="0" err="1">
@@ -23039,7 +22997,7 @@
                 <a:latin typeface="Times New Roman" panose="02020603050405020304" pitchFamily="18" charset="0"/>
                 <a:cs typeface="Times New Roman" panose="02020603050405020304" pitchFamily="18" charset="0"/>
               </a:rPr>
-              <a:t> SVM </a:t>
+              <a:t> MLP </a:t>
             </a:r>
             <a:r>
               <a:rPr lang="en-US" b="1" dirty="0" err="1">
@@ -23291,7 +23249,7 @@
                 <a16:creationId xmlns:a16="http://schemas.microsoft.com/office/drawing/2014/main" id="{4815A7B4-532E-48C9-AC24-D78ACF3339DB}"/>
               </a:ext>
               <a:ext uri="{C183D7F6-B498-43B3-948B-1728B52AA6E4}">
-                <adec:decorative xmlns:adec="http://schemas.microsoft.com/office/drawing/2017/decorative" xmlns="" val="1"/>
+                <adec:decorative xmlns:adec="http://schemas.microsoft.com/office/drawing/2017/decorative" val="1"/>
               </a:ext>
             </a:extLst>
           </p:cNvPr>
@@ -23322,7 +23280,7 @@
                   <a16:creationId xmlns:a16="http://schemas.microsoft.com/office/drawing/2014/main" id="{D40109F4-CE5C-45F4-856E-F3F69C9FD4E1}"/>
                 </a:ext>
                 <a:ext uri="{C183D7F6-B498-43B3-948B-1728B52AA6E4}">
-                  <adec:decorative xmlns:adec="http://schemas.microsoft.com/office/drawing/2017/decorative" xmlns="" val="1"/>
+                  <adec:decorative xmlns:adec="http://schemas.microsoft.com/office/drawing/2017/decorative" val="1"/>
                 </a:ext>
               </a:extLst>
             </p:cNvPr>
@@ -23400,7 +23358,7 @@
                   <a16:creationId xmlns:a16="http://schemas.microsoft.com/office/drawing/2014/main" id="{3CBAA4DE-3D7B-460B-AE98-D9F9990C0B62}"/>
                 </a:ext>
                 <a:ext uri="{C183D7F6-B498-43B3-948B-1728B52AA6E4}">
-                  <adec:decorative xmlns:adec="http://schemas.microsoft.com/office/drawing/2017/decorative" xmlns="" val="1"/>
+                  <adec:decorative xmlns:adec="http://schemas.microsoft.com/office/drawing/2017/decorative" val="1"/>
                 </a:ext>
               </a:extLst>
             </p:cNvPr>
@@ -23452,7 +23410,7 @@
                   <a16:creationId xmlns:a16="http://schemas.microsoft.com/office/drawing/2014/main" id="{7BF1ED3E-4F80-4AF6-A41B-44F53DDE610D}"/>
                 </a:ext>
                 <a:ext uri="{C183D7F6-B498-43B3-948B-1728B52AA6E4}">
-                  <adec:decorative xmlns:adec="http://schemas.microsoft.com/office/drawing/2017/decorative" xmlns="" val="1"/>
+                  <adec:decorative xmlns:adec="http://schemas.microsoft.com/office/drawing/2017/decorative" val="1"/>
                 </a:ext>
               </a:extLst>
             </p:cNvPr>
@@ -23504,7 +23462,7 @@
                   <a16:creationId xmlns:a16="http://schemas.microsoft.com/office/drawing/2014/main" id="{C0B2D747-3E31-45C5-9A98-A9710A585FBB}"/>
                 </a:ext>
                 <a:ext uri="{C183D7F6-B498-43B3-948B-1728B52AA6E4}">
-                  <adec:decorative xmlns:adec="http://schemas.microsoft.com/office/drawing/2017/decorative" xmlns="" val="1"/>
+                  <adec:decorative xmlns:adec="http://schemas.microsoft.com/office/drawing/2017/decorative" val="1"/>
                 </a:ext>
               </a:extLst>
             </p:cNvPr>
@@ -23582,7 +23540,7 @@
                   <a16:creationId xmlns:a16="http://schemas.microsoft.com/office/drawing/2014/main" id="{A15FD4BA-3020-462D-8BE8-B3A65B8E492A}"/>
                 </a:ext>
                 <a:ext uri="{C183D7F6-B498-43B3-948B-1728B52AA6E4}">
-                  <adec:decorative xmlns:adec="http://schemas.microsoft.com/office/drawing/2017/decorative" xmlns="" val="1"/>
+                  <adec:decorative xmlns:adec="http://schemas.microsoft.com/office/drawing/2017/decorative" val="1"/>
                 </a:ext>
               </a:extLst>
             </p:cNvPr>
@@ -23660,7 +23618,7 @@
                   <a16:creationId xmlns:a16="http://schemas.microsoft.com/office/drawing/2014/main" id="{A304284A-7318-4DD5-898C-2F6B23C778FA}"/>
                 </a:ext>
                 <a:ext uri="{C183D7F6-B498-43B3-948B-1728B52AA6E4}">
-                  <adec:decorative xmlns:adec="http://schemas.microsoft.com/office/drawing/2017/decorative" xmlns="" val="1"/>
+                  <adec:decorative xmlns:adec="http://schemas.microsoft.com/office/drawing/2017/decorative" val="1"/>
                 </a:ext>
               </a:extLst>
             </p:cNvPr>
@@ -23717,7 +23675,7 @@
                   <a16:creationId xmlns:a16="http://schemas.microsoft.com/office/drawing/2014/main" id="{9DF48E66-B635-4509-B115-E0987C014EBC}"/>
                 </a:ext>
                 <a:ext uri="{C183D7F6-B498-43B3-948B-1728B52AA6E4}">
-                  <adec:decorative xmlns:adec="http://schemas.microsoft.com/office/drawing/2017/decorative" xmlns="" val="1"/>
+                  <adec:decorative xmlns:adec="http://schemas.microsoft.com/office/drawing/2017/decorative" val="1"/>
                 </a:ext>
               </a:extLst>
             </p:cNvPr>
@@ -23796,7 +23754,7 @@
                   <a16:creationId xmlns:a16="http://schemas.microsoft.com/office/drawing/2014/main" id="{E3B96D94-5F5A-4F4C-810C-917BF4D266C3}"/>
                 </a:ext>
                 <a:ext uri="{C183D7F6-B498-43B3-948B-1728B52AA6E4}">
-                  <adec:decorative xmlns:adec="http://schemas.microsoft.com/office/drawing/2017/decorative" xmlns="" val="1"/>
+                  <adec:decorative xmlns:adec="http://schemas.microsoft.com/office/drawing/2017/decorative" val="1"/>
                 </a:ext>
               </a:extLst>
             </p:cNvPr>
@@ -23874,7 +23832,7 @@
                   <a16:creationId xmlns:a16="http://schemas.microsoft.com/office/drawing/2014/main" id="{7F3782D6-BFF8-4389-9D39-A023ADAA92C1}"/>
                 </a:ext>
                 <a:ext uri="{C183D7F6-B498-43B3-948B-1728B52AA6E4}">
-                  <adec:decorative xmlns:adec="http://schemas.microsoft.com/office/drawing/2017/decorative" xmlns="" val="1"/>
+                  <adec:decorative xmlns:adec="http://schemas.microsoft.com/office/drawing/2017/decorative" val="1"/>
                 </a:ext>
               </a:extLst>
             </p:cNvPr>
@@ -23953,7 +23911,7 @@
                   <a16:creationId xmlns:a16="http://schemas.microsoft.com/office/drawing/2014/main" id="{ECE162D4-FCAE-441B-B5E9-C91DE62124EF}"/>
                 </a:ext>
                 <a:ext uri="{C183D7F6-B498-43B3-948B-1728B52AA6E4}">
-                  <adec:decorative xmlns:adec="http://schemas.microsoft.com/office/drawing/2017/decorative" xmlns="" val="1"/>
+                  <adec:decorative xmlns:adec="http://schemas.microsoft.com/office/drawing/2017/decorative" val="1"/>
                 </a:ext>
               </a:extLst>
             </p:cNvPr>
@@ -24056,36 +24014,6 @@
           </a:p>
         </p:txBody>
       </p:sp>
-      <p:pic>
-        <p:nvPicPr>
-          <p:cNvPr id="6" name="Hình ảnh 5">
-            <a:extLst>
-              <a:ext uri="{FF2B5EF4-FFF2-40B4-BE49-F238E27FC236}">
-                <a16:creationId xmlns:a16="http://schemas.microsoft.com/office/drawing/2014/main" id="{938E190F-CBF2-4F5B-8F21-2DF3535FB656}"/>
-              </a:ext>
-            </a:extLst>
-          </p:cNvPr>
-          <p:cNvPicPr>
-            <a:picLocks noChangeAspect="1"/>
-          </p:cNvPicPr>
-          <p:nvPr/>
-        </p:nvPicPr>
-        <p:blipFill>
-          <a:blip r:embed="rId2"/>
-          <a:stretch>
-            <a:fillRect/>
-          </a:stretch>
-        </p:blipFill>
-        <p:spPr>
-          <a:xfrm>
-            <a:off x="681099" y="2290173"/>
-            <a:ext cx="8736595" cy="2782479"/>
-          </a:xfrm>
-          <a:prstGeom prst="rect">
-            <a:avLst/>
-          </a:prstGeom>
-        </p:spPr>
-      </p:pic>
       <p:sp>
         <p:nvSpPr>
           <p:cNvPr id="3" name="Slide Number Placeholder 2"/>
@@ -24109,6 +24037,36 @@
           </a:p>
         </p:txBody>
       </p:sp>
+      <p:pic>
+        <p:nvPicPr>
+          <p:cNvPr id="4" name="Hình ảnh 3">
+            <a:extLst>
+              <a:ext uri="{FF2B5EF4-FFF2-40B4-BE49-F238E27FC236}">
+                <a16:creationId xmlns:a16="http://schemas.microsoft.com/office/drawing/2014/main" id="{7E492C50-A4A6-4EFA-93FD-FB277A2D9018}"/>
+              </a:ext>
+            </a:extLst>
+          </p:cNvPr>
+          <p:cNvPicPr>
+            <a:picLocks noChangeAspect="1"/>
+          </p:cNvPicPr>
+          <p:nvPr/>
+        </p:nvPicPr>
+        <p:blipFill>
+          <a:blip r:embed="rId2"/>
+          <a:stretch>
+            <a:fillRect/>
+          </a:stretch>
+        </p:blipFill>
+        <p:spPr>
+          <a:xfrm>
+            <a:off x="818713" y="2089435"/>
+            <a:ext cx="8962842" cy="3000863"/>
+          </a:xfrm>
+          <a:prstGeom prst="rect">
+            <a:avLst/>
+          </a:prstGeom>
+        </p:spPr>
+      </p:pic>
     </p:spTree>
     <p:extLst>
       <p:ext uri="{BB962C8B-B14F-4D97-AF65-F5344CB8AC3E}">
@@ -24155,7 +24113,7 @@
                 <a16:creationId xmlns:a16="http://schemas.microsoft.com/office/drawing/2014/main" id="{4815A7B4-532E-48C9-AC24-D78ACF3339DB}"/>
               </a:ext>
               <a:ext uri="{C183D7F6-B498-43B3-948B-1728B52AA6E4}">
-                <adec:decorative xmlns:adec="http://schemas.microsoft.com/office/drawing/2017/decorative" xmlns="" val="1"/>
+                <adec:decorative xmlns:adec="http://schemas.microsoft.com/office/drawing/2017/decorative" val="1"/>
               </a:ext>
             </a:extLst>
           </p:cNvPr>
@@ -24186,7 +24144,7 @@
                   <a16:creationId xmlns:a16="http://schemas.microsoft.com/office/drawing/2014/main" id="{D40109F4-CE5C-45F4-856E-F3F69C9FD4E1}"/>
                 </a:ext>
                 <a:ext uri="{C183D7F6-B498-43B3-948B-1728B52AA6E4}">
-                  <adec:decorative xmlns:adec="http://schemas.microsoft.com/office/drawing/2017/decorative" xmlns="" val="1"/>
+                  <adec:decorative xmlns:adec="http://schemas.microsoft.com/office/drawing/2017/decorative" val="1"/>
                 </a:ext>
               </a:extLst>
             </p:cNvPr>
@@ -24264,7 +24222,7 @@
                   <a16:creationId xmlns:a16="http://schemas.microsoft.com/office/drawing/2014/main" id="{3CBAA4DE-3D7B-460B-AE98-D9F9990C0B62}"/>
                 </a:ext>
                 <a:ext uri="{C183D7F6-B498-43B3-948B-1728B52AA6E4}">
-                  <adec:decorative xmlns:adec="http://schemas.microsoft.com/office/drawing/2017/decorative" xmlns="" val="1"/>
+                  <adec:decorative xmlns:adec="http://schemas.microsoft.com/office/drawing/2017/decorative" val="1"/>
                 </a:ext>
               </a:extLst>
             </p:cNvPr>
@@ -24316,7 +24274,7 @@
                   <a16:creationId xmlns:a16="http://schemas.microsoft.com/office/drawing/2014/main" id="{7BF1ED3E-4F80-4AF6-A41B-44F53DDE610D}"/>
                 </a:ext>
                 <a:ext uri="{C183D7F6-B498-43B3-948B-1728B52AA6E4}">
-                  <adec:decorative xmlns:adec="http://schemas.microsoft.com/office/drawing/2017/decorative" xmlns="" val="1"/>
+                  <adec:decorative xmlns:adec="http://schemas.microsoft.com/office/drawing/2017/decorative" val="1"/>
                 </a:ext>
               </a:extLst>
             </p:cNvPr>
@@ -24368,7 +24326,7 @@
                   <a16:creationId xmlns:a16="http://schemas.microsoft.com/office/drawing/2014/main" id="{C0B2D747-3E31-45C5-9A98-A9710A585FBB}"/>
                 </a:ext>
                 <a:ext uri="{C183D7F6-B498-43B3-948B-1728B52AA6E4}">
-                  <adec:decorative xmlns:adec="http://schemas.microsoft.com/office/drawing/2017/decorative" xmlns="" val="1"/>
+                  <adec:decorative xmlns:adec="http://schemas.microsoft.com/office/drawing/2017/decorative" val="1"/>
                 </a:ext>
               </a:extLst>
             </p:cNvPr>
@@ -24446,7 +24404,7 @@
                   <a16:creationId xmlns:a16="http://schemas.microsoft.com/office/drawing/2014/main" id="{A15FD4BA-3020-462D-8BE8-B3A65B8E492A}"/>
                 </a:ext>
                 <a:ext uri="{C183D7F6-B498-43B3-948B-1728B52AA6E4}">
-                  <adec:decorative xmlns:adec="http://schemas.microsoft.com/office/drawing/2017/decorative" xmlns="" val="1"/>
+                  <adec:decorative xmlns:adec="http://schemas.microsoft.com/office/drawing/2017/decorative" val="1"/>
                 </a:ext>
               </a:extLst>
             </p:cNvPr>
@@ -24524,7 +24482,7 @@
                   <a16:creationId xmlns:a16="http://schemas.microsoft.com/office/drawing/2014/main" id="{A304284A-7318-4DD5-898C-2F6B23C778FA}"/>
                 </a:ext>
                 <a:ext uri="{C183D7F6-B498-43B3-948B-1728B52AA6E4}">
-                  <adec:decorative xmlns:adec="http://schemas.microsoft.com/office/drawing/2017/decorative" xmlns="" val="1"/>
+                  <adec:decorative xmlns:adec="http://schemas.microsoft.com/office/drawing/2017/decorative" val="1"/>
                 </a:ext>
               </a:extLst>
             </p:cNvPr>
@@ -24581,7 +24539,7 @@
                   <a16:creationId xmlns:a16="http://schemas.microsoft.com/office/drawing/2014/main" id="{9DF48E66-B635-4509-B115-E0987C014EBC}"/>
                 </a:ext>
                 <a:ext uri="{C183D7F6-B498-43B3-948B-1728B52AA6E4}">
-                  <adec:decorative xmlns:adec="http://schemas.microsoft.com/office/drawing/2017/decorative" xmlns="" val="1"/>
+                  <adec:decorative xmlns:adec="http://schemas.microsoft.com/office/drawing/2017/decorative" val="1"/>
                 </a:ext>
               </a:extLst>
             </p:cNvPr>
@@ -24660,7 +24618,7 @@
                   <a16:creationId xmlns:a16="http://schemas.microsoft.com/office/drawing/2014/main" id="{E3B96D94-5F5A-4F4C-810C-917BF4D266C3}"/>
                 </a:ext>
                 <a:ext uri="{C183D7F6-B498-43B3-948B-1728B52AA6E4}">
-                  <adec:decorative xmlns:adec="http://schemas.microsoft.com/office/drawing/2017/decorative" xmlns="" val="1"/>
+                  <adec:decorative xmlns:adec="http://schemas.microsoft.com/office/drawing/2017/decorative" val="1"/>
                 </a:ext>
               </a:extLst>
             </p:cNvPr>
@@ -24738,7 +24696,7 @@
                   <a16:creationId xmlns:a16="http://schemas.microsoft.com/office/drawing/2014/main" id="{7F3782D6-BFF8-4389-9D39-A023ADAA92C1}"/>
                 </a:ext>
                 <a:ext uri="{C183D7F6-B498-43B3-948B-1728B52AA6E4}">
-                  <adec:decorative xmlns:adec="http://schemas.microsoft.com/office/drawing/2017/decorative" xmlns="" val="1"/>
+                  <adec:decorative xmlns:adec="http://schemas.microsoft.com/office/drawing/2017/decorative" val="1"/>
                 </a:ext>
               </a:extLst>
             </p:cNvPr>
@@ -24817,7 +24775,7 @@
                   <a16:creationId xmlns:a16="http://schemas.microsoft.com/office/drawing/2014/main" id="{ECE162D4-FCAE-441B-B5E9-C91DE62124EF}"/>
                 </a:ext>
                 <a:ext uri="{C183D7F6-B498-43B3-948B-1728B52AA6E4}">
-                  <adec:decorative xmlns:adec="http://schemas.microsoft.com/office/drawing/2017/decorative" xmlns="" val="1"/>
+                  <adec:decorative xmlns:adec="http://schemas.microsoft.com/office/drawing/2017/decorative" val="1"/>
                 </a:ext>
               </a:extLst>
             </p:cNvPr>
@@ -24915,36 +24873,6 @@
           </a:p>
         </p:txBody>
       </p:sp>
-      <p:pic>
-        <p:nvPicPr>
-          <p:cNvPr id="5" name="Hình ảnh 4">
-            <a:extLst>
-              <a:ext uri="{FF2B5EF4-FFF2-40B4-BE49-F238E27FC236}">
-                <a16:creationId xmlns:a16="http://schemas.microsoft.com/office/drawing/2014/main" id="{2D794351-7E17-44E5-9324-42114ECCF39A}"/>
-              </a:ext>
-            </a:extLst>
-          </p:cNvPr>
-          <p:cNvPicPr>
-            <a:picLocks noChangeAspect="1"/>
-          </p:cNvPicPr>
-          <p:nvPr/>
-        </p:nvPicPr>
-        <p:blipFill>
-          <a:blip r:embed="rId2"/>
-          <a:stretch>
-            <a:fillRect/>
-          </a:stretch>
-        </p:blipFill>
-        <p:spPr>
-          <a:xfrm>
-            <a:off x="1096030" y="2309812"/>
-            <a:ext cx="7747622" cy="2838963"/>
-          </a:xfrm>
-          <a:prstGeom prst="rect">
-            <a:avLst/>
-          </a:prstGeom>
-        </p:spPr>
-      </p:pic>
       <p:sp>
         <p:nvSpPr>
           <p:cNvPr id="3" name="Slide Number Placeholder 2"/>
@@ -24968,6 +24896,36 @@
           </a:p>
         </p:txBody>
       </p:sp>
+      <p:pic>
+        <p:nvPicPr>
+          <p:cNvPr id="4" name="Hình ảnh 3">
+            <a:extLst>
+              <a:ext uri="{FF2B5EF4-FFF2-40B4-BE49-F238E27FC236}">
+                <a16:creationId xmlns:a16="http://schemas.microsoft.com/office/drawing/2014/main" id="{D02C22FA-069F-4B95-8CE8-856491B08527}"/>
+              </a:ext>
+            </a:extLst>
+          </p:cNvPr>
+          <p:cNvPicPr>
+            <a:picLocks noChangeAspect="1"/>
+          </p:cNvPicPr>
+          <p:nvPr/>
+        </p:nvPicPr>
+        <p:blipFill>
+          <a:blip r:embed="rId2"/>
+          <a:stretch>
+            <a:fillRect/>
+          </a:stretch>
+        </p:blipFill>
+        <p:spPr>
+          <a:xfrm>
+            <a:off x="1172118" y="2557817"/>
+            <a:ext cx="8527953" cy="2711889"/>
+          </a:xfrm>
+          <a:prstGeom prst="rect">
+            <a:avLst/>
+          </a:prstGeom>
+        </p:spPr>
+      </p:pic>
     </p:spTree>
     <p:extLst>
       <p:ext uri="{BB962C8B-B14F-4D97-AF65-F5344CB8AC3E}">
@@ -26741,7 +26699,7 @@
                 <a:hlinkClick r:id="rId2">
                   <a:extLst>
                     <a:ext uri="{A12FA001-AC4F-418D-AE19-62706E023703}">
-                      <ahyp:hlinkClr xmlns:ahyp="http://schemas.microsoft.com/office/drawing/2018/hyperlinkcolor" xmlns="" val="tx"/>
+                      <ahyp:hlinkClr xmlns:ahyp="http://schemas.microsoft.com/office/drawing/2018/hyperlinkcolor" val="tx"/>
                     </a:ext>
                   </a:extLst>
                 </a:hlinkClick>
@@ -26785,7 +26743,7 @@
                 <a:hlinkClick r:id="rId3">
                   <a:extLst>
                     <a:ext uri="{A12FA001-AC4F-418D-AE19-62706E023703}">
-                      <ahyp:hlinkClr xmlns:ahyp="http://schemas.microsoft.com/office/drawing/2018/hyperlinkcolor" xmlns="" val="tx"/>
+                      <ahyp:hlinkClr xmlns:ahyp="http://schemas.microsoft.com/office/drawing/2018/hyperlinkcolor" val="tx"/>
                     </a:ext>
                   </a:extLst>
                 </a:hlinkClick>
@@ -27834,7 +27792,7 @@
                 <a16:creationId xmlns:a16="http://schemas.microsoft.com/office/drawing/2014/main" id="{A4D026A2-7476-44B0-9648-BB98882F7BA3}"/>
               </a:ext>
               <a:ext uri="{C183D7F6-B498-43B3-948B-1728B52AA6E4}">
-                <adec:decorative xmlns:adec="http://schemas.microsoft.com/office/drawing/2017/decorative" xmlns="" val="1"/>
+                <adec:decorative xmlns:adec="http://schemas.microsoft.com/office/drawing/2017/decorative" val="1"/>
               </a:ext>
             </a:extLst>
           </p:cNvPr>
@@ -27865,7 +27823,7 @@
                   <a16:creationId xmlns:a16="http://schemas.microsoft.com/office/drawing/2014/main" id="{48F8FC21-0A44-4045-95A1-B7935DBC603D}"/>
                 </a:ext>
                 <a:ext uri="{C183D7F6-B498-43B3-948B-1728B52AA6E4}">
-                  <adec:decorative xmlns:adec="http://schemas.microsoft.com/office/drawing/2017/decorative" xmlns="" val="1"/>
+                  <adec:decorative xmlns:adec="http://schemas.microsoft.com/office/drawing/2017/decorative" val="1"/>
                 </a:ext>
               </a:extLst>
             </p:cNvPr>
@@ -27917,7 +27875,7 @@
                   <a16:creationId xmlns:a16="http://schemas.microsoft.com/office/drawing/2014/main" id="{0209B962-CD29-4D46-A7B0-10F6C7CF1C0F}"/>
                 </a:ext>
                 <a:ext uri="{C183D7F6-B498-43B3-948B-1728B52AA6E4}">
-                  <adec:decorative xmlns:adec="http://schemas.microsoft.com/office/drawing/2017/decorative" xmlns="" val="1"/>
+                  <adec:decorative xmlns:adec="http://schemas.microsoft.com/office/drawing/2017/decorative" val="1"/>
                 </a:ext>
               </a:extLst>
             </p:cNvPr>
@@ -27969,7 +27927,7 @@
                   <a16:creationId xmlns:a16="http://schemas.microsoft.com/office/drawing/2014/main" id="{CC8D40CF-4D47-411D-A8B7-0E4B29E9832B}"/>
                 </a:ext>
                 <a:ext uri="{C183D7F6-B498-43B3-948B-1728B52AA6E4}">
-                  <adec:decorative xmlns:adec="http://schemas.microsoft.com/office/drawing/2017/decorative" xmlns="" val="1"/>
+                  <adec:decorative xmlns:adec="http://schemas.microsoft.com/office/drawing/2017/decorative" val="1"/>
                 </a:ext>
               </a:extLst>
             </p:cNvPr>
@@ -28047,7 +28005,7 @@
                   <a16:creationId xmlns:a16="http://schemas.microsoft.com/office/drawing/2014/main" id="{9B48A2AD-5257-4384-A7F5-A1EE4E6883A5}"/>
                 </a:ext>
                 <a:ext uri="{C183D7F6-B498-43B3-948B-1728B52AA6E4}">
-                  <adec:decorative xmlns:adec="http://schemas.microsoft.com/office/drawing/2017/decorative" xmlns="" val="1"/>
+                  <adec:decorative xmlns:adec="http://schemas.microsoft.com/office/drawing/2017/decorative" val="1"/>
                 </a:ext>
               </a:extLst>
             </p:cNvPr>
@@ -28125,7 +28083,7 @@
                   <a16:creationId xmlns:a16="http://schemas.microsoft.com/office/drawing/2014/main" id="{04C26DE3-844C-47DA-831E-E7D7BF617EC2}"/>
                 </a:ext>
                 <a:ext uri="{C183D7F6-B498-43B3-948B-1728B52AA6E4}">
-                  <adec:decorative xmlns:adec="http://schemas.microsoft.com/office/drawing/2017/decorative" xmlns="" val="1"/>
+                  <adec:decorative xmlns:adec="http://schemas.microsoft.com/office/drawing/2017/decorative" val="1"/>
                 </a:ext>
               </a:extLst>
             </p:cNvPr>
@@ -28182,7 +28140,7 @@
                   <a16:creationId xmlns:a16="http://schemas.microsoft.com/office/drawing/2014/main" id="{922D975E-0684-4AA6-9FB7-929B250D5389}"/>
                 </a:ext>
                 <a:ext uri="{C183D7F6-B498-43B3-948B-1728B52AA6E4}">
-                  <adec:decorative xmlns:adec="http://schemas.microsoft.com/office/drawing/2017/decorative" xmlns="" val="1"/>
+                  <adec:decorative xmlns:adec="http://schemas.microsoft.com/office/drawing/2017/decorative" val="1"/>
                 </a:ext>
               </a:extLst>
             </p:cNvPr>
@@ -28261,7 +28219,7 @@
                   <a16:creationId xmlns:a16="http://schemas.microsoft.com/office/drawing/2014/main" id="{38ED5A9A-F0C7-4547-BC1E-22FC89BD26D1}"/>
                 </a:ext>
                 <a:ext uri="{C183D7F6-B498-43B3-948B-1728B52AA6E4}">
-                  <adec:decorative xmlns:adec="http://schemas.microsoft.com/office/drawing/2017/decorative" xmlns="" val="1"/>
+                  <adec:decorative xmlns:adec="http://schemas.microsoft.com/office/drawing/2017/decorative" val="1"/>
                 </a:ext>
               </a:extLst>
             </p:cNvPr>
@@ -28339,7 +28297,7 @@
                   <a16:creationId xmlns:a16="http://schemas.microsoft.com/office/drawing/2014/main" id="{2D743765-A245-4349-A5CE-4AB5F078F91E}"/>
                 </a:ext>
                 <a:ext uri="{C183D7F6-B498-43B3-948B-1728B52AA6E4}">
-                  <adec:decorative xmlns:adec="http://schemas.microsoft.com/office/drawing/2017/decorative" xmlns="" val="1"/>
+                  <adec:decorative xmlns:adec="http://schemas.microsoft.com/office/drawing/2017/decorative" val="1"/>
                 </a:ext>
               </a:extLst>
             </p:cNvPr>
@@ -28418,7 +28376,7 @@
                   <a16:creationId xmlns:a16="http://schemas.microsoft.com/office/drawing/2014/main" id="{0AF7217B-D042-44D2-9FC7-71FAB6651A47}"/>
                 </a:ext>
                 <a:ext uri="{C183D7F6-B498-43B3-948B-1728B52AA6E4}">
-                  <adec:decorative xmlns:adec="http://schemas.microsoft.com/office/drawing/2017/decorative" xmlns="" val="1"/>
+                  <adec:decorative xmlns:adec="http://schemas.microsoft.com/office/drawing/2017/decorative" val="1"/>
                 </a:ext>
               </a:extLst>
             </p:cNvPr>
@@ -28475,7 +28433,7 @@
                   <a16:creationId xmlns:a16="http://schemas.microsoft.com/office/drawing/2014/main" id="{1CC9171B-8BEB-48B1-B9BE-E9584522D074}"/>
                 </a:ext>
                 <a:ext uri="{C183D7F6-B498-43B3-948B-1728B52AA6E4}">
-                  <adec:decorative xmlns:adec="http://schemas.microsoft.com/office/drawing/2017/decorative" xmlns="" val="1"/>
+                  <adec:decorative xmlns:adec="http://schemas.microsoft.com/office/drawing/2017/decorative" val="1"/>
                 </a:ext>
               </a:extLst>
             </p:cNvPr>
@@ -28532,7 +28490,7 @@
                 <a16:creationId xmlns:a16="http://schemas.microsoft.com/office/drawing/2014/main" id="{03E8462A-FEBA-4848-81CC-3F8DA3E477BE}"/>
               </a:ext>
               <a:ext uri="{C183D7F6-B498-43B3-948B-1728B52AA6E4}">
-                <adec:decorative xmlns:adec="http://schemas.microsoft.com/office/drawing/2017/decorative" xmlns="" val="1"/>
+                <adec:decorative xmlns:adec="http://schemas.microsoft.com/office/drawing/2017/decorative" val="1"/>
               </a:ext>
             </a:extLst>
           </p:cNvPr>
@@ -28595,7 +28553,7 @@
                 <a16:creationId xmlns:a16="http://schemas.microsoft.com/office/drawing/2014/main" id="{2109F83F-40FE-4DB3-84CC-09FB3340D06D}"/>
               </a:ext>
               <a:ext uri="{C183D7F6-B498-43B3-948B-1728B52AA6E4}">
-                <adec:decorative xmlns:adec="http://schemas.microsoft.com/office/drawing/2017/decorative" xmlns="" val="1"/>
+                <adec:decorative xmlns:adec="http://schemas.microsoft.com/office/drawing/2017/decorative" val="1"/>
               </a:ext>
             </a:extLst>
           </p:cNvPr>
@@ -28626,7 +28584,7 @@
                   <a16:creationId xmlns:a16="http://schemas.microsoft.com/office/drawing/2014/main" id="{1DE492D7-C3C3-48FF-80C8-37021EA0262F}"/>
                 </a:ext>
                 <a:ext uri="{C183D7F6-B498-43B3-948B-1728B52AA6E4}">
-                  <adec:decorative xmlns:adec="http://schemas.microsoft.com/office/drawing/2017/decorative" xmlns="" val="1"/>
+                  <adec:decorative xmlns:adec="http://schemas.microsoft.com/office/drawing/2017/decorative" val="1"/>
                 </a:ext>
               </a:extLst>
             </p:cNvPr>
@@ -28678,7 +28636,7 @@
                   <a16:creationId xmlns:a16="http://schemas.microsoft.com/office/drawing/2014/main" id="{0B30FF97-2E9A-490A-AED2-90BA2E0EC17F}"/>
                 </a:ext>
                 <a:ext uri="{C183D7F6-B498-43B3-948B-1728B52AA6E4}">
-                  <adec:decorative xmlns:adec="http://schemas.microsoft.com/office/drawing/2017/decorative" xmlns="" val="1"/>
+                  <adec:decorative xmlns:adec="http://schemas.microsoft.com/office/drawing/2017/decorative" val="1"/>
                 </a:ext>
               </a:extLst>
             </p:cNvPr>
@@ -28756,7 +28714,7 @@
                   <a16:creationId xmlns:a16="http://schemas.microsoft.com/office/drawing/2014/main" id="{B6D53C7D-A312-47B6-A66A-230A19CFACA6}"/>
                 </a:ext>
                 <a:ext uri="{C183D7F6-B498-43B3-948B-1728B52AA6E4}">
-                  <adec:decorative xmlns:adec="http://schemas.microsoft.com/office/drawing/2017/decorative" xmlns="" val="1"/>
+                  <adec:decorative xmlns:adec="http://schemas.microsoft.com/office/drawing/2017/decorative" val="1"/>
                 </a:ext>
               </a:extLst>
             </p:cNvPr>
@@ -28834,7 +28792,7 @@
                   <a16:creationId xmlns:a16="http://schemas.microsoft.com/office/drawing/2014/main" id="{9329D58C-0D2E-4A2B-AD6A-9CEE506784A8}"/>
                 </a:ext>
                 <a:ext uri="{C183D7F6-B498-43B3-948B-1728B52AA6E4}">
-                  <adec:decorative xmlns:adec="http://schemas.microsoft.com/office/drawing/2017/decorative" xmlns="" val="1"/>
+                  <adec:decorative xmlns:adec="http://schemas.microsoft.com/office/drawing/2017/decorative" val="1"/>
                 </a:ext>
               </a:extLst>
             </p:cNvPr>
@@ -28890,7 +28848,7 @@
                   <a16:creationId xmlns:a16="http://schemas.microsoft.com/office/drawing/2014/main" id="{9D446EDE-C690-4461-8BF2-7634808FC8B4}"/>
                 </a:ext>
                 <a:ext uri="{C183D7F6-B498-43B3-948B-1728B52AA6E4}">
-                  <adec:decorative xmlns:adec="http://schemas.microsoft.com/office/drawing/2017/decorative" xmlns="" val="1"/>
+                  <adec:decorative xmlns:adec="http://schemas.microsoft.com/office/drawing/2017/decorative" val="1"/>
                 </a:ext>
               </a:extLst>
             </p:cNvPr>
@@ -28969,7 +28927,7 @@
                   <a16:creationId xmlns:a16="http://schemas.microsoft.com/office/drawing/2014/main" id="{323F3D34-6531-4AD7-A8C6-195A090281A1}"/>
                 </a:ext>
                 <a:ext uri="{C183D7F6-B498-43B3-948B-1728B52AA6E4}">
-                  <adec:decorative xmlns:adec="http://schemas.microsoft.com/office/drawing/2017/decorative" xmlns="" val="1"/>
+                  <adec:decorative xmlns:adec="http://schemas.microsoft.com/office/drawing/2017/decorative" val="1"/>
                 </a:ext>
               </a:extLst>
             </p:cNvPr>
@@ -29049,7 +29007,7 @@
                   <a16:creationId xmlns:a16="http://schemas.microsoft.com/office/drawing/2014/main" id="{B9B0AE3F-2350-435F-A9B0-C310BF876385}"/>
                 </a:ext>
                 <a:ext uri="{C183D7F6-B498-43B3-948B-1728B52AA6E4}">
-                  <adec:decorative xmlns:adec="http://schemas.microsoft.com/office/drawing/2017/decorative" xmlns="" val="1"/>
+                  <adec:decorative xmlns:adec="http://schemas.microsoft.com/office/drawing/2017/decorative" val="1"/>
                 </a:ext>
               </a:extLst>
             </p:cNvPr>
@@ -29127,7 +29085,7 @@
                   <a16:creationId xmlns:a16="http://schemas.microsoft.com/office/drawing/2014/main" id="{4EFA655C-9E50-4C14-A89E-AD7B648E4E2B}"/>
                 </a:ext>
                 <a:ext uri="{C183D7F6-B498-43B3-948B-1728B52AA6E4}">
-                  <adec:decorative xmlns:adec="http://schemas.microsoft.com/office/drawing/2017/decorative" xmlns="" val="1"/>
+                  <adec:decorative xmlns:adec="http://schemas.microsoft.com/office/drawing/2017/decorative" val="1"/>
                 </a:ext>
               </a:extLst>
             </p:cNvPr>
@@ -29183,7 +29141,7 @@
                   <a16:creationId xmlns:a16="http://schemas.microsoft.com/office/drawing/2014/main" id="{3E843863-7D25-4C01-9A17-E817CB6D998A}"/>
                 </a:ext>
                 <a:ext uri="{C183D7F6-B498-43B3-948B-1728B52AA6E4}">
-                  <adec:decorative xmlns:adec="http://schemas.microsoft.com/office/drawing/2017/decorative" xmlns="" val="1"/>
+                  <adec:decorative xmlns:adec="http://schemas.microsoft.com/office/drawing/2017/decorative" val="1"/>
                 </a:ext>
               </a:extLst>
             </p:cNvPr>
@@ -29240,7 +29198,7 @@
                 <a16:creationId xmlns:a16="http://schemas.microsoft.com/office/drawing/2014/main" id="{7941F9B1-B01B-4A84-89D9-B169AEB4E456}"/>
               </a:ext>
               <a:ext uri="{C183D7F6-B498-43B3-948B-1728B52AA6E4}">
-                <adec:decorative xmlns:adec="http://schemas.microsoft.com/office/drawing/2017/decorative" xmlns="" val="1"/>
+                <adec:decorative xmlns:adec="http://schemas.microsoft.com/office/drawing/2017/decorative" val="1"/>
               </a:ext>
             </a:extLst>
           </p:cNvPr>
